--- a/brilliance/嵌入式.pptx
+++ b/brilliance/嵌入式.pptx
@@ -5,10 +5,10 @@
     <p:sldMasterId id="2147483648" r:id="rId1"/>
   </p:sldMasterIdLst>
   <p:notesMasterIdLst>
-    <p:notesMasterId r:id="rId21"/>
+    <p:notesMasterId r:id="rId39"/>
   </p:notesMasterIdLst>
   <p:handoutMasterIdLst>
-    <p:handoutMasterId r:id="rId22"/>
+    <p:handoutMasterId r:id="rId40"/>
   </p:handoutMasterIdLst>
   <p:sldIdLst>
     <p:sldId id="256" r:id="rId2"/>
@@ -30,6 +30,24 @@
     <p:sldId id="274" r:id="rId18"/>
     <p:sldId id="275" r:id="rId19"/>
     <p:sldId id="276" r:id="rId20"/>
+    <p:sldId id="280" r:id="rId21"/>
+    <p:sldId id="281" r:id="rId22"/>
+    <p:sldId id="282" r:id="rId23"/>
+    <p:sldId id="283" r:id="rId24"/>
+    <p:sldId id="284" r:id="rId25"/>
+    <p:sldId id="285" r:id="rId26"/>
+    <p:sldId id="286" r:id="rId27"/>
+    <p:sldId id="287" r:id="rId28"/>
+    <p:sldId id="288" r:id="rId29"/>
+    <p:sldId id="289" r:id="rId30"/>
+    <p:sldId id="290" r:id="rId31"/>
+    <p:sldId id="291" r:id="rId32"/>
+    <p:sldId id="292" r:id="rId33"/>
+    <p:sldId id="293" r:id="rId34"/>
+    <p:sldId id="294" r:id="rId35"/>
+    <p:sldId id="277" r:id="rId36"/>
+    <p:sldId id="278" r:id="rId37"/>
+    <p:sldId id="279" r:id="rId38"/>
   </p:sldIdLst>
   <p:sldSz cx="12192000" cy="6858000"/>
   <p:notesSz cx="6858000" cy="9144000"/>
@@ -235,7 +253,7 @@
                 <a:latin typeface="微软雅黑" panose="020B0503020204020204" charset="-122"/>
                 <a:ea typeface="微软雅黑" panose="020B0503020204020204" charset="-122"/>
               </a:rPr>
-              <a:t>2019/12/30</a:t>
+              <a:t>2020/1/7</a:t>
             </a:fld>
             <a:endParaRPr lang="zh-CN" altLang="en-US">
               <a:latin typeface="微软雅黑" panose="020B0503020204020204" charset="-122"/>
@@ -413,7 +431,7 @@
           <a:p>
             <a:fld id="{1AC49D05-6128-4D0D-A32A-06A5E73B386C}" type="datetimeFigureOut">
               <a:rPr lang="zh-CN" altLang="en-US" smtClean="0"/>
-              <a:t>2019/12/30</a:t>
+              <a:t>2020/1/7</a:t>
             </a:fld>
             <a:endParaRPr lang="zh-CN" altLang="en-US"/>
           </a:p>
@@ -1634,7 +1652,7 @@
           <a:p>
             <a:fld id="{760FBDFE-C587-4B4C-A407-44438C67B59E}" type="datetimeFigureOut">
               <a:rPr lang="zh-CN" altLang="en-US" smtClean="0"/>
-              <a:t>2019/12/30</a:t>
+              <a:t>2020/1/7</a:t>
             </a:fld>
             <a:endParaRPr lang="zh-CN" altLang="en-US"/>
           </a:p>
@@ -1733,7 +1751,7 @@
           <a:p>
             <a:fld id="{760FBDFE-C587-4B4C-A407-44438C67B59E}" type="datetimeFigureOut">
               <a:rPr lang="zh-CN" altLang="en-US" smtClean="0"/>
-              <a:t>2019/12/30</a:t>
+              <a:t>2020/1/7</a:t>
             </a:fld>
             <a:endParaRPr lang="zh-CN" altLang="en-US"/>
           </a:p>
@@ -1942,7 +1960,7 @@
           <a:p>
             <a:fld id="{760FBDFE-C587-4B4C-A407-44438C67B59E}" type="datetimeFigureOut">
               <a:rPr lang="zh-CN" altLang="en-US" smtClean="0"/>
-              <a:t>2019/12/30</a:t>
+              <a:t>2020/1/7</a:t>
             </a:fld>
             <a:endParaRPr lang="zh-CN" altLang="en-US"/>
           </a:p>
@@ -2357,7 +2375,7 @@
           <a:p>
             <a:fld id="{760FBDFE-C587-4B4C-A407-44438C67B59E}" type="datetimeFigureOut">
               <a:rPr lang="zh-CN" altLang="en-US" smtClean="0"/>
-              <a:t>2019/12/30</a:t>
+              <a:t>2020/1/7</a:t>
             </a:fld>
             <a:endParaRPr lang="zh-CN" altLang="en-US"/>
           </a:p>
@@ -2631,7 +2649,7 @@
           <a:p>
             <a:fld id="{760FBDFE-C587-4B4C-A407-44438C67B59E}" type="datetimeFigureOut">
               <a:rPr lang="zh-CN" altLang="en-US" smtClean="0"/>
-              <a:t>2019/12/30</a:t>
+              <a:t>2020/1/7</a:t>
             </a:fld>
             <a:endParaRPr lang="zh-CN" altLang="en-US"/>
           </a:p>
@@ -3099,7 +3117,7 @@
           <a:p>
             <a:fld id="{760FBDFE-C587-4B4C-A407-44438C67B59E}" type="datetimeFigureOut">
               <a:rPr lang="zh-CN" altLang="en-US" smtClean="0"/>
-              <a:t>2019/12/30</a:t>
+              <a:t>2020/1/7</a:t>
             </a:fld>
             <a:endParaRPr lang="zh-CN" altLang="en-US"/>
           </a:p>
@@ -3832,7 +3850,7 @@
           <a:p>
             <a:fld id="{760FBDFE-C587-4B4C-A407-44438C67B59E}" type="datetimeFigureOut">
               <a:rPr lang="zh-CN" altLang="en-US" smtClean="0"/>
-              <a:t>2019/12/30</a:t>
+              <a:t>2020/1/7</a:t>
             </a:fld>
             <a:endParaRPr lang="zh-CN" altLang="en-US"/>
           </a:p>
@@ -3978,7 +3996,7 @@
           <a:p>
             <a:fld id="{760FBDFE-C587-4B4C-A407-44438C67B59E}" type="datetimeFigureOut">
               <a:rPr lang="zh-CN" altLang="en-US" smtClean="0"/>
-              <a:t>2019/12/30</a:t>
+              <a:t>2020/1/7</a:t>
             </a:fld>
             <a:endParaRPr lang="zh-CN" altLang="en-US"/>
           </a:p>
@@ -4077,7 +4095,7 @@
           <a:p>
             <a:fld id="{760FBDFE-C587-4B4C-A407-44438C67B59E}" type="datetimeFigureOut">
               <a:rPr lang="zh-CN" altLang="en-US" smtClean="0"/>
-              <a:t>2019/12/30</a:t>
+              <a:t>2020/1/7</a:t>
             </a:fld>
             <a:endParaRPr lang="zh-CN" altLang="en-US"/>
           </a:p>
@@ -4392,7 +4410,7 @@
           <a:p>
             <a:fld id="{9EFD9D74-47D9-4702-A33C-335B63B48DBF}" type="datetimeFigureOut">
               <a:rPr lang="zh-CN" altLang="en-US" smtClean="0"/>
-              <a:t>2019/12/30</a:t>
+              <a:t>2020/1/7</a:t>
             </a:fld>
             <a:endParaRPr lang="zh-CN" altLang="en-US" dirty="0"/>
           </a:p>
@@ -4681,7 +4699,7 @@
           <a:p>
             <a:fld id="{760FBDFE-C587-4B4C-A407-44438C67B59E}" type="datetimeFigureOut">
               <a:rPr lang="zh-CN" altLang="en-US" smtClean="0"/>
-              <a:t>2019/12/30</a:t>
+              <a:t>2020/1/7</a:t>
             </a:fld>
             <a:endParaRPr lang="zh-CN" altLang="en-US"/>
           </a:p>
@@ -4915,7 +4933,7 @@
           <a:p>
             <a:fld id="{760FBDFE-C587-4B4C-A407-44438C67B59E}" type="datetimeFigureOut">
               <a:rPr lang="zh-CN" altLang="en-US" smtClean="0"/>
-              <a:t>2019/12/30</a:t>
+              <a:t>2020/1/7</a:t>
             </a:fld>
             <a:endParaRPr lang="zh-CN" altLang="en-US"/>
           </a:p>
@@ -5524,7 +5542,7 @@
           </a:p>
           <a:p>
             <a:pPr algn="l"/>
-            <a:endParaRPr lang="zh-CN" altLang="en-US"/>
+            <a:endParaRPr lang="zh-CN" altLang="en-US" dirty="0"/>
           </a:p>
         </p:txBody>
       </p:sp>
@@ -17201,6 +17219,2906 @@
 </p:sld>
 </file>
 
+<file path=ppt/slides/slide20.xml><?xml version="1.0" encoding="utf-8"?>
+<p:sld xmlns:a="http://schemas.openxmlformats.org/drawingml/2006/main" xmlns:r="http://schemas.openxmlformats.org/officeDocument/2006/relationships" xmlns:p="http://schemas.openxmlformats.org/presentationml/2006/main">
+  <p:cSld>
+    <p:spTree>
+      <p:nvGrpSpPr>
+        <p:cNvPr id="1" name=""/>
+        <p:cNvGrpSpPr/>
+        <p:nvPr/>
+      </p:nvGrpSpPr>
+      <p:grpSpPr>
+        <a:xfrm>
+          <a:off x="0" y="0"/>
+          <a:ext cx="0" cy="0"/>
+          <a:chOff x="0" y="0"/>
+          <a:chExt cx="0" cy="0"/>
+        </a:xfrm>
+      </p:grpSpPr>
+      <p:sp>
+        <p:nvSpPr>
+          <p:cNvPr id="2" name="标题 1">
+            <a:extLst>
+              <a:ext uri="{FF2B5EF4-FFF2-40B4-BE49-F238E27FC236}">
+                <a16:creationId xmlns:a16="http://schemas.microsoft.com/office/drawing/2014/main" id="{69A2DEF4-1F18-495C-95AF-C161FB6F90B1}"/>
+              </a:ext>
+            </a:extLst>
+          </p:cNvPr>
+          <p:cNvSpPr>
+            <a:spLocks noGrp="1"/>
+          </p:cNvSpPr>
+          <p:nvPr>
+            <p:ph type="title"/>
+          </p:nvPr>
+        </p:nvSpPr>
+        <p:spPr/>
+        <p:txBody>
+          <a:bodyPr/>
+          <a:lstStyle/>
+          <a:p>
+            <a:r>
+              <a:rPr lang="en-US" altLang="zh-CN" dirty="0"/>
+              <a:t>Linux</a:t>
+            </a:r>
+            <a:r>
+              <a:rPr lang="zh-CN" altLang="en-US" dirty="0"/>
+              <a:t>基础</a:t>
+            </a:r>
+          </a:p>
+        </p:txBody>
+      </p:sp>
+      <p:sp>
+        <p:nvSpPr>
+          <p:cNvPr id="3" name="内容占位符 2">
+            <a:extLst>
+              <a:ext uri="{FF2B5EF4-FFF2-40B4-BE49-F238E27FC236}">
+                <a16:creationId xmlns:a16="http://schemas.microsoft.com/office/drawing/2014/main" id="{9EDCB212-546F-4356-8B79-C074C2FCB68B}"/>
+              </a:ext>
+            </a:extLst>
+          </p:cNvPr>
+          <p:cNvSpPr>
+            <a:spLocks noGrp="1"/>
+          </p:cNvSpPr>
+          <p:nvPr>
+            <p:ph idx="1"/>
+          </p:nvPr>
+        </p:nvSpPr>
+        <p:spPr/>
+        <p:txBody>
+          <a:bodyPr/>
+          <a:lstStyle/>
+          <a:p>
+            <a:r>
+              <a:rPr lang="en-US" altLang="zh-CN" dirty="0"/>
+              <a:t>Linux : Linux is not Unix</a:t>
+            </a:r>
+            <a:r>
+              <a:rPr lang="zh-CN" altLang="en-US" dirty="0"/>
+              <a:t>。</a:t>
+            </a:r>
+            <a:endParaRPr lang="en-US" altLang="zh-CN" dirty="0"/>
+          </a:p>
+          <a:p>
+            <a:r>
+              <a:rPr lang="zh-CN" altLang="en-US" b="1" dirty="0"/>
+              <a:t>简介</a:t>
+            </a:r>
+            <a:endParaRPr lang="en-US" altLang="zh-CN" b="1" dirty="0"/>
+          </a:p>
+          <a:p>
+            <a:pPr marL="0" indent="0" latinLnBrk="1">
+              <a:buNone/>
+            </a:pPr>
+            <a:r>
+              <a:rPr lang="en-US" altLang="zh-CN" dirty="0"/>
+              <a:t>Linux </a:t>
+            </a:r>
+            <a:r>
+              <a:rPr lang="zh-CN" altLang="en-US" dirty="0"/>
+              <a:t>内核最初只是由芬兰人林纳斯</a:t>
+            </a:r>
+            <a:r>
+              <a:rPr lang="en-US" altLang="zh-CN" dirty="0"/>
+              <a:t>·</a:t>
+            </a:r>
+            <a:r>
+              <a:rPr lang="zh-CN" altLang="en-US" dirty="0"/>
+              <a:t>托瓦兹（</a:t>
+            </a:r>
+            <a:r>
+              <a:rPr lang="en-US" altLang="zh-CN" dirty="0"/>
+              <a:t>Linus Torvalds</a:t>
+            </a:r>
+            <a:r>
+              <a:rPr lang="zh-CN" altLang="en-US" dirty="0"/>
+              <a:t>）在赫尔辛基大学上学时出于个人爱好而编写的。</a:t>
+            </a:r>
+            <a:endParaRPr lang="en-US" altLang="zh-CN" dirty="0"/>
+          </a:p>
+          <a:p>
+            <a:pPr marL="0" indent="0" latinLnBrk="1">
+              <a:buNone/>
+            </a:pPr>
+            <a:r>
+              <a:rPr lang="en-US" altLang="zh-CN" dirty="0"/>
+              <a:t>Linux </a:t>
+            </a:r>
+            <a:r>
+              <a:rPr lang="zh-CN" altLang="en-US" dirty="0"/>
+              <a:t>是一套免费使用</a:t>
+            </a:r>
+            <a:r>
+              <a:rPr lang="en-US" altLang="zh-CN" dirty="0"/>
+              <a:t>/</a:t>
+            </a:r>
+            <a:r>
+              <a:rPr lang="zh-CN" altLang="en-US" dirty="0"/>
+              <a:t>和自由传播的类 </a:t>
+            </a:r>
+            <a:r>
+              <a:rPr lang="en-US" altLang="zh-CN" dirty="0"/>
+              <a:t>Unix </a:t>
+            </a:r>
+            <a:r>
+              <a:rPr lang="zh-CN" altLang="en-US" dirty="0"/>
+              <a:t>操作系统，是一个基于 </a:t>
+            </a:r>
+            <a:r>
+              <a:rPr lang="en-US" altLang="zh-CN" dirty="0"/>
+              <a:t>POSIX </a:t>
+            </a:r>
+            <a:r>
+              <a:rPr lang="zh-CN" altLang="en-US" dirty="0"/>
+              <a:t>和 </a:t>
+            </a:r>
+            <a:r>
+              <a:rPr lang="en-US" altLang="zh-CN" dirty="0"/>
+              <a:t>UNIX </a:t>
+            </a:r>
+            <a:r>
+              <a:rPr lang="zh-CN" altLang="en-US" dirty="0"/>
+              <a:t>的多用户、多任务、支持多线程和多 </a:t>
+            </a:r>
+            <a:r>
+              <a:rPr lang="en-US" altLang="zh-CN" dirty="0"/>
+              <a:t>CPU </a:t>
+            </a:r>
+            <a:r>
+              <a:rPr lang="zh-CN" altLang="en-US" dirty="0"/>
+              <a:t>的操作系统。</a:t>
+            </a:r>
+            <a:endParaRPr lang="en-US" altLang="zh-CN" dirty="0"/>
+          </a:p>
+          <a:p>
+            <a:pPr marL="0" indent="0" latinLnBrk="1">
+              <a:buNone/>
+            </a:pPr>
+            <a:r>
+              <a:rPr lang="en-US" altLang="zh-CN" dirty="0"/>
+              <a:t>Linux </a:t>
+            </a:r>
+            <a:r>
+              <a:rPr lang="zh-CN" altLang="en-US" dirty="0"/>
+              <a:t>能运行主要的 </a:t>
+            </a:r>
+            <a:r>
+              <a:rPr lang="en-US" altLang="zh-CN" dirty="0"/>
+              <a:t>UNIX </a:t>
+            </a:r>
+            <a:r>
+              <a:rPr lang="zh-CN" altLang="en-US" dirty="0"/>
+              <a:t>工具软件、应用程序和网络协议。它支持 </a:t>
+            </a:r>
+            <a:r>
+              <a:rPr lang="en-US" altLang="zh-CN" dirty="0"/>
+              <a:t>32 </a:t>
+            </a:r>
+            <a:r>
+              <a:rPr lang="zh-CN" altLang="en-US" dirty="0"/>
+              <a:t>位和 </a:t>
+            </a:r>
+            <a:r>
+              <a:rPr lang="en-US" altLang="zh-CN" dirty="0"/>
+              <a:t>64 </a:t>
+            </a:r>
+            <a:r>
+              <a:rPr lang="zh-CN" altLang="en-US" dirty="0"/>
+              <a:t>位硬件。</a:t>
+            </a:r>
+            <a:r>
+              <a:rPr lang="en-US" altLang="zh-CN" dirty="0"/>
+              <a:t>Linux </a:t>
+            </a:r>
+            <a:r>
+              <a:rPr lang="zh-CN" altLang="en-US" dirty="0"/>
+              <a:t>继承了 </a:t>
+            </a:r>
+            <a:r>
+              <a:rPr lang="en-US" altLang="zh-CN" dirty="0"/>
+              <a:t>Unix </a:t>
+            </a:r>
+            <a:r>
+              <a:rPr lang="zh-CN" altLang="en-US" dirty="0"/>
+              <a:t>以网络为核心的设计思想，是一个性能稳定的多用户网络操作系统。</a:t>
+            </a:r>
+          </a:p>
+          <a:p>
+            <a:pPr marL="0" indent="0">
+              <a:buNone/>
+            </a:pPr>
+            <a:endParaRPr lang="zh-CN" altLang="en-US" dirty="0"/>
+          </a:p>
+        </p:txBody>
+      </p:sp>
+    </p:spTree>
+    <p:extLst>
+      <p:ext uri="{BB962C8B-B14F-4D97-AF65-F5344CB8AC3E}">
+        <p14:creationId xmlns:p14="http://schemas.microsoft.com/office/powerpoint/2010/main" val="722950365"/>
+      </p:ext>
+    </p:extLst>
+  </p:cSld>
+  <p:clrMapOvr>
+    <a:masterClrMapping/>
+  </p:clrMapOvr>
+</p:sld>
+</file>
+
+<file path=ppt/slides/slide21.xml><?xml version="1.0" encoding="utf-8"?>
+<p:sld xmlns:a="http://schemas.openxmlformats.org/drawingml/2006/main" xmlns:r="http://schemas.openxmlformats.org/officeDocument/2006/relationships" xmlns:p="http://schemas.openxmlformats.org/presentationml/2006/main">
+  <p:cSld>
+    <p:spTree>
+      <p:nvGrpSpPr>
+        <p:cNvPr id="1" name=""/>
+        <p:cNvGrpSpPr/>
+        <p:nvPr/>
+      </p:nvGrpSpPr>
+      <p:grpSpPr>
+        <a:xfrm>
+          <a:off x="0" y="0"/>
+          <a:ext cx="0" cy="0"/>
+          <a:chOff x="0" y="0"/>
+          <a:chExt cx="0" cy="0"/>
+        </a:xfrm>
+      </p:grpSpPr>
+      <p:sp>
+        <p:nvSpPr>
+          <p:cNvPr id="2" name="标题 1">
+            <a:extLst>
+              <a:ext uri="{FF2B5EF4-FFF2-40B4-BE49-F238E27FC236}">
+                <a16:creationId xmlns:a16="http://schemas.microsoft.com/office/drawing/2014/main" id="{69DE719B-6BBC-4763-A0E8-443782B69810}"/>
+              </a:ext>
+            </a:extLst>
+          </p:cNvPr>
+          <p:cNvSpPr>
+            <a:spLocks noGrp="1"/>
+          </p:cNvSpPr>
+          <p:nvPr>
+            <p:ph type="title"/>
+          </p:nvPr>
+        </p:nvSpPr>
+        <p:spPr/>
+        <p:txBody>
+          <a:bodyPr/>
+          <a:lstStyle/>
+          <a:p>
+            <a:r>
+              <a:rPr lang="en-US" altLang="zh-CN" dirty="0"/>
+              <a:t>Linux</a:t>
+            </a:r>
+            <a:r>
+              <a:rPr lang="zh-CN" altLang="en-US" dirty="0"/>
+              <a:t>发行版</a:t>
+            </a:r>
+          </a:p>
+        </p:txBody>
+      </p:sp>
+      <p:pic>
+        <p:nvPicPr>
+          <p:cNvPr id="1026" name="Picture 2">
+            <a:extLst>
+              <a:ext uri="{FF2B5EF4-FFF2-40B4-BE49-F238E27FC236}">
+                <a16:creationId xmlns:a16="http://schemas.microsoft.com/office/drawing/2014/main" id="{5EB33CB7-7847-4D39-A055-18D1A6A2C5C8}"/>
+              </a:ext>
+            </a:extLst>
+          </p:cNvPr>
+          <p:cNvPicPr>
+            <a:picLocks noGrp="1" noChangeAspect="1" noChangeArrowheads="1"/>
+          </p:cNvPicPr>
+          <p:nvPr>
+            <p:ph idx="1"/>
+          </p:nvPr>
+        </p:nvPicPr>
+        <p:blipFill>
+          <a:blip r:embed="rId2">
+            <a:extLst>
+              <a:ext uri="{28A0092B-C50C-407E-A947-70E740481C1C}">
+                <a14:useLocalDpi xmlns:a14="http://schemas.microsoft.com/office/drawing/2010/main" val="0"/>
+              </a:ext>
+            </a:extLst>
+          </a:blip>
+          <a:srcRect/>
+          <a:stretch>
+            <a:fillRect/>
+          </a:stretch>
+        </p:blipFill>
+        <p:spPr bwMode="auto">
+          <a:xfrm>
+            <a:off x="384655" y="1621057"/>
+            <a:ext cx="6705600" cy="4114800"/>
+          </a:xfrm>
+          <a:prstGeom prst="rect">
+            <a:avLst/>
+          </a:prstGeom>
+          <a:noFill/>
+          <a:extLst>
+            <a:ext uri="{909E8E84-426E-40DD-AFC4-6F175D3DCCD1}">
+              <a14:hiddenFill xmlns:a14="http://schemas.microsoft.com/office/drawing/2010/main">
+                <a:solidFill>
+                  <a:srgbClr val="FFFFFF"/>
+                </a:solidFill>
+              </a14:hiddenFill>
+            </a:ext>
+          </a:extLst>
+        </p:spPr>
+      </p:pic>
+      <p:sp>
+        <p:nvSpPr>
+          <p:cNvPr id="4" name="文本框 3">
+            <a:extLst>
+              <a:ext uri="{FF2B5EF4-FFF2-40B4-BE49-F238E27FC236}">
+                <a16:creationId xmlns:a16="http://schemas.microsoft.com/office/drawing/2014/main" id="{FF52DD9D-EB17-4B05-ABC8-653E37AC04FD}"/>
+              </a:ext>
+            </a:extLst>
+          </p:cNvPr>
+          <p:cNvSpPr txBox="1"/>
+          <p:nvPr/>
+        </p:nvSpPr>
+        <p:spPr>
+          <a:xfrm>
+            <a:off x="7336107" y="2621011"/>
+            <a:ext cx="4186012" cy="738664"/>
+          </a:xfrm>
+          <a:prstGeom prst="rect">
+            <a:avLst/>
+          </a:prstGeom>
+          <a:noFill/>
+        </p:spPr>
+        <p:txBody>
+          <a:bodyPr wrap="square" rtlCol="0">
+            <a:spAutoFit/>
+          </a:bodyPr>
+          <a:lstStyle/>
+          <a:p>
+            <a:r>
+              <a:rPr lang="zh-CN" altLang="en-US" sz="1400" dirty="0"/>
+              <a:t>目前市面上较知名的发行版有：</a:t>
+            </a:r>
+            <a:endParaRPr lang="en-US" altLang="zh-CN" sz="1400" dirty="0"/>
+          </a:p>
+          <a:p>
+            <a:r>
+              <a:rPr lang="en-US" altLang="zh-CN" sz="1400" dirty="0"/>
+              <a:t>Ubuntu</a:t>
+            </a:r>
+            <a:r>
+              <a:rPr lang="zh-CN" altLang="en-US" sz="1400" dirty="0"/>
+              <a:t>、</a:t>
+            </a:r>
+            <a:r>
+              <a:rPr lang="en-US" altLang="zh-CN" sz="1400" dirty="0"/>
+              <a:t>RedHat</a:t>
+            </a:r>
+            <a:r>
+              <a:rPr lang="zh-CN" altLang="en-US" sz="1400" dirty="0"/>
+              <a:t>、</a:t>
+            </a:r>
+            <a:r>
+              <a:rPr lang="en-US" altLang="zh-CN" sz="1400" dirty="0"/>
+              <a:t>CentOS</a:t>
+            </a:r>
+            <a:r>
+              <a:rPr lang="zh-CN" altLang="en-US" sz="1400" dirty="0"/>
+              <a:t>、</a:t>
+            </a:r>
+            <a:r>
+              <a:rPr lang="en-US" altLang="zh-CN" sz="1400" dirty="0"/>
+              <a:t>Debian</a:t>
+            </a:r>
+            <a:r>
+              <a:rPr lang="zh-CN" altLang="en-US" sz="1400" dirty="0"/>
+              <a:t>、</a:t>
+            </a:r>
+            <a:r>
+              <a:rPr lang="en-US" altLang="zh-CN" sz="1400" dirty="0"/>
+              <a:t>Fedora</a:t>
+            </a:r>
+            <a:r>
+              <a:rPr lang="zh-CN" altLang="en-US" sz="1400" dirty="0"/>
+              <a:t>、</a:t>
+            </a:r>
+            <a:r>
+              <a:rPr lang="en-US" altLang="zh-CN" sz="1400" dirty="0" err="1"/>
+              <a:t>SuSE</a:t>
+            </a:r>
+            <a:r>
+              <a:rPr lang="zh-CN" altLang="en-US" sz="1400" dirty="0"/>
+              <a:t>、</a:t>
+            </a:r>
+            <a:r>
+              <a:rPr lang="en-US" altLang="zh-CN" sz="1400" dirty="0"/>
+              <a:t>OpenSUSE</a:t>
+            </a:r>
+            <a:r>
+              <a:rPr lang="zh-CN" altLang="en-US" sz="1400" dirty="0"/>
+              <a:t>、</a:t>
+            </a:r>
+            <a:r>
+              <a:rPr lang="en-US" altLang="zh-CN" sz="1400" dirty="0"/>
+              <a:t>Arch Linux</a:t>
+            </a:r>
+            <a:r>
+              <a:rPr lang="zh-CN" altLang="en-US" sz="1400" dirty="0"/>
+              <a:t>、</a:t>
+            </a:r>
+            <a:r>
+              <a:rPr lang="en-US" altLang="zh-CN" sz="1400" dirty="0" err="1"/>
+              <a:t>SolusOS</a:t>
+            </a:r>
+            <a:r>
+              <a:rPr lang="en-US" altLang="zh-CN" sz="1400" dirty="0"/>
+              <a:t> </a:t>
+            </a:r>
+            <a:r>
+              <a:rPr lang="zh-CN" altLang="en-US" sz="1400" dirty="0"/>
+              <a:t>等。</a:t>
+            </a:r>
+            <a:endParaRPr lang="zh-CN" altLang="en-US" dirty="0"/>
+          </a:p>
+        </p:txBody>
+      </p:sp>
+      <p:pic>
+        <p:nvPicPr>
+          <p:cNvPr id="1028" name="Picture 4">
+            <a:extLst>
+              <a:ext uri="{FF2B5EF4-FFF2-40B4-BE49-F238E27FC236}">
+                <a16:creationId xmlns:a16="http://schemas.microsoft.com/office/drawing/2014/main" id="{E01CF606-6FD6-4F2C-8D3F-102E85855007}"/>
+              </a:ext>
+            </a:extLst>
+          </p:cNvPr>
+          <p:cNvPicPr>
+            <a:picLocks noChangeAspect="1" noChangeArrowheads="1"/>
+          </p:cNvPicPr>
+          <p:nvPr/>
+        </p:nvPicPr>
+        <p:blipFill>
+          <a:blip r:embed="rId3">
+            <a:extLst>
+              <a:ext uri="{28A0092B-C50C-407E-A947-70E740481C1C}">
+                <a14:useLocalDpi xmlns:a14="http://schemas.microsoft.com/office/drawing/2010/main" val="0"/>
+              </a:ext>
+            </a:extLst>
+          </a:blip>
+          <a:srcRect/>
+          <a:stretch>
+            <a:fillRect/>
+          </a:stretch>
+        </p:blipFill>
+        <p:spPr bwMode="auto">
+          <a:xfrm>
+            <a:off x="7184808" y="3429000"/>
+            <a:ext cx="4706427" cy="1968855"/>
+          </a:xfrm>
+          <a:prstGeom prst="rect">
+            <a:avLst/>
+          </a:prstGeom>
+          <a:noFill/>
+          <a:extLst>
+            <a:ext uri="{909E8E84-426E-40DD-AFC4-6F175D3DCCD1}">
+              <a14:hiddenFill xmlns:a14="http://schemas.microsoft.com/office/drawing/2010/main">
+                <a:solidFill>
+                  <a:srgbClr val="FFFFFF"/>
+                </a:solidFill>
+              </a14:hiddenFill>
+            </a:ext>
+          </a:extLst>
+        </p:spPr>
+      </p:pic>
+    </p:spTree>
+    <p:extLst>
+      <p:ext uri="{BB962C8B-B14F-4D97-AF65-F5344CB8AC3E}">
+        <p14:creationId xmlns:p14="http://schemas.microsoft.com/office/powerpoint/2010/main" val="3660866893"/>
+      </p:ext>
+    </p:extLst>
+  </p:cSld>
+  <p:clrMapOvr>
+    <a:masterClrMapping/>
+  </p:clrMapOvr>
+</p:sld>
+</file>
+
+<file path=ppt/slides/slide22.xml><?xml version="1.0" encoding="utf-8"?>
+<p:sld xmlns:a="http://schemas.openxmlformats.org/drawingml/2006/main" xmlns:r="http://schemas.openxmlformats.org/officeDocument/2006/relationships" xmlns:p="http://schemas.openxmlformats.org/presentationml/2006/main">
+  <p:cSld>
+    <p:spTree>
+      <p:nvGrpSpPr>
+        <p:cNvPr id="1" name=""/>
+        <p:cNvGrpSpPr/>
+        <p:nvPr/>
+      </p:nvGrpSpPr>
+      <p:grpSpPr>
+        <a:xfrm>
+          <a:off x="0" y="0"/>
+          <a:ext cx="0" cy="0"/>
+          <a:chOff x="0" y="0"/>
+          <a:chExt cx="0" cy="0"/>
+        </a:xfrm>
+      </p:grpSpPr>
+      <p:sp>
+        <p:nvSpPr>
+          <p:cNvPr id="2" name="标题 1">
+            <a:extLst>
+              <a:ext uri="{FF2B5EF4-FFF2-40B4-BE49-F238E27FC236}">
+                <a16:creationId xmlns:a16="http://schemas.microsoft.com/office/drawing/2014/main" id="{6DE698DD-1AA2-4084-861E-CD1E69F1E511}"/>
+              </a:ext>
+            </a:extLst>
+          </p:cNvPr>
+          <p:cNvSpPr>
+            <a:spLocks noGrp="1"/>
+          </p:cNvSpPr>
+          <p:nvPr>
+            <p:ph type="title"/>
+          </p:nvPr>
+        </p:nvSpPr>
+        <p:spPr/>
+        <p:txBody>
+          <a:bodyPr/>
+          <a:lstStyle/>
+          <a:p>
+            <a:r>
+              <a:rPr lang="en-US" altLang="zh-CN" dirty="0"/>
+              <a:t>Linux</a:t>
+            </a:r>
+            <a:r>
+              <a:rPr lang="zh-CN" altLang="en-US" dirty="0"/>
+              <a:t>系统启动过程</a:t>
+            </a:r>
+          </a:p>
+        </p:txBody>
+      </p:sp>
+      <p:sp>
+        <p:nvSpPr>
+          <p:cNvPr id="3" name="内容占位符 2">
+            <a:extLst>
+              <a:ext uri="{FF2B5EF4-FFF2-40B4-BE49-F238E27FC236}">
+                <a16:creationId xmlns:a16="http://schemas.microsoft.com/office/drawing/2014/main" id="{F8D37A0E-EB58-4EA8-A7D7-FA8D15EF83B8}"/>
+              </a:ext>
+            </a:extLst>
+          </p:cNvPr>
+          <p:cNvSpPr>
+            <a:spLocks noGrp="1"/>
+          </p:cNvSpPr>
+          <p:nvPr>
+            <p:ph idx="1"/>
+          </p:nvPr>
+        </p:nvSpPr>
+        <p:spPr/>
+        <p:txBody>
+          <a:bodyPr/>
+          <a:lstStyle/>
+          <a:p>
+            <a:endParaRPr lang="en-US" altLang="zh-CN" dirty="0"/>
+          </a:p>
+          <a:p>
+            <a:endParaRPr lang="en-US" altLang="zh-CN" dirty="0"/>
+          </a:p>
+          <a:p>
+            <a:endParaRPr lang="en-US" altLang="zh-CN" dirty="0"/>
+          </a:p>
+          <a:p>
+            <a:endParaRPr lang="en-US" altLang="zh-CN" dirty="0"/>
+          </a:p>
+          <a:p>
+            <a:endParaRPr lang="en-US" altLang="zh-CN" dirty="0"/>
+          </a:p>
+          <a:p>
+            <a:endParaRPr lang="en-US" altLang="zh-CN" dirty="0"/>
+          </a:p>
+          <a:p>
+            <a:endParaRPr lang="en-US" altLang="zh-CN" dirty="0"/>
+          </a:p>
+          <a:p>
+            <a:endParaRPr lang="en-US" altLang="zh-CN" dirty="0"/>
+          </a:p>
+          <a:p>
+            <a:r>
+              <a:rPr lang="en-US" altLang="zh-CN" dirty="0"/>
+              <a:t>Linux</a:t>
+            </a:r>
+            <a:r>
+              <a:rPr lang="zh-CN" altLang="en-US" dirty="0"/>
+              <a:t>系统的启动过程可以分为</a:t>
+            </a:r>
+            <a:r>
+              <a:rPr lang="en-US" altLang="zh-CN" dirty="0"/>
+              <a:t>5</a:t>
+            </a:r>
+            <a:r>
+              <a:rPr lang="zh-CN" altLang="en-US" dirty="0"/>
+              <a:t>个阶段：</a:t>
+            </a:r>
+            <a:endParaRPr lang="en-US" altLang="zh-CN" dirty="0"/>
+          </a:p>
+          <a:p>
+            <a:pPr marL="0" indent="0">
+              <a:buNone/>
+            </a:pPr>
+            <a:r>
+              <a:rPr lang="zh-CN" altLang="en-US" b="1" dirty="0"/>
+              <a:t>  </a:t>
+            </a:r>
+            <a:r>
+              <a:rPr lang="en-US" altLang="zh-CN" b="1" dirty="0"/>
+              <a:t>1)</a:t>
+            </a:r>
+            <a:r>
+              <a:rPr lang="zh-CN" altLang="en-US" b="1" dirty="0"/>
+              <a:t> 内核的引导</a:t>
+            </a:r>
+            <a:endParaRPr lang="en-US" altLang="zh-CN" b="1" dirty="0"/>
+          </a:p>
+          <a:p>
+            <a:pPr marL="0" indent="0">
+              <a:buNone/>
+            </a:pPr>
+            <a:r>
+              <a:rPr lang="en-US" altLang="zh-CN" sz="1400" dirty="0"/>
+              <a:t>   </a:t>
+            </a:r>
+            <a:r>
+              <a:rPr lang="zh-CN" altLang="en-US" sz="1400" dirty="0"/>
+              <a:t> </a:t>
+            </a:r>
+            <a:r>
+              <a:rPr lang="en-US" altLang="zh-CN" sz="1400" dirty="0"/>
+              <a:t>/boot </a:t>
+            </a:r>
+            <a:r>
+              <a:rPr lang="zh-CN" altLang="en-US" sz="1400" dirty="0"/>
+              <a:t>目录下的内核文件</a:t>
+            </a:r>
+          </a:p>
+        </p:txBody>
+      </p:sp>
+      <p:pic>
+        <p:nvPicPr>
+          <p:cNvPr id="5" name="图片 4">
+            <a:extLst>
+              <a:ext uri="{FF2B5EF4-FFF2-40B4-BE49-F238E27FC236}">
+                <a16:creationId xmlns:a16="http://schemas.microsoft.com/office/drawing/2014/main" id="{4C9630B3-075E-44DA-892F-C23B75776548}"/>
+              </a:ext>
+            </a:extLst>
+          </p:cNvPr>
+          <p:cNvPicPr>
+            <a:picLocks noChangeAspect="1"/>
+          </p:cNvPicPr>
+          <p:nvPr/>
+        </p:nvPicPr>
+        <p:blipFill>
+          <a:blip r:embed="rId2"/>
+          <a:stretch>
+            <a:fillRect/>
+          </a:stretch>
+        </p:blipFill>
+        <p:spPr>
+          <a:xfrm>
+            <a:off x="1573441" y="1079999"/>
+            <a:ext cx="8945324" cy="2814083"/>
+          </a:xfrm>
+          <a:prstGeom prst="rect">
+            <a:avLst/>
+          </a:prstGeom>
+        </p:spPr>
+      </p:pic>
+    </p:spTree>
+    <p:extLst>
+      <p:ext uri="{BB962C8B-B14F-4D97-AF65-F5344CB8AC3E}">
+        <p14:creationId xmlns:p14="http://schemas.microsoft.com/office/powerpoint/2010/main" val="1664127104"/>
+      </p:ext>
+    </p:extLst>
+  </p:cSld>
+  <p:clrMapOvr>
+    <a:masterClrMapping/>
+  </p:clrMapOvr>
+</p:sld>
+</file>
+
+<file path=ppt/slides/slide23.xml><?xml version="1.0" encoding="utf-8"?>
+<p:sld xmlns:a="http://schemas.openxmlformats.org/drawingml/2006/main" xmlns:r="http://schemas.openxmlformats.org/officeDocument/2006/relationships" xmlns:p="http://schemas.openxmlformats.org/presentationml/2006/main">
+  <p:cSld>
+    <p:spTree>
+      <p:nvGrpSpPr>
+        <p:cNvPr id="1" name=""/>
+        <p:cNvGrpSpPr/>
+        <p:nvPr/>
+      </p:nvGrpSpPr>
+      <p:grpSpPr>
+        <a:xfrm>
+          <a:off x="0" y="0"/>
+          <a:ext cx="0" cy="0"/>
+          <a:chOff x="0" y="0"/>
+          <a:chExt cx="0" cy="0"/>
+        </a:xfrm>
+      </p:grpSpPr>
+      <p:sp>
+        <p:nvSpPr>
+          <p:cNvPr id="2" name="标题 1">
+            <a:extLst>
+              <a:ext uri="{FF2B5EF4-FFF2-40B4-BE49-F238E27FC236}">
+                <a16:creationId xmlns:a16="http://schemas.microsoft.com/office/drawing/2014/main" id="{85F174A3-7267-4942-BF20-2EE38BBC3048}"/>
+              </a:ext>
+            </a:extLst>
+          </p:cNvPr>
+          <p:cNvSpPr>
+            <a:spLocks noGrp="1"/>
+          </p:cNvSpPr>
+          <p:nvPr>
+            <p:ph type="title"/>
+          </p:nvPr>
+        </p:nvSpPr>
+        <p:spPr/>
+        <p:txBody>
+          <a:bodyPr/>
+          <a:lstStyle/>
+          <a:p>
+            <a:r>
+              <a:rPr lang="en-US" altLang="zh-CN" dirty="0"/>
+              <a:t>Linux</a:t>
+            </a:r>
+            <a:r>
+              <a:rPr lang="zh-CN" altLang="en-US" dirty="0"/>
+              <a:t>系统启动过程</a:t>
+            </a:r>
+          </a:p>
+        </p:txBody>
+      </p:sp>
+      <p:sp>
+        <p:nvSpPr>
+          <p:cNvPr id="3" name="内容占位符 2">
+            <a:extLst>
+              <a:ext uri="{FF2B5EF4-FFF2-40B4-BE49-F238E27FC236}">
+                <a16:creationId xmlns:a16="http://schemas.microsoft.com/office/drawing/2014/main" id="{E3A63B72-96B4-4D70-9025-7A3EB0D1A360}"/>
+              </a:ext>
+            </a:extLst>
+          </p:cNvPr>
+          <p:cNvSpPr>
+            <a:spLocks noGrp="1"/>
+          </p:cNvSpPr>
+          <p:nvPr>
+            <p:ph idx="1"/>
+          </p:nvPr>
+        </p:nvSpPr>
+        <p:spPr/>
+        <p:txBody>
+          <a:bodyPr/>
+          <a:lstStyle/>
+          <a:p>
+            <a:pPr marL="0" indent="0">
+              <a:buNone/>
+            </a:pPr>
+            <a:r>
+              <a:rPr lang="zh-CN" altLang="en-US" b="1" dirty="0"/>
+              <a:t> </a:t>
+            </a:r>
+            <a:r>
+              <a:rPr lang="en-US" altLang="zh-CN" b="1" dirty="0"/>
+              <a:t>2) </a:t>
+            </a:r>
+            <a:r>
+              <a:rPr lang="zh-CN" altLang="en-US" b="1" dirty="0"/>
+              <a:t>运行 </a:t>
+            </a:r>
+            <a:r>
+              <a:rPr lang="en-US" altLang="zh-CN" b="1" dirty="0" err="1"/>
+              <a:t>init</a:t>
+            </a:r>
+            <a:endParaRPr lang="en-US" altLang="zh-CN" b="1" dirty="0"/>
+          </a:p>
+          <a:p>
+            <a:pPr marL="0" indent="0">
+              <a:buNone/>
+            </a:pPr>
+            <a:r>
+              <a:rPr lang="en-US" altLang="zh-CN" sz="1400" dirty="0"/>
+              <a:t>    </a:t>
+            </a:r>
+            <a:r>
+              <a:rPr lang="en-US" altLang="zh-CN" sz="1400" dirty="0" err="1"/>
+              <a:t>init</a:t>
+            </a:r>
+            <a:r>
+              <a:rPr lang="zh-CN" altLang="en-US" sz="1400" dirty="0"/>
+              <a:t>程序的类型：</a:t>
+            </a:r>
+            <a:endParaRPr lang="en-US" altLang="zh-CN" sz="1400" dirty="0"/>
+          </a:p>
+          <a:p>
+            <a:pPr marL="0" indent="0">
+              <a:buNone/>
+            </a:pPr>
+            <a:r>
+              <a:rPr lang="en-US" altLang="zh-CN" sz="1400" dirty="0"/>
+              <a:t>      </a:t>
+            </a:r>
+            <a:r>
+              <a:rPr lang="en-US" altLang="zh-CN" sz="1200" dirty="0"/>
+              <a:t>a) </a:t>
+            </a:r>
+            <a:r>
+              <a:rPr lang="en-US" altLang="zh-CN" sz="1200" b="1" dirty="0" err="1"/>
+              <a:t>SysV</a:t>
+            </a:r>
+            <a:r>
+              <a:rPr lang="en-US" altLang="zh-CN" sz="1200" dirty="0"/>
+              <a:t>: </a:t>
+            </a:r>
+            <a:r>
+              <a:rPr lang="en-US" altLang="zh-CN" sz="1200" dirty="0" err="1"/>
+              <a:t>init</a:t>
+            </a:r>
+            <a:r>
+              <a:rPr lang="en-US" altLang="zh-CN" sz="1200" dirty="0"/>
+              <a:t>, CentOS 5</a:t>
+            </a:r>
+            <a:r>
+              <a:rPr lang="zh-CN" altLang="en-US" sz="1200" dirty="0"/>
+              <a:t>之前</a:t>
+            </a:r>
+            <a:r>
+              <a:rPr lang="en-US" altLang="zh-CN" sz="1200" dirty="0"/>
+              <a:t>, </a:t>
+            </a:r>
+            <a:r>
+              <a:rPr lang="zh-CN" altLang="en-US" sz="1200" dirty="0"/>
+              <a:t>配置文件： </a:t>
+            </a:r>
+            <a:r>
+              <a:rPr lang="en-US" altLang="zh-CN" sz="1200" dirty="0"/>
+              <a:t>/</a:t>
+            </a:r>
+            <a:r>
+              <a:rPr lang="en-US" altLang="zh-CN" sz="1200" dirty="0" err="1"/>
+              <a:t>etc</a:t>
+            </a:r>
+            <a:r>
+              <a:rPr lang="en-US" altLang="zh-CN" sz="1200" dirty="0"/>
+              <a:t>/</a:t>
+            </a:r>
+            <a:r>
+              <a:rPr lang="en-US" altLang="zh-CN" sz="1200" dirty="0" err="1"/>
+              <a:t>inittab</a:t>
+            </a:r>
+            <a:r>
+              <a:rPr lang="zh-CN" altLang="en-US" sz="1200" dirty="0"/>
+              <a:t>。</a:t>
+            </a:r>
+          </a:p>
+          <a:p>
+            <a:pPr marL="0" indent="0">
+              <a:buNone/>
+            </a:pPr>
+            <a:r>
+              <a:rPr lang="en-US" altLang="zh-CN" sz="1200" dirty="0"/>
+              <a:t>      b) </a:t>
+            </a:r>
+            <a:r>
+              <a:rPr lang="en-US" altLang="zh-CN" sz="1200" b="1" dirty="0"/>
+              <a:t>Upstart</a:t>
+            </a:r>
+            <a:r>
+              <a:rPr lang="en-US" altLang="zh-CN" sz="1200" dirty="0"/>
+              <a:t>: </a:t>
+            </a:r>
+            <a:r>
+              <a:rPr lang="en-US" altLang="zh-CN" sz="1200" dirty="0" err="1"/>
+              <a:t>init,CentOS</a:t>
+            </a:r>
+            <a:r>
+              <a:rPr lang="en-US" altLang="zh-CN" sz="1200" dirty="0"/>
+              <a:t> 6, </a:t>
+            </a:r>
+            <a:r>
+              <a:rPr lang="zh-CN" altLang="en-US" sz="1200" dirty="0"/>
+              <a:t>配置文件： </a:t>
+            </a:r>
+            <a:r>
+              <a:rPr lang="en-US" altLang="zh-CN" sz="1200" dirty="0"/>
+              <a:t>/</a:t>
+            </a:r>
+            <a:r>
+              <a:rPr lang="en-US" altLang="zh-CN" sz="1200" dirty="0" err="1"/>
+              <a:t>etc</a:t>
+            </a:r>
+            <a:r>
+              <a:rPr lang="en-US" altLang="zh-CN" sz="1200" dirty="0"/>
+              <a:t>/</a:t>
+            </a:r>
+            <a:r>
+              <a:rPr lang="en-US" altLang="zh-CN" sz="1200" dirty="0" err="1"/>
+              <a:t>inittab</a:t>
+            </a:r>
+            <a:r>
+              <a:rPr lang="en-US" altLang="zh-CN" sz="1200" dirty="0"/>
+              <a:t>, /</a:t>
+            </a:r>
+            <a:r>
+              <a:rPr lang="en-US" altLang="zh-CN" sz="1200" dirty="0" err="1"/>
+              <a:t>etc</a:t>
+            </a:r>
+            <a:r>
+              <a:rPr lang="en-US" altLang="zh-CN" sz="1200" dirty="0"/>
+              <a:t>/</a:t>
+            </a:r>
+            <a:r>
+              <a:rPr lang="en-US" altLang="zh-CN" sz="1200" dirty="0" err="1"/>
+              <a:t>init</a:t>
+            </a:r>
+            <a:r>
+              <a:rPr lang="en-US" altLang="zh-CN" sz="1200" dirty="0"/>
+              <a:t>/*.conf</a:t>
+            </a:r>
+            <a:r>
+              <a:rPr lang="zh-CN" altLang="en-US" sz="1200" dirty="0"/>
+              <a:t>。</a:t>
+            </a:r>
+          </a:p>
+          <a:p>
+            <a:pPr marL="0" indent="0">
+              <a:buNone/>
+            </a:pPr>
+            <a:r>
+              <a:rPr lang="en-US" altLang="zh-CN" sz="1200" dirty="0"/>
+              <a:t>      c) </a:t>
+            </a:r>
+            <a:r>
+              <a:rPr lang="en-US" altLang="zh-CN" sz="1200" b="1" dirty="0" err="1"/>
+              <a:t>Systemd</a:t>
+            </a:r>
+            <a:r>
+              <a:rPr lang="zh-CN" altLang="en-US" sz="1200" dirty="0"/>
+              <a:t>： </a:t>
+            </a:r>
+            <a:r>
+              <a:rPr lang="en-US" altLang="zh-CN" sz="1200" dirty="0" err="1"/>
+              <a:t>systemd</a:t>
+            </a:r>
+            <a:r>
+              <a:rPr lang="en-US" altLang="zh-CN" sz="1200" dirty="0"/>
+              <a:t>, CentOS 7,</a:t>
+            </a:r>
+            <a:r>
+              <a:rPr lang="zh-CN" altLang="en-US" sz="1200" dirty="0"/>
+              <a:t>配置文件： </a:t>
+            </a:r>
+            <a:r>
+              <a:rPr lang="en-US" altLang="zh-CN" sz="1200" dirty="0"/>
+              <a:t>/</a:t>
+            </a:r>
+            <a:r>
+              <a:rPr lang="en-US" altLang="zh-CN" sz="1200" dirty="0" err="1"/>
+              <a:t>usr</a:t>
+            </a:r>
+            <a:r>
+              <a:rPr lang="en-US" altLang="zh-CN" sz="1200" dirty="0"/>
+              <a:t>/lib/</a:t>
+            </a:r>
+            <a:r>
+              <a:rPr lang="en-US" altLang="zh-CN" sz="1200" dirty="0" err="1"/>
+              <a:t>systemd</a:t>
+            </a:r>
+            <a:r>
+              <a:rPr lang="en-US" altLang="zh-CN" sz="1200" dirty="0"/>
+              <a:t>/system</a:t>
+            </a:r>
+            <a:r>
+              <a:rPr lang="zh-CN" altLang="en-US" sz="1200" dirty="0"/>
+              <a:t>、 </a:t>
+            </a:r>
+            <a:r>
+              <a:rPr lang="en-US" altLang="zh-CN" sz="1200" dirty="0"/>
+              <a:t>/</a:t>
+            </a:r>
+            <a:r>
+              <a:rPr lang="en-US" altLang="zh-CN" sz="1200" dirty="0" err="1"/>
+              <a:t>etc</a:t>
+            </a:r>
+            <a:r>
+              <a:rPr lang="en-US" altLang="zh-CN" sz="1200" dirty="0"/>
+              <a:t>/</a:t>
+            </a:r>
+            <a:r>
+              <a:rPr lang="en-US" altLang="zh-CN" sz="1200" dirty="0" err="1"/>
+              <a:t>systemd</a:t>
+            </a:r>
+            <a:r>
+              <a:rPr lang="en-US" altLang="zh-CN" sz="1200" dirty="0"/>
+              <a:t>/system</a:t>
+            </a:r>
+            <a:r>
+              <a:rPr lang="zh-CN" altLang="en-US" sz="1200" dirty="0"/>
+              <a:t>。</a:t>
+            </a:r>
+            <a:endParaRPr lang="en-US" altLang="zh-CN" sz="1200" dirty="0"/>
+          </a:p>
+          <a:p>
+            <a:pPr marL="0" indent="0">
+              <a:buNone/>
+            </a:pPr>
+            <a:r>
+              <a:rPr lang="en-US" altLang="zh-CN" sz="1200" dirty="0"/>
+              <a:t>  </a:t>
+            </a:r>
+            <a:r>
+              <a:rPr lang="zh-CN" altLang="en-US" sz="1200" dirty="0"/>
+              <a:t>守护进程： 服务程序</a:t>
+            </a:r>
+            <a:endParaRPr lang="en-US" altLang="zh-CN" sz="1200" dirty="0"/>
+          </a:p>
+          <a:p>
+            <a:pPr marL="0" indent="0">
+              <a:buNone/>
+            </a:pPr>
+            <a:r>
+              <a:rPr lang="en-US" altLang="zh-CN" sz="1200" dirty="0"/>
+              <a:t>  </a:t>
+            </a:r>
+            <a:r>
+              <a:rPr lang="zh-CN" altLang="en-US" sz="1200" dirty="0"/>
+              <a:t>运行级别：</a:t>
+            </a:r>
+            <a:endParaRPr lang="en-US" altLang="zh-CN" sz="1200" dirty="0"/>
+          </a:p>
+          <a:p>
+            <a:pPr marL="457200" lvl="1" indent="0">
+              <a:buNone/>
+            </a:pPr>
+            <a:r>
+              <a:rPr lang="zh-CN" altLang="en-US" sz="1200" dirty="0"/>
+              <a:t>运行级别</a:t>
+            </a:r>
+            <a:r>
+              <a:rPr lang="en-US" altLang="zh-CN" sz="1200" dirty="0"/>
+              <a:t>0</a:t>
+            </a:r>
+            <a:r>
+              <a:rPr lang="zh-CN" altLang="en-US" sz="1200" dirty="0"/>
+              <a:t>：系统停机状态，系统默认运行级别不能设为</a:t>
+            </a:r>
+            <a:r>
+              <a:rPr lang="en-US" altLang="zh-CN" sz="1200" dirty="0"/>
+              <a:t>0</a:t>
+            </a:r>
+            <a:r>
+              <a:rPr lang="zh-CN" altLang="en-US" sz="1200" dirty="0"/>
+              <a:t>，否则不能正常启动</a:t>
+            </a:r>
+          </a:p>
+          <a:p>
+            <a:pPr marL="457200" lvl="1" indent="0">
+              <a:buNone/>
+            </a:pPr>
+            <a:r>
+              <a:rPr lang="zh-CN" altLang="en-US" sz="1200" dirty="0"/>
+              <a:t>运行级别</a:t>
+            </a:r>
+            <a:r>
+              <a:rPr lang="en-US" altLang="zh-CN" sz="1200" dirty="0"/>
+              <a:t>1</a:t>
+            </a:r>
+            <a:r>
+              <a:rPr lang="zh-CN" altLang="en-US" sz="1200" dirty="0"/>
+              <a:t>：单用户工作状态，</a:t>
+            </a:r>
+            <a:r>
+              <a:rPr lang="en-US" altLang="zh-CN" sz="1200" dirty="0"/>
+              <a:t>root</a:t>
+            </a:r>
+            <a:r>
+              <a:rPr lang="zh-CN" altLang="en-US" sz="1200" dirty="0"/>
+              <a:t>权限，用于系统维护，禁止远程登陆</a:t>
+            </a:r>
+          </a:p>
+          <a:p>
+            <a:pPr marL="457200" lvl="1" indent="0">
+              <a:buNone/>
+            </a:pPr>
+            <a:r>
+              <a:rPr lang="zh-CN" altLang="en-US" sz="1200" dirty="0"/>
+              <a:t>运行级别</a:t>
+            </a:r>
+            <a:r>
+              <a:rPr lang="en-US" altLang="zh-CN" sz="1200" dirty="0"/>
+              <a:t>2</a:t>
+            </a:r>
+            <a:r>
+              <a:rPr lang="zh-CN" altLang="en-US" sz="1200" dirty="0"/>
+              <a:t>：多用户状态</a:t>
+            </a:r>
+            <a:r>
+              <a:rPr lang="en-US" altLang="zh-CN" sz="1200" dirty="0"/>
+              <a:t>(</a:t>
+            </a:r>
+            <a:r>
+              <a:rPr lang="zh-CN" altLang="en-US" sz="1200" dirty="0"/>
+              <a:t>没有</a:t>
+            </a:r>
+            <a:r>
+              <a:rPr lang="en-US" altLang="zh-CN" sz="1200" dirty="0"/>
+              <a:t>NFS)</a:t>
+            </a:r>
+          </a:p>
+          <a:p>
+            <a:pPr marL="457200" lvl="1" indent="0">
+              <a:buNone/>
+            </a:pPr>
+            <a:r>
+              <a:rPr lang="zh-CN" altLang="en-US" sz="1200" dirty="0"/>
+              <a:t>运行级别</a:t>
+            </a:r>
+            <a:r>
+              <a:rPr lang="en-US" altLang="zh-CN" sz="1200" dirty="0"/>
+              <a:t>3</a:t>
+            </a:r>
+            <a:r>
+              <a:rPr lang="zh-CN" altLang="en-US" sz="1200" dirty="0"/>
+              <a:t>：完全的多用户状态</a:t>
+            </a:r>
+            <a:r>
+              <a:rPr lang="en-US" altLang="zh-CN" sz="1200" dirty="0"/>
+              <a:t>(</a:t>
+            </a:r>
+            <a:r>
+              <a:rPr lang="zh-CN" altLang="en-US" sz="1200" dirty="0"/>
+              <a:t>有</a:t>
+            </a:r>
+            <a:r>
+              <a:rPr lang="en-US" altLang="zh-CN" sz="1200" dirty="0"/>
+              <a:t>NFS)</a:t>
+            </a:r>
+            <a:r>
+              <a:rPr lang="zh-CN" altLang="en-US" sz="1200" dirty="0"/>
+              <a:t>，登陆后进入控制台命令行模式</a:t>
+            </a:r>
+          </a:p>
+          <a:p>
+            <a:pPr marL="457200" lvl="1" indent="0">
+              <a:buNone/>
+            </a:pPr>
+            <a:r>
+              <a:rPr lang="zh-CN" altLang="en-US" sz="1200" dirty="0"/>
+              <a:t>运行级别</a:t>
+            </a:r>
+            <a:r>
+              <a:rPr lang="en-US" altLang="zh-CN" sz="1200" dirty="0"/>
+              <a:t>4</a:t>
+            </a:r>
+            <a:r>
+              <a:rPr lang="zh-CN" altLang="en-US" sz="1200" dirty="0"/>
+              <a:t>：系统未使用，保留</a:t>
+            </a:r>
+          </a:p>
+          <a:p>
+            <a:pPr marL="457200" lvl="1" indent="0">
+              <a:buNone/>
+            </a:pPr>
+            <a:r>
+              <a:rPr lang="zh-CN" altLang="en-US" sz="1200" dirty="0"/>
+              <a:t>运行级别</a:t>
+            </a:r>
+            <a:r>
+              <a:rPr lang="en-US" altLang="zh-CN" sz="1200" dirty="0"/>
+              <a:t>5</a:t>
+            </a:r>
+            <a:r>
+              <a:rPr lang="zh-CN" altLang="en-US" sz="1200" dirty="0"/>
+              <a:t>：</a:t>
+            </a:r>
+            <a:r>
+              <a:rPr lang="en-US" altLang="zh-CN" sz="1200" dirty="0"/>
+              <a:t>X11</a:t>
+            </a:r>
+            <a:r>
+              <a:rPr lang="zh-CN" altLang="en-US" sz="1200" dirty="0"/>
+              <a:t>控制台，登陆后进入图形</a:t>
+            </a:r>
+            <a:r>
+              <a:rPr lang="en-US" altLang="zh-CN" sz="1200" dirty="0"/>
+              <a:t>GUI</a:t>
+            </a:r>
+            <a:r>
+              <a:rPr lang="zh-CN" altLang="en-US" sz="1200" dirty="0"/>
+              <a:t>模式</a:t>
+            </a:r>
+          </a:p>
+          <a:p>
+            <a:pPr marL="457200" lvl="1" indent="0">
+              <a:buNone/>
+            </a:pPr>
+            <a:r>
+              <a:rPr lang="zh-CN" altLang="en-US" sz="1200" dirty="0"/>
+              <a:t>运行级别</a:t>
+            </a:r>
+            <a:r>
+              <a:rPr lang="en-US" altLang="zh-CN" sz="1200" dirty="0"/>
+              <a:t>6</a:t>
+            </a:r>
+            <a:r>
+              <a:rPr lang="zh-CN" altLang="en-US" sz="1200" dirty="0"/>
+              <a:t>：系统正常关闭并重启，默认运行级别不能设为</a:t>
+            </a:r>
+            <a:r>
+              <a:rPr lang="en-US" altLang="zh-CN" sz="1200" dirty="0"/>
+              <a:t>6</a:t>
+            </a:r>
+            <a:r>
+              <a:rPr lang="zh-CN" altLang="en-US" sz="1200" dirty="0"/>
+              <a:t>，否则不能正常启动</a:t>
+            </a:r>
+          </a:p>
+          <a:p>
+            <a:pPr marL="0" indent="0">
+              <a:buNone/>
+            </a:pPr>
+            <a:endParaRPr lang="zh-CN" altLang="en-US" dirty="0"/>
+          </a:p>
+        </p:txBody>
+      </p:sp>
+    </p:spTree>
+    <p:extLst>
+      <p:ext uri="{BB962C8B-B14F-4D97-AF65-F5344CB8AC3E}">
+        <p14:creationId xmlns:p14="http://schemas.microsoft.com/office/powerpoint/2010/main" val="2520481649"/>
+      </p:ext>
+    </p:extLst>
+  </p:cSld>
+  <p:clrMapOvr>
+    <a:masterClrMapping/>
+  </p:clrMapOvr>
+</p:sld>
+</file>
+
+<file path=ppt/slides/slide24.xml><?xml version="1.0" encoding="utf-8"?>
+<p:sld xmlns:a="http://schemas.openxmlformats.org/drawingml/2006/main" xmlns:r="http://schemas.openxmlformats.org/officeDocument/2006/relationships" xmlns:p="http://schemas.openxmlformats.org/presentationml/2006/main">
+  <p:cSld>
+    <p:spTree>
+      <p:nvGrpSpPr>
+        <p:cNvPr id="1" name=""/>
+        <p:cNvGrpSpPr/>
+        <p:nvPr/>
+      </p:nvGrpSpPr>
+      <p:grpSpPr>
+        <a:xfrm>
+          <a:off x="0" y="0"/>
+          <a:ext cx="0" cy="0"/>
+          <a:chOff x="0" y="0"/>
+          <a:chExt cx="0" cy="0"/>
+        </a:xfrm>
+      </p:grpSpPr>
+      <p:sp>
+        <p:nvSpPr>
+          <p:cNvPr id="2" name="标题 1">
+            <a:extLst>
+              <a:ext uri="{FF2B5EF4-FFF2-40B4-BE49-F238E27FC236}">
+                <a16:creationId xmlns:a16="http://schemas.microsoft.com/office/drawing/2014/main" id="{E3CDAF41-CF9B-436E-B244-2F8208D548AE}"/>
+              </a:ext>
+            </a:extLst>
+          </p:cNvPr>
+          <p:cNvSpPr>
+            <a:spLocks noGrp="1"/>
+          </p:cNvSpPr>
+          <p:nvPr>
+            <p:ph type="title"/>
+          </p:nvPr>
+        </p:nvSpPr>
+        <p:spPr/>
+        <p:txBody>
+          <a:bodyPr/>
+          <a:lstStyle/>
+          <a:p>
+            <a:r>
+              <a:rPr lang="en-US" altLang="zh-CN" dirty="0"/>
+              <a:t>Linux</a:t>
+            </a:r>
+            <a:r>
+              <a:rPr lang="zh-CN" altLang="en-US" dirty="0"/>
+              <a:t>系统启动过程</a:t>
+            </a:r>
+          </a:p>
+        </p:txBody>
+      </p:sp>
+      <p:sp>
+        <p:nvSpPr>
+          <p:cNvPr id="3" name="内容占位符 2">
+            <a:extLst>
+              <a:ext uri="{FF2B5EF4-FFF2-40B4-BE49-F238E27FC236}">
+                <a16:creationId xmlns:a16="http://schemas.microsoft.com/office/drawing/2014/main" id="{EFF37278-76F3-477C-AEEC-2E8230C2DBEB}"/>
+              </a:ext>
+            </a:extLst>
+          </p:cNvPr>
+          <p:cNvSpPr>
+            <a:spLocks noGrp="1"/>
+          </p:cNvSpPr>
+          <p:nvPr>
+            <p:ph idx="1"/>
+          </p:nvPr>
+        </p:nvSpPr>
+        <p:spPr/>
+        <p:txBody>
+          <a:bodyPr/>
+          <a:lstStyle/>
+          <a:p>
+            <a:pPr marL="0" indent="0">
+              <a:buNone/>
+            </a:pPr>
+            <a:r>
+              <a:rPr lang="zh-CN" altLang="en-US" b="1" dirty="0"/>
+              <a:t> </a:t>
+            </a:r>
+            <a:r>
+              <a:rPr lang="en-US" altLang="zh-CN" b="1" dirty="0"/>
+              <a:t>3) </a:t>
+            </a:r>
+            <a:r>
+              <a:rPr lang="zh-CN" altLang="en-US" b="1" dirty="0"/>
+              <a:t>系统初始化</a:t>
+            </a:r>
+            <a:endParaRPr lang="en-US" altLang="zh-CN" b="1" dirty="0"/>
+          </a:p>
+          <a:p>
+            <a:pPr marL="0" indent="0">
+              <a:buNone/>
+            </a:pPr>
+            <a:r>
+              <a:rPr lang="en-US" altLang="zh-CN" dirty="0"/>
+              <a:t>    </a:t>
+            </a:r>
+            <a:r>
+              <a:rPr lang="en-US" altLang="zh-CN" dirty="0" err="1"/>
+              <a:t>init.d</a:t>
+            </a:r>
+            <a:endParaRPr lang="en-US" altLang="zh-CN" dirty="0"/>
+          </a:p>
+          <a:p>
+            <a:pPr marL="0" indent="0">
+              <a:buNone/>
+            </a:pPr>
+            <a:r>
+              <a:rPr lang="en-US" altLang="zh-CN" dirty="0"/>
+              <a:t>    rc5.d</a:t>
+            </a:r>
+          </a:p>
+          <a:p>
+            <a:pPr marL="0" indent="0">
+              <a:buNone/>
+            </a:pPr>
+            <a:r>
+              <a:rPr lang="en-US" altLang="zh-CN" dirty="0"/>
+              <a:t>    </a:t>
+            </a:r>
+            <a:r>
+              <a:rPr lang="en-US" altLang="zh-CN" dirty="0" err="1"/>
+              <a:t>rc.local</a:t>
+            </a:r>
+            <a:endParaRPr lang="zh-CN" altLang="en-US" dirty="0"/>
+          </a:p>
+          <a:p>
+            <a:pPr marL="0" indent="0">
+              <a:buNone/>
+            </a:pPr>
+            <a:r>
+              <a:rPr lang="en-US" altLang="zh-CN" dirty="0"/>
+              <a:t>  </a:t>
+            </a:r>
+            <a:r>
+              <a:rPr lang="en-US" altLang="zh-CN" b="1" dirty="0"/>
+              <a:t>4) </a:t>
+            </a:r>
+            <a:r>
+              <a:rPr lang="zh-CN" altLang="en-US" b="1" dirty="0"/>
+              <a:t>建立终端 </a:t>
+            </a:r>
+            <a:endParaRPr lang="en-US" altLang="zh-CN" b="1" dirty="0"/>
+          </a:p>
+          <a:p>
+            <a:pPr marL="0" indent="0">
+              <a:buNone/>
+            </a:pPr>
+            <a:r>
+              <a:rPr lang="en-US" altLang="zh-CN" dirty="0"/>
+              <a:t>    tty1~tty6</a:t>
+            </a:r>
+            <a:endParaRPr lang="zh-CN" altLang="en-US" dirty="0"/>
+          </a:p>
+          <a:p>
+            <a:pPr marL="0" indent="0">
+              <a:buNone/>
+            </a:pPr>
+            <a:r>
+              <a:rPr lang="zh-CN" altLang="en-US" dirty="0"/>
+              <a:t>  </a:t>
+            </a:r>
+            <a:r>
+              <a:rPr lang="en-US" altLang="zh-CN" b="1" dirty="0"/>
+              <a:t>5) </a:t>
+            </a:r>
+            <a:r>
+              <a:rPr lang="zh-CN" altLang="en-US" b="1" dirty="0"/>
+              <a:t>用户登录系统</a:t>
+            </a:r>
+            <a:endParaRPr lang="en-US" altLang="zh-CN" b="1" dirty="0"/>
+          </a:p>
+          <a:p>
+            <a:pPr marL="0" indent="0">
+              <a:buNone/>
+            </a:pPr>
+            <a:r>
+              <a:rPr lang="en-US" altLang="zh-CN" b="1" dirty="0"/>
+              <a:t>    </a:t>
+            </a:r>
+            <a:r>
+              <a:rPr lang="zh-CN" altLang="en-US" b="1" dirty="0"/>
+              <a:t>登录方式</a:t>
+            </a:r>
+            <a:r>
+              <a:rPr lang="en-US" altLang="zh-CN" b="1" dirty="0"/>
+              <a:t>: 1.</a:t>
+            </a:r>
+            <a:r>
+              <a:rPr lang="zh-CN" altLang="en-US" b="1" dirty="0"/>
+              <a:t>命令行登录</a:t>
+            </a:r>
+            <a:r>
+              <a:rPr lang="en-US" altLang="zh-CN" b="1" dirty="0"/>
+              <a:t>; 2.SSH</a:t>
+            </a:r>
+            <a:r>
+              <a:rPr lang="zh-CN" altLang="en-US" b="1" dirty="0"/>
+              <a:t>登录</a:t>
+            </a:r>
+            <a:r>
+              <a:rPr lang="en-US" altLang="zh-CN" b="1" dirty="0"/>
+              <a:t>; 3.</a:t>
+            </a:r>
+            <a:r>
+              <a:rPr lang="zh-CN" altLang="en-US" b="1" dirty="0"/>
+              <a:t>图形界面登录</a:t>
+            </a:r>
+            <a:r>
+              <a:rPr lang="en-US" altLang="zh-CN" b="1" dirty="0"/>
+              <a:t>.</a:t>
+            </a:r>
+          </a:p>
+          <a:p>
+            <a:pPr marL="0" indent="0">
+              <a:buNone/>
+            </a:pPr>
+            <a:r>
+              <a:rPr lang="zh-CN" altLang="en-US" dirty="0"/>
+              <a:t>    带</a:t>
+            </a:r>
+            <a:r>
+              <a:rPr lang="en-US" altLang="zh-CN" dirty="0"/>
+              <a:t>UI</a:t>
+            </a:r>
+            <a:r>
+              <a:rPr lang="zh-CN" altLang="en-US" dirty="0"/>
+              <a:t>的应用程序</a:t>
+            </a:r>
+            <a:r>
+              <a:rPr lang="en-US" altLang="zh-CN" dirty="0"/>
+              <a:t> ~/.config/</a:t>
+            </a:r>
+            <a:r>
+              <a:rPr lang="en-US" altLang="zh-CN" dirty="0" err="1"/>
+              <a:t>autostart</a:t>
+            </a:r>
+            <a:r>
+              <a:rPr lang="en-US" altLang="zh-CN" dirty="0"/>
+              <a:t>/*.desktop</a:t>
+            </a:r>
+            <a:endParaRPr lang="zh-CN" altLang="en-US" dirty="0"/>
+          </a:p>
+        </p:txBody>
+      </p:sp>
+    </p:spTree>
+    <p:extLst>
+      <p:ext uri="{BB962C8B-B14F-4D97-AF65-F5344CB8AC3E}">
+        <p14:creationId xmlns:p14="http://schemas.microsoft.com/office/powerpoint/2010/main" val="3056474595"/>
+      </p:ext>
+    </p:extLst>
+  </p:cSld>
+  <p:clrMapOvr>
+    <a:masterClrMapping/>
+  </p:clrMapOvr>
+</p:sld>
+</file>
+
+<file path=ppt/slides/slide25.xml><?xml version="1.0" encoding="utf-8"?>
+<p:sld xmlns:a="http://schemas.openxmlformats.org/drawingml/2006/main" xmlns:r="http://schemas.openxmlformats.org/officeDocument/2006/relationships" xmlns:p="http://schemas.openxmlformats.org/presentationml/2006/main">
+  <p:cSld>
+    <p:spTree>
+      <p:nvGrpSpPr>
+        <p:cNvPr id="1" name=""/>
+        <p:cNvGrpSpPr/>
+        <p:nvPr/>
+      </p:nvGrpSpPr>
+      <p:grpSpPr>
+        <a:xfrm>
+          <a:off x="0" y="0"/>
+          <a:ext cx="0" cy="0"/>
+          <a:chOff x="0" y="0"/>
+          <a:chExt cx="0" cy="0"/>
+        </a:xfrm>
+      </p:grpSpPr>
+      <p:sp>
+        <p:nvSpPr>
+          <p:cNvPr id="2" name="标题 1">
+            <a:extLst>
+              <a:ext uri="{FF2B5EF4-FFF2-40B4-BE49-F238E27FC236}">
+                <a16:creationId xmlns:a16="http://schemas.microsoft.com/office/drawing/2014/main" id="{6167F6B8-5069-4372-A79F-5E1F9FEFC754}"/>
+              </a:ext>
+            </a:extLst>
+          </p:cNvPr>
+          <p:cNvSpPr>
+            <a:spLocks noGrp="1"/>
+          </p:cNvSpPr>
+          <p:nvPr>
+            <p:ph type="title"/>
+          </p:nvPr>
+        </p:nvSpPr>
+        <p:spPr/>
+        <p:txBody>
+          <a:bodyPr/>
+          <a:lstStyle/>
+          <a:p>
+            <a:r>
+              <a:rPr lang="en-US" altLang="zh-CN" dirty="0"/>
+              <a:t>Linux</a:t>
+            </a:r>
+            <a:r>
+              <a:rPr lang="zh-CN" altLang="en-US" dirty="0"/>
+              <a:t>目录结构</a:t>
+            </a:r>
+          </a:p>
+        </p:txBody>
+      </p:sp>
+      <p:pic>
+        <p:nvPicPr>
+          <p:cNvPr id="3074" name="Picture 2">
+            <a:extLst>
+              <a:ext uri="{FF2B5EF4-FFF2-40B4-BE49-F238E27FC236}">
+                <a16:creationId xmlns:a16="http://schemas.microsoft.com/office/drawing/2014/main" id="{6066E798-37E4-4C0A-BBEA-73FD9F084CD6}"/>
+              </a:ext>
+            </a:extLst>
+          </p:cNvPr>
+          <p:cNvPicPr>
+            <a:picLocks noGrp="1" noChangeAspect="1" noChangeArrowheads="1"/>
+          </p:cNvPicPr>
+          <p:nvPr>
+            <p:ph idx="1"/>
+          </p:nvPr>
+        </p:nvPicPr>
+        <p:blipFill>
+          <a:blip r:embed="rId2">
+            <a:extLst>
+              <a:ext uri="{28A0092B-C50C-407E-A947-70E740481C1C}">
+                <a14:useLocalDpi xmlns:a14="http://schemas.microsoft.com/office/drawing/2010/main" val="0"/>
+              </a:ext>
+            </a:extLst>
+          </a:blip>
+          <a:srcRect/>
+          <a:stretch>
+            <a:fillRect/>
+          </a:stretch>
+        </p:blipFill>
+        <p:spPr bwMode="auto">
+          <a:xfrm>
+            <a:off x="669882" y="1798883"/>
+            <a:ext cx="10822749" cy="4627117"/>
+          </a:xfrm>
+          <a:prstGeom prst="rect">
+            <a:avLst/>
+          </a:prstGeom>
+          <a:noFill/>
+          <a:extLst>
+            <a:ext uri="{909E8E84-426E-40DD-AFC4-6F175D3DCCD1}">
+              <a14:hiddenFill xmlns:a14="http://schemas.microsoft.com/office/drawing/2010/main">
+                <a:solidFill>
+                  <a:srgbClr val="FFFFFF"/>
+                </a:solidFill>
+              </a14:hiddenFill>
+            </a:ext>
+          </a:extLst>
+        </p:spPr>
+      </p:pic>
+    </p:spTree>
+    <p:extLst>
+      <p:ext uri="{BB962C8B-B14F-4D97-AF65-F5344CB8AC3E}">
+        <p14:creationId xmlns:p14="http://schemas.microsoft.com/office/powerpoint/2010/main" val="1543573029"/>
+      </p:ext>
+    </p:extLst>
+  </p:cSld>
+  <p:clrMapOvr>
+    <a:masterClrMapping/>
+  </p:clrMapOvr>
+</p:sld>
+</file>
+
+<file path=ppt/slides/slide26.xml><?xml version="1.0" encoding="utf-8"?>
+<p:sld xmlns:a="http://schemas.openxmlformats.org/drawingml/2006/main" xmlns:r="http://schemas.openxmlformats.org/officeDocument/2006/relationships" xmlns:p="http://schemas.openxmlformats.org/presentationml/2006/main">
+  <p:cSld>
+    <p:spTree>
+      <p:nvGrpSpPr>
+        <p:cNvPr id="1" name=""/>
+        <p:cNvGrpSpPr/>
+        <p:nvPr/>
+      </p:nvGrpSpPr>
+      <p:grpSpPr>
+        <a:xfrm>
+          <a:off x="0" y="0"/>
+          <a:ext cx="0" cy="0"/>
+          <a:chOff x="0" y="0"/>
+          <a:chExt cx="0" cy="0"/>
+        </a:xfrm>
+      </p:grpSpPr>
+      <p:sp>
+        <p:nvSpPr>
+          <p:cNvPr id="2" name="标题 1">
+            <a:extLst>
+              <a:ext uri="{FF2B5EF4-FFF2-40B4-BE49-F238E27FC236}">
+                <a16:creationId xmlns:a16="http://schemas.microsoft.com/office/drawing/2014/main" id="{E740C946-1698-400C-AFE5-E67EB1E1BEF2}"/>
+              </a:ext>
+            </a:extLst>
+          </p:cNvPr>
+          <p:cNvSpPr>
+            <a:spLocks noGrp="1"/>
+          </p:cNvSpPr>
+          <p:nvPr>
+            <p:ph type="title"/>
+          </p:nvPr>
+        </p:nvSpPr>
+        <p:spPr/>
+        <p:txBody>
+          <a:bodyPr/>
+          <a:lstStyle/>
+          <a:p>
+            <a:r>
+              <a:rPr lang="en-US" altLang="zh-CN" dirty="0"/>
+              <a:t>Linux</a:t>
+            </a:r>
+            <a:r>
+              <a:rPr lang="zh-CN" altLang="en-US" dirty="0"/>
+              <a:t>目录结构</a:t>
+            </a:r>
+          </a:p>
+        </p:txBody>
+      </p:sp>
+      <p:sp>
+        <p:nvSpPr>
+          <p:cNvPr id="3" name="内容占位符 2">
+            <a:extLst>
+              <a:ext uri="{FF2B5EF4-FFF2-40B4-BE49-F238E27FC236}">
+                <a16:creationId xmlns:a16="http://schemas.microsoft.com/office/drawing/2014/main" id="{E91CAF83-3EAE-4337-874F-3D1A4C7B2A97}"/>
+              </a:ext>
+            </a:extLst>
+          </p:cNvPr>
+          <p:cNvSpPr>
+            <a:spLocks noGrp="1"/>
+          </p:cNvSpPr>
+          <p:nvPr>
+            <p:ph idx="1"/>
+          </p:nvPr>
+        </p:nvSpPr>
+        <p:spPr/>
+        <p:txBody>
+          <a:bodyPr/>
+          <a:lstStyle/>
+          <a:p>
+            <a:pPr latinLnBrk="1"/>
+            <a:r>
+              <a:rPr lang="en-US" altLang="zh-CN" b="1" dirty="0">
+                <a:solidFill>
+                  <a:srgbClr val="FF0000"/>
+                </a:solidFill>
+              </a:rPr>
+              <a:t>/bin</a:t>
+            </a:r>
+            <a:r>
+              <a:rPr lang="zh-CN" altLang="en-US" dirty="0"/>
+              <a:t>：</a:t>
+            </a:r>
+            <a:br>
+              <a:rPr lang="zh-CN" altLang="en-US" dirty="0"/>
+            </a:br>
+            <a:r>
+              <a:rPr lang="en-US" altLang="zh-CN" dirty="0"/>
+              <a:t>bin</a:t>
+            </a:r>
+            <a:r>
+              <a:rPr lang="zh-CN" altLang="en-US" dirty="0"/>
+              <a:t>是</a:t>
+            </a:r>
+            <a:r>
+              <a:rPr lang="en-US" altLang="zh-CN" dirty="0"/>
+              <a:t>Binary</a:t>
+            </a:r>
+            <a:r>
+              <a:rPr lang="zh-CN" altLang="en-US" dirty="0"/>
+              <a:t>的缩写</a:t>
+            </a:r>
+            <a:r>
+              <a:rPr lang="en-US" altLang="zh-CN" dirty="0"/>
+              <a:t>, </a:t>
+            </a:r>
+            <a:r>
+              <a:rPr lang="zh-CN" altLang="en-US" dirty="0"/>
+              <a:t>这个目录存放着最经常使用的命令。</a:t>
+            </a:r>
+          </a:p>
+          <a:p>
+            <a:pPr latinLnBrk="1"/>
+            <a:r>
+              <a:rPr lang="en-US" altLang="zh-CN" b="1" dirty="0"/>
+              <a:t>/boot</a:t>
+            </a:r>
+            <a:r>
+              <a:rPr lang="zh-CN" altLang="en-US" b="1" dirty="0"/>
+              <a:t>：</a:t>
+            </a:r>
+            <a:br>
+              <a:rPr lang="zh-CN" altLang="en-US" dirty="0"/>
+            </a:br>
+            <a:r>
+              <a:rPr lang="zh-CN" altLang="en-US" dirty="0"/>
+              <a:t>这里存放的是启动</a:t>
+            </a:r>
+            <a:r>
+              <a:rPr lang="en-US" altLang="zh-CN" dirty="0"/>
+              <a:t>Linux</a:t>
+            </a:r>
+            <a:r>
+              <a:rPr lang="zh-CN" altLang="en-US" dirty="0"/>
+              <a:t>时使用的一些核心文件，包括一些连接文件以及镜像文件。</a:t>
+            </a:r>
+          </a:p>
+          <a:p>
+            <a:pPr latinLnBrk="1"/>
+            <a:r>
+              <a:rPr lang="en-US" altLang="zh-CN" b="1" dirty="0">
+                <a:solidFill>
+                  <a:srgbClr val="FF0000"/>
+                </a:solidFill>
+              </a:rPr>
+              <a:t>/dev </a:t>
+            </a:r>
+            <a:r>
+              <a:rPr lang="zh-CN" altLang="en-US" b="1" dirty="0"/>
+              <a:t>：</a:t>
+            </a:r>
+            <a:br>
+              <a:rPr lang="zh-CN" altLang="en-US" dirty="0"/>
+            </a:br>
+            <a:r>
+              <a:rPr lang="en-US" altLang="zh-CN" dirty="0"/>
+              <a:t>dev</a:t>
+            </a:r>
+            <a:r>
+              <a:rPr lang="zh-CN" altLang="en-US" dirty="0"/>
+              <a:t>是</a:t>
+            </a:r>
+            <a:r>
+              <a:rPr lang="en-US" altLang="zh-CN" dirty="0"/>
+              <a:t>Device(</a:t>
+            </a:r>
+            <a:r>
+              <a:rPr lang="zh-CN" altLang="en-US" dirty="0"/>
+              <a:t>设备</a:t>
+            </a:r>
+            <a:r>
+              <a:rPr lang="en-US" altLang="zh-CN" dirty="0"/>
+              <a:t>)</a:t>
+            </a:r>
+            <a:r>
+              <a:rPr lang="zh-CN" altLang="en-US" dirty="0"/>
+              <a:t>的缩写</a:t>
+            </a:r>
+            <a:r>
+              <a:rPr lang="en-US" altLang="zh-CN" dirty="0"/>
+              <a:t>, </a:t>
+            </a:r>
+            <a:r>
+              <a:rPr lang="zh-CN" altLang="en-US" dirty="0"/>
+              <a:t>该目录下存放的是</a:t>
+            </a:r>
+            <a:r>
+              <a:rPr lang="en-US" altLang="zh-CN" dirty="0"/>
+              <a:t>Linux</a:t>
+            </a:r>
+            <a:r>
+              <a:rPr lang="zh-CN" altLang="en-US" dirty="0"/>
+              <a:t>的外部设备，在</a:t>
+            </a:r>
+            <a:r>
+              <a:rPr lang="en-US" altLang="zh-CN" dirty="0"/>
+              <a:t>Linux</a:t>
+            </a:r>
+            <a:r>
+              <a:rPr lang="zh-CN" altLang="en-US" dirty="0"/>
+              <a:t>中访问设备的方式和访问文件的方式是相同的。</a:t>
+            </a:r>
+          </a:p>
+          <a:p>
+            <a:pPr latinLnBrk="1"/>
+            <a:r>
+              <a:rPr lang="en-US" altLang="zh-CN" b="1" dirty="0">
+                <a:solidFill>
+                  <a:srgbClr val="FF0000"/>
+                </a:solidFill>
+              </a:rPr>
+              <a:t>/</a:t>
+            </a:r>
+            <a:r>
+              <a:rPr lang="en-US" altLang="zh-CN" b="1" dirty="0" err="1">
+                <a:solidFill>
+                  <a:srgbClr val="FF0000"/>
+                </a:solidFill>
+              </a:rPr>
+              <a:t>etc</a:t>
+            </a:r>
+            <a:r>
+              <a:rPr lang="zh-CN" altLang="en-US" b="1" dirty="0"/>
+              <a:t>：</a:t>
+            </a:r>
+            <a:br>
+              <a:rPr lang="zh-CN" altLang="en-US" dirty="0"/>
+            </a:br>
+            <a:r>
+              <a:rPr lang="zh-CN" altLang="en-US" dirty="0"/>
+              <a:t>这个目录用来存放所有的系统管理所需要的配置文件和子目录。</a:t>
+            </a:r>
+          </a:p>
+          <a:p>
+            <a:pPr latinLnBrk="1"/>
+            <a:r>
+              <a:rPr lang="en-US" altLang="zh-CN" b="1" dirty="0">
+                <a:solidFill>
+                  <a:srgbClr val="FF0000"/>
+                </a:solidFill>
+              </a:rPr>
+              <a:t>/home</a:t>
+            </a:r>
+            <a:r>
+              <a:rPr lang="zh-CN" altLang="en-US" dirty="0"/>
+              <a:t>：</a:t>
+            </a:r>
+            <a:br>
+              <a:rPr lang="zh-CN" altLang="en-US" dirty="0"/>
+            </a:br>
+            <a:r>
+              <a:rPr lang="zh-CN" altLang="en-US" dirty="0"/>
+              <a:t>用户的主目录，在</a:t>
+            </a:r>
+            <a:r>
+              <a:rPr lang="en-US" altLang="zh-CN" dirty="0"/>
+              <a:t>Linux</a:t>
+            </a:r>
+            <a:r>
+              <a:rPr lang="zh-CN" altLang="en-US" dirty="0"/>
+              <a:t>中，每个用户都有一个自己的目录，一般该目录名是以用户的账号命名的。</a:t>
+            </a:r>
+          </a:p>
+          <a:p>
+            <a:pPr latinLnBrk="1"/>
+            <a:r>
+              <a:rPr lang="en-US" altLang="zh-CN" b="1" dirty="0">
+                <a:solidFill>
+                  <a:srgbClr val="FF0000"/>
+                </a:solidFill>
+              </a:rPr>
+              <a:t>/lib</a:t>
+            </a:r>
+            <a:r>
+              <a:rPr lang="zh-CN" altLang="en-US" dirty="0"/>
+              <a:t>：</a:t>
+            </a:r>
+            <a:br>
+              <a:rPr lang="zh-CN" altLang="en-US" dirty="0"/>
+            </a:br>
+            <a:r>
+              <a:rPr lang="zh-CN" altLang="en-US" dirty="0"/>
+              <a:t>这个目录里存放着系统最基本的动态连接共享库，其作用类似于</a:t>
+            </a:r>
+            <a:r>
+              <a:rPr lang="en-US" altLang="zh-CN" dirty="0"/>
+              <a:t>Windows</a:t>
+            </a:r>
+            <a:r>
+              <a:rPr lang="zh-CN" altLang="en-US" dirty="0"/>
+              <a:t>里的</a:t>
+            </a:r>
+            <a:r>
+              <a:rPr lang="en-US" altLang="zh-CN" dirty="0"/>
+              <a:t>DLL</a:t>
+            </a:r>
+            <a:r>
+              <a:rPr lang="zh-CN" altLang="en-US" dirty="0"/>
+              <a:t>文件。几乎所有的应用程序都需要用到这些共享库。</a:t>
+            </a:r>
+          </a:p>
+          <a:p>
+            <a:endParaRPr lang="zh-CN" altLang="en-US" dirty="0"/>
+          </a:p>
+        </p:txBody>
+      </p:sp>
+    </p:spTree>
+    <p:extLst>
+      <p:ext uri="{BB962C8B-B14F-4D97-AF65-F5344CB8AC3E}">
+        <p14:creationId xmlns:p14="http://schemas.microsoft.com/office/powerpoint/2010/main" val="3058267501"/>
+      </p:ext>
+    </p:extLst>
+  </p:cSld>
+  <p:clrMapOvr>
+    <a:masterClrMapping/>
+  </p:clrMapOvr>
+</p:sld>
+</file>
+
+<file path=ppt/slides/slide27.xml><?xml version="1.0" encoding="utf-8"?>
+<p:sld xmlns:a="http://schemas.openxmlformats.org/drawingml/2006/main" xmlns:r="http://schemas.openxmlformats.org/officeDocument/2006/relationships" xmlns:p="http://schemas.openxmlformats.org/presentationml/2006/main">
+  <p:cSld>
+    <p:spTree>
+      <p:nvGrpSpPr>
+        <p:cNvPr id="1" name=""/>
+        <p:cNvGrpSpPr/>
+        <p:nvPr/>
+      </p:nvGrpSpPr>
+      <p:grpSpPr>
+        <a:xfrm>
+          <a:off x="0" y="0"/>
+          <a:ext cx="0" cy="0"/>
+          <a:chOff x="0" y="0"/>
+          <a:chExt cx="0" cy="0"/>
+        </a:xfrm>
+      </p:grpSpPr>
+      <p:sp>
+        <p:nvSpPr>
+          <p:cNvPr id="2" name="标题 1">
+            <a:extLst>
+              <a:ext uri="{FF2B5EF4-FFF2-40B4-BE49-F238E27FC236}">
+                <a16:creationId xmlns:a16="http://schemas.microsoft.com/office/drawing/2014/main" id="{881999FE-1586-4018-8D22-B6EC54047840}"/>
+              </a:ext>
+            </a:extLst>
+          </p:cNvPr>
+          <p:cNvSpPr>
+            <a:spLocks noGrp="1"/>
+          </p:cNvSpPr>
+          <p:nvPr>
+            <p:ph type="title"/>
+          </p:nvPr>
+        </p:nvSpPr>
+        <p:spPr/>
+        <p:txBody>
+          <a:bodyPr/>
+          <a:lstStyle/>
+          <a:p>
+            <a:r>
+              <a:rPr lang="en-US" altLang="zh-CN" dirty="0"/>
+              <a:t>Linux</a:t>
+            </a:r>
+            <a:r>
+              <a:rPr lang="zh-CN" altLang="en-US" dirty="0"/>
+              <a:t>目录结构</a:t>
+            </a:r>
+          </a:p>
+        </p:txBody>
+      </p:sp>
+      <p:sp>
+        <p:nvSpPr>
+          <p:cNvPr id="3" name="内容占位符 2">
+            <a:extLst>
+              <a:ext uri="{FF2B5EF4-FFF2-40B4-BE49-F238E27FC236}">
+                <a16:creationId xmlns:a16="http://schemas.microsoft.com/office/drawing/2014/main" id="{80D5AE95-AC9C-4A47-93C2-A4B7AFCFA21E}"/>
+              </a:ext>
+            </a:extLst>
+          </p:cNvPr>
+          <p:cNvSpPr>
+            <a:spLocks noGrp="1"/>
+          </p:cNvSpPr>
+          <p:nvPr>
+            <p:ph idx="1"/>
+          </p:nvPr>
+        </p:nvSpPr>
+        <p:spPr/>
+        <p:txBody>
+          <a:bodyPr/>
+          <a:lstStyle/>
+          <a:p>
+            <a:pPr latinLnBrk="1"/>
+            <a:r>
+              <a:rPr lang="en-US" altLang="zh-CN" b="1" dirty="0"/>
+              <a:t>/</a:t>
+            </a:r>
+            <a:r>
+              <a:rPr lang="en-US" altLang="zh-CN" b="1" dirty="0" err="1"/>
+              <a:t>lost+found</a:t>
+            </a:r>
+            <a:r>
+              <a:rPr lang="zh-CN" altLang="en-US" dirty="0"/>
+              <a:t>：</a:t>
+            </a:r>
+            <a:br>
+              <a:rPr lang="zh-CN" altLang="en-US" dirty="0"/>
+            </a:br>
+            <a:r>
+              <a:rPr lang="zh-CN" altLang="en-US" dirty="0"/>
+              <a:t>这个目录一般情况下是空的，当系统非法关机后，这里就存放了一些文件。</a:t>
+            </a:r>
+          </a:p>
+          <a:p>
+            <a:pPr latinLnBrk="1"/>
+            <a:r>
+              <a:rPr lang="en-US" altLang="zh-CN" b="1" dirty="0"/>
+              <a:t>/media</a:t>
+            </a:r>
+            <a:r>
+              <a:rPr lang="zh-CN" altLang="en-US" dirty="0"/>
+              <a:t>：</a:t>
+            </a:r>
+            <a:br>
+              <a:rPr lang="zh-CN" altLang="en-US" dirty="0"/>
+            </a:br>
+            <a:r>
+              <a:rPr lang="en-US" altLang="zh-CN" dirty="0" err="1"/>
+              <a:t>linux</a:t>
+            </a:r>
+            <a:r>
+              <a:rPr lang="zh-CN" altLang="en-US" dirty="0"/>
+              <a:t>系统会自动识别一些设备，例如</a:t>
+            </a:r>
+            <a:r>
+              <a:rPr lang="en-US" altLang="zh-CN" dirty="0"/>
+              <a:t>U</a:t>
+            </a:r>
+            <a:r>
+              <a:rPr lang="zh-CN" altLang="en-US" dirty="0"/>
+              <a:t>盘、光驱等等，当识别后，</a:t>
+            </a:r>
+            <a:r>
+              <a:rPr lang="en-US" altLang="zh-CN" dirty="0" err="1"/>
+              <a:t>linux</a:t>
+            </a:r>
+            <a:r>
+              <a:rPr lang="zh-CN" altLang="en-US" dirty="0"/>
+              <a:t>会把识别的设备挂载到这个目录下。</a:t>
+            </a:r>
+          </a:p>
+          <a:p>
+            <a:pPr latinLnBrk="1"/>
+            <a:r>
+              <a:rPr lang="en-US" altLang="zh-CN" b="1" dirty="0"/>
+              <a:t>/</a:t>
+            </a:r>
+            <a:r>
+              <a:rPr lang="en-US" altLang="zh-CN" b="1" dirty="0" err="1"/>
+              <a:t>mnt</a:t>
+            </a:r>
+            <a:r>
+              <a:rPr lang="zh-CN" altLang="en-US" dirty="0"/>
+              <a:t>：</a:t>
+            </a:r>
+            <a:br>
+              <a:rPr lang="zh-CN" altLang="en-US" dirty="0"/>
+            </a:br>
+            <a:r>
+              <a:rPr lang="zh-CN" altLang="en-US" dirty="0"/>
+              <a:t>系统提供该目录是为了让用户临时挂载别的文件系统的，我们可以将光驱挂载在</a:t>
+            </a:r>
+            <a:r>
+              <a:rPr lang="en-US" altLang="zh-CN" dirty="0"/>
+              <a:t>/</a:t>
+            </a:r>
+            <a:r>
+              <a:rPr lang="en-US" altLang="zh-CN" dirty="0" err="1"/>
+              <a:t>mnt</a:t>
+            </a:r>
+            <a:r>
+              <a:rPr lang="en-US" altLang="zh-CN" dirty="0"/>
+              <a:t>/</a:t>
+            </a:r>
+            <a:r>
+              <a:rPr lang="zh-CN" altLang="en-US" dirty="0"/>
+              <a:t>上，然后进入该目录就可以查看光驱里的内容了。</a:t>
+            </a:r>
+          </a:p>
+          <a:p>
+            <a:pPr latinLnBrk="1"/>
+            <a:r>
+              <a:rPr lang="en-US" altLang="zh-CN" b="1" dirty="0">
+                <a:solidFill>
+                  <a:srgbClr val="FF0000"/>
+                </a:solidFill>
+              </a:rPr>
+              <a:t>/opt</a:t>
+            </a:r>
+            <a:r>
+              <a:rPr lang="zh-CN" altLang="en-US" dirty="0"/>
+              <a:t>：</a:t>
+            </a:r>
+            <a:br>
+              <a:rPr lang="zh-CN" altLang="en-US" dirty="0"/>
+            </a:br>
+            <a:r>
+              <a:rPr lang="zh-CN" altLang="en-US" dirty="0"/>
+              <a:t> 这是给主机额外安装软件所摆放的目录。比如你安装一个</a:t>
+            </a:r>
+            <a:r>
+              <a:rPr lang="en-US" altLang="zh-CN" dirty="0"/>
+              <a:t>ORACLE</a:t>
+            </a:r>
+            <a:r>
+              <a:rPr lang="zh-CN" altLang="en-US" dirty="0"/>
+              <a:t>数据库则就可以放到这个目录下。默认是空的。</a:t>
+            </a:r>
+          </a:p>
+          <a:p>
+            <a:pPr latinLnBrk="1"/>
+            <a:r>
+              <a:rPr lang="en-US" altLang="zh-CN" b="1" dirty="0"/>
+              <a:t>/proc</a:t>
+            </a:r>
+            <a:r>
+              <a:rPr lang="zh-CN" altLang="en-US" dirty="0"/>
+              <a:t>：</a:t>
+            </a:r>
+            <a:br>
+              <a:rPr lang="zh-CN" altLang="en-US" dirty="0"/>
+            </a:br>
+            <a:r>
+              <a:rPr lang="zh-CN" altLang="en-US" dirty="0"/>
+              <a:t>这个目录是一个虚拟的目录，它是系统内存的映射，我们可以通过直接访问这个目录来获取系统信息。</a:t>
+            </a:r>
+            <a:br>
+              <a:rPr lang="zh-CN" altLang="en-US" dirty="0"/>
+            </a:br>
+            <a:r>
+              <a:rPr lang="zh-CN" altLang="en-US" dirty="0"/>
+              <a:t>这个目录的内容不在硬盘上而是在内存里，我们也可以直接修改里面的某些文件，比如可以通过下面的命令来屏蔽主机的</a:t>
+            </a:r>
+            <a:r>
+              <a:rPr lang="en-US" altLang="zh-CN" dirty="0"/>
+              <a:t>ping</a:t>
+            </a:r>
+            <a:r>
+              <a:rPr lang="zh-CN" altLang="en-US" dirty="0"/>
+              <a:t>命令，使别人无法</a:t>
+            </a:r>
+            <a:r>
+              <a:rPr lang="en-US" altLang="zh-CN" dirty="0"/>
+              <a:t>ping</a:t>
+            </a:r>
+            <a:r>
+              <a:rPr lang="zh-CN" altLang="en-US" dirty="0"/>
+              <a:t>你的机器：</a:t>
+            </a:r>
+            <a:r>
+              <a:rPr lang="en-US" altLang="zh-CN" sz="1400" i="1" dirty="0">
+                <a:solidFill>
+                  <a:srgbClr val="00B050"/>
+                </a:solidFill>
+              </a:rPr>
+              <a:t>echo 1 &gt; /proc/sys/net/ipv4/</a:t>
+            </a:r>
+            <a:r>
+              <a:rPr lang="en-US" altLang="zh-CN" sz="1400" i="1" dirty="0" err="1">
+                <a:solidFill>
+                  <a:srgbClr val="00B050"/>
+                </a:solidFill>
+              </a:rPr>
+              <a:t>icmp_echo_ignore_all</a:t>
+            </a:r>
+            <a:endParaRPr lang="zh-CN" altLang="en-US" i="1" dirty="0">
+              <a:solidFill>
+                <a:srgbClr val="00B050"/>
+              </a:solidFill>
+            </a:endParaRPr>
+          </a:p>
+          <a:p>
+            <a:endParaRPr lang="zh-CN" altLang="en-US" dirty="0"/>
+          </a:p>
+        </p:txBody>
+      </p:sp>
+    </p:spTree>
+    <p:extLst>
+      <p:ext uri="{BB962C8B-B14F-4D97-AF65-F5344CB8AC3E}">
+        <p14:creationId xmlns:p14="http://schemas.microsoft.com/office/powerpoint/2010/main" val="2650970881"/>
+      </p:ext>
+    </p:extLst>
+  </p:cSld>
+  <p:clrMapOvr>
+    <a:masterClrMapping/>
+  </p:clrMapOvr>
+</p:sld>
+</file>
+
+<file path=ppt/slides/slide28.xml><?xml version="1.0" encoding="utf-8"?>
+<p:sld xmlns:a="http://schemas.openxmlformats.org/drawingml/2006/main" xmlns:r="http://schemas.openxmlformats.org/officeDocument/2006/relationships" xmlns:p="http://schemas.openxmlformats.org/presentationml/2006/main">
+  <p:cSld>
+    <p:spTree>
+      <p:nvGrpSpPr>
+        <p:cNvPr id="1" name=""/>
+        <p:cNvGrpSpPr/>
+        <p:nvPr/>
+      </p:nvGrpSpPr>
+      <p:grpSpPr>
+        <a:xfrm>
+          <a:off x="0" y="0"/>
+          <a:ext cx="0" cy="0"/>
+          <a:chOff x="0" y="0"/>
+          <a:chExt cx="0" cy="0"/>
+        </a:xfrm>
+      </p:grpSpPr>
+      <p:sp>
+        <p:nvSpPr>
+          <p:cNvPr id="2" name="标题 1">
+            <a:extLst>
+              <a:ext uri="{FF2B5EF4-FFF2-40B4-BE49-F238E27FC236}">
+                <a16:creationId xmlns:a16="http://schemas.microsoft.com/office/drawing/2014/main" id="{A76259D4-2E6A-4E0F-8FCE-934C74E7829D}"/>
+              </a:ext>
+            </a:extLst>
+          </p:cNvPr>
+          <p:cNvSpPr>
+            <a:spLocks noGrp="1"/>
+          </p:cNvSpPr>
+          <p:nvPr>
+            <p:ph type="title"/>
+          </p:nvPr>
+        </p:nvSpPr>
+        <p:spPr/>
+        <p:txBody>
+          <a:bodyPr/>
+          <a:lstStyle/>
+          <a:p>
+            <a:r>
+              <a:rPr lang="en-US" altLang="zh-CN" dirty="0"/>
+              <a:t>Linux</a:t>
+            </a:r>
+            <a:r>
+              <a:rPr lang="zh-CN" altLang="en-US" dirty="0"/>
+              <a:t>目录结构</a:t>
+            </a:r>
+          </a:p>
+        </p:txBody>
+      </p:sp>
+      <p:sp>
+        <p:nvSpPr>
+          <p:cNvPr id="3" name="内容占位符 2">
+            <a:extLst>
+              <a:ext uri="{FF2B5EF4-FFF2-40B4-BE49-F238E27FC236}">
+                <a16:creationId xmlns:a16="http://schemas.microsoft.com/office/drawing/2014/main" id="{D2E28CA0-5B17-467F-B0D1-763D07B9FE3E}"/>
+              </a:ext>
+            </a:extLst>
+          </p:cNvPr>
+          <p:cNvSpPr>
+            <a:spLocks noGrp="1"/>
+          </p:cNvSpPr>
+          <p:nvPr>
+            <p:ph idx="1"/>
+          </p:nvPr>
+        </p:nvSpPr>
+        <p:spPr/>
+        <p:txBody>
+          <a:bodyPr/>
+          <a:lstStyle/>
+          <a:p>
+            <a:pPr latinLnBrk="1"/>
+            <a:r>
+              <a:rPr lang="en-US" altLang="zh-CN" b="1" dirty="0"/>
+              <a:t>/root</a:t>
+            </a:r>
+            <a:r>
+              <a:rPr lang="zh-CN" altLang="en-US" dirty="0"/>
+              <a:t>：</a:t>
+            </a:r>
+            <a:br>
+              <a:rPr lang="zh-CN" altLang="en-US" dirty="0"/>
+            </a:br>
+            <a:r>
+              <a:rPr lang="zh-CN" altLang="en-US" dirty="0"/>
+              <a:t>该目录为系统管理员，也称作超级权限者的用户主目录。</a:t>
+            </a:r>
+          </a:p>
+          <a:p>
+            <a:pPr latinLnBrk="1"/>
+            <a:r>
+              <a:rPr lang="en-US" altLang="zh-CN" b="1" dirty="0">
+                <a:solidFill>
+                  <a:srgbClr val="FF0000"/>
+                </a:solidFill>
+              </a:rPr>
+              <a:t>/</a:t>
+            </a:r>
+            <a:r>
+              <a:rPr lang="en-US" altLang="zh-CN" b="1" dirty="0" err="1">
+                <a:solidFill>
+                  <a:srgbClr val="FF0000"/>
+                </a:solidFill>
+              </a:rPr>
+              <a:t>sbin</a:t>
+            </a:r>
+            <a:r>
+              <a:rPr lang="zh-CN" altLang="en-US" dirty="0"/>
+              <a:t>：</a:t>
+            </a:r>
+            <a:br>
+              <a:rPr lang="zh-CN" altLang="en-US" dirty="0"/>
+            </a:br>
+            <a:r>
+              <a:rPr lang="en-US" altLang="zh-CN" dirty="0"/>
+              <a:t>s</a:t>
+            </a:r>
+            <a:r>
+              <a:rPr lang="zh-CN" altLang="en-US" dirty="0"/>
+              <a:t>就是</a:t>
+            </a:r>
+            <a:r>
+              <a:rPr lang="en-US" altLang="zh-CN" dirty="0"/>
+              <a:t>Super User</a:t>
+            </a:r>
+            <a:r>
+              <a:rPr lang="zh-CN" altLang="en-US" dirty="0"/>
+              <a:t>的意思，这里存放的是系统管理员使用的系统管理程序。</a:t>
+            </a:r>
+          </a:p>
+          <a:p>
+            <a:pPr latinLnBrk="1"/>
+            <a:r>
+              <a:rPr lang="en-US" altLang="zh-CN" b="1" dirty="0"/>
+              <a:t>/</a:t>
+            </a:r>
+            <a:r>
+              <a:rPr lang="en-US" altLang="zh-CN" b="1" dirty="0" err="1"/>
+              <a:t>selinux</a:t>
+            </a:r>
+            <a:r>
+              <a:rPr lang="zh-CN" altLang="en-US" dirty="0"/>
+              <a:t>：</a:t>
+            </a:r>
+            <a:br>
+              <a:rPr lang="zh-CN" altLang="en-US" dirty="0"/>
+            </a:br>
+            <a:r>
+              <a:rPr lang="zh-CN" altLang="en-US" dirty="0"/>
+              <a:t> 这个目录是</a:t>
+            </a:r>
+            <a:r>
+              <a:rPr lang="en-US" altLang="zh-CN" dirty="0" err="1"/>
+              <a:t>Redhat</a:t>
+            </a:r>
+            <a:r>
+              <a:rPr lang="en-US" altLang="zh-CN" dirty="0"/>
+              <a:t>/CentOS</a:t>
+            </a:r>
+            <a:r>
+              <a:rPr lang="zh-CN" altLang="en-US" dirty="0"/>
+              <a:t>所特有的目录，</a:t>
+            </a:r>
+            <a:r>
+              <a:rPr lang="en-US" altLang="zh-CN" dirty="0" err="1"/>
+              <a:t>Selinux</a:t>
+            </a:r>
+            <a:r>
+              <a:rPr lang="zh-CN" altLang="en-US" dirty="0"/>
+              <a:t>是一个安全机制，类似于</a:t>
+            </a:r>
+            <a:r>
+              <a:rPr lang="en-US" altLang="zh-CN" dirty="0"/>
+              <a:t>windows</a:t>
+            </a:r>
+            <a:r>
+              <a:rPr lang="zh-CN" altLang="en-US" dirty="0"/>
+              <a:t>的防火墙，但是这套机制比较复杂，这个目录就是存放</a:t>
+            </a:r>
+            <a:r>
+              <a:rPr lang="en-US" altLang="zh-CN" dirty="0" err="1"/>
+              <a:t>selinux</a:t>
+            </a:r>
+            <a:r>
+              <a:rPr lang="zh-CN" altLang="en-US" dirty="0"/>
+              <a:t>相关的文件的。</a:t>
+            </a:r>
+          </a:p>
+          <a:p>
+            <a:pPr latinLnBrk="1"/>
+            <a:r>
+              <a:rPr lang="en-US" altLang="zh-CN" b="1" dirty="0"/>
+              <a:t>/</a:t>
+            </a:r>
+            <a:r>
+              <a:rPr lang="en-US" altLang="zh-CN" b="1" dirty="0" err="1"/>
+              <a:t>srv</a:t>
+            </a:r>
+            <a:r>
+              <a:rPr lang="zh-CN" altLang="en-US" dirty="0"/>
+              <a:t>：</a:t>
+            </a:r>
+            <a:br>
+              <a:rPr lang="zh-CN" altLang="en-US" dirty="0"/>
+            </a:br>
+            <a:r>
+              <a:rPr lang="zh-CN" altLang="en-US" dirty="0"/>
+              <a:t> 该目录存放一些服务启动之后需要提取的数据。</a:t>
+            </a:r>
+          </a:p>
+          <a:p>
+            <a:pPr latinLnBrk="1"/>
+            <a:r>
+              <a:rPr lang="en-US" altLang="zh-CN" b="1" dirty="0"/>
+              <a:t>/sys</a:t>
+            </a:r>
+            <a:r>
+              <a:rPr lang="zh-CN" altLang="en-US" dirty="0"/>
+              <a:t>：</a:t>
+            </a:r>
+          </a:p>
+          <a:p>
+            <a:pPr marL="0" indent="0" latinLnBrk="1">
+              <a:buNone/>
+            </a:pPr>
+            <a:r>
+              <a:rPr lang="zh-CN" altLang="en-US" dirty="0"/>
+              <a:t> 这是</a:t>
+            </a:r>
+            <a:r>
+              <a:rPr lang="en-US" altLang="zh-CN" dirty="0"/>
+              <a:t>linux2.6</a:t>
+            </a:r>
+            <a:r>
+              <a:rPr lang="zh-CN" altLang="en-US" dirty="0"/>
+              <a:t>内核的一个很大的变化。该目录下安装了</a:t>
+            </a:r>
+            <a:r>
+              <a:rPr lang="en-US" altLang="zh-CN" dirty="0"/>
+              <a:t>2.6</a:t>
+            </a:r>
+            <a:r>
+              <a:rPr lang="zh-CN" altLang="en-US" dirty="0"/>
+              <a:t>内核中新出现的一个文件系统 </a:t>
+            </a:r>
+            <a:r>
+              <a:rPr lang="en-US" altLang="zh-CN" dirty="0" err="1"/>
+              <a:t>sysfs</a:t>
+            </a:r>
+            <a:r>
+              <a:rPr lang="en-US" altLang="zh-CN" dirty="0"/>
+              <a:t> </a:t>
+            </a:r>
+            <a:r>
+              <a:rPr lang="zh-CN" altLang="en-US" dirty="0"/>
+              <a:t>。</a:t>
+            </a:r>
+          </a:p>
+          <a:p>
+            <a:pPr marL="0" indent="0" latinLnBrk="1">
+              <a:buNone/>
+            </a:pPr>
+            <a:r>
+              <a:rPr lang="en-US" altLang="zh-CN" dirty="0" err="1"/>
+              <a:t>sysfs</a:t>
+            </a:r>
+            <a:r>
+              <a:rPr lang="zh-CN" altLang="en-US" dirty="0"/>
+              <a:t>文件系统集成了下面</a:t>
+            </a:r>
+            <a:r>
+              <a:rPr lang="en-US" altLang="zh-CN" dirty="0"/>
+              <a:t>3</a:t>
+            </a:r>
+            <a:r>
+              <a:rPr lang="zh-CN" altLang="en-US" dirty="0"/>
+              <a:t>种文件系统的信息：针对进程信息的</a:t>
+            </a:r>
+            <a:r>
+              <a:rPr lang="en-US" altLang="zh-CN" dirty="0"/>
+              <a:t>proc</a:t>
+            </a:r>
+            <a:r>
+              <a:rPr lang="zh-CN" altLang="en-US" dirty="0"/>
+              <a:t>文件系统、针对设备的</a:t>
+            </a:r>
+            <a:r>
+              <a:rPr lang="en-US" altLang="zh-CN" dirty="0" err="1"/>
+              <a:t>devfs</a:t>
+            </a:r>
+            <a:r>
+              <a:rPr lang="zh-CN" altLang="en-US" dirty="0"/>
+              <a:t>文件系统以及针对伪终端的</a:t>
+            </a:r>
+            <a:r>
+              <a:rPr lang="en-US" altLang="zh-CN" dirty="0" err="1"/>
+              <a:t>devpts</a:t>
+            </a:r>
+            <a:r>
+              <a:rPr lang="zh-CN" altLang="en-US" dirty="0"/>
+              <a:t>文件系统。该文件系统是内核设备树的一个直观反映。当一个内核对象被创建的时候，对应的文件和目录也在内核对象子系统中被创建。</a:t>
+            </a:r>
+          </a:p>
+          <a:p>
+            <a:endParaRPr lang="zh-CN" altLang="en-US" dirty="0"/>
+          </a:p>
+        </p:txBody>
+      </p:sp>
+    </p:spTree>
+    <p:extLst>
+      <p:ext uri="{BB962C8B-B14F-4D97-AF65-F5344CB8AC3E}">
+        <p14:creationId xmlns:p14="http://schemas.microsoft.com/office/powerpoint/2010/main" val="2300036506"/>
+      </p:ext>
+    </p:extLst>
+  </p:cSld>
+  <p:clrMapOvr>
+    <a:masterClrMapping/>
+  </p:clrMapOvr>
+</p:sld>
+</file>
+
+<file path=ppt/slides/slide29.xml><?xml version="1.0" encoding="utf-8"?>
+<p:sld xmlns:a="http://schemas.openxmlformats.org/drawingml/2006/main" xmlns:r="http://schemas.openxmlformats.org/officeDocument/2006/relationships" xmlns:p="http://schemas.openxmlformats.org/presentationml/2006/main">
+  <p:cSld>
+    <p:spTree>
+      <p:nvGrpSpPr>
+        <p:cNvPr id="1" name=""/>
+        <p:cNvGrpSpPr/>
+        <p:nvPr/>
+      </p:nvGrpSpPr>
+      <p:grpSpPr>
+        <a:xfrm>
+          <a:off x="0" y="0"/>
+          <a:ext cx="0" cy="0"/>
+          <a:chOff x="0" y="0"/>
+          <a:chExt cx="0" cy="0"/>
+        </a:xfrm>
+      </p:grpSpPr>
+      <p:sp>
+        <p:nvSpPr>
+          <p:cNvPr id="2" name="标题 1">
+            <a:extLst>
+              <a:ext uri="{FF2B5EF4-FFF2-40B4-BE49-F238E27FC236}">
+                <a16:creationId xmlns:a16="http://schemas.microsoft.com/office/drawing/2014/main" id="{221F327B-9CE7-4B80-A8B6-8E0CC17ABBBB}"/>
+              </a:ext>
+            </a:extLst>
+          </p:cNvPr>
+          <p:cNvSpPr>
+            <a:spLocks noGrp="1"/>
+          </p:cNvSpPr>
+          <p:nvPr>
+            <p:ph type="title"/>
+          </p:nvPr>
+        </p:nvSpPr>
+        <p:spPr/>
+        <p:txBody>
+          <a:bodyPr/>
+          <a:lstStyle/>
+          <a:p>
+            <a:r>
+              <a:rPr lang="en-US" altLang="zh-CN" dirty="0"/>
+              <a:t>Linux</a:t>
+            </a:r>
+            <a:r>
+              <a:rPr lang="zh-CN" altLang="en-US" dirty="0"/>
+              <a:t>目录结构</a:t>
+            </a:r>
+          </a:p>
+        </p:txBody>
+      </p:sp>
+      <p:sp>
+        <p:nvSpPr>
+          <p:cNvPr id="3" name="内容占位符 2">
+            <a:extLst>
+              <a:ext uri="{FF2B5EF4-FFF2-40B4-BE49-F238E27FC236}">
+                <a16:creationId xmlns:a16="http://schemas.microsoft.com/office/drawing/2014/main" id="{BBEC6C32-6A7D-43C3-A948-2061E69F2E02}"/>
+              </a:ext>
+            </a:extLst>
+          </p:cNvPr>
+          <p:cNvSpPr>
+            <a:spLocks noGrp="1"/>
+          </p:cNvSpPr>
+          <p:nvPr>
+            <p:ph idx="1"/>
+          </p:nvPr>
+        </p:nvSpPr>
+        <p:spPr/>
+        <p:txBody>
+          <a:bodyPr/>
+          <a:lstStyle/>
+          <a:p>
+            <a:pPr latinLnBrk="1">
+              <a:lnSpc>
+                <a:spcPct val="100000"/>
+              </a:lnSpc>
+            </a:pPr>
+            <a:r>
+              <a:rPr lang="en-US" altLang="zh-CN" b="1" dirty="0"/>
+              <a:t>/</a:t>
+            </a:r>
+            <a:r>
+              <a:rPr lang="en-US" altLang="zh-CN" b="1" dirty="0" err="1"/>
+              <a:t>tmp</a:t>
+            </a:r>
+            <a:r>
+              <a:rPr lang="zh-CN" altLang="en-US" dirty="0"/>
+              <a:t>：</a:t>
+            </a:r>
+            <a:br>
+              <a:rPr lang="zh-CN" altLang="en-US" dirty="0"/>
+            </a:br>
+            <a:r>
+              <a:rPr lang="zh-CN" altLang="en-US" dirty="0"/>
+              <a:t>这个目录是用来存放一些临时文件的。</a:t>
+            </a:r>
+          </a:p>
+          <a:p>
+            <a:pPr latinLnBrk="1">
+              <a:lnSpc>
+                <a:spcPct val="100000"/>
+              </a:lnSpc>
+            </a:pPr>
+            <a:r>
+              <a:rPr lang="en-US" altLang="zh-CN" b="1" dirty="0">
+                <a:solidFill>
+                  <a:srgbClr val="FF0000"/>
+                </a:solidFill>
+              </a:rPr>
+              <a:t>/</a:t>
+            </a:r>
+            <a:r>
+              <a:rPr lang="en-US" altLang="zh-CN" b="1" dirty="0" err="1">
+                <a:solidFill>
+                  <a:srgbClr val="FF0000"/>
+                </a:solidFill>
+              </a:rPr>
+              <a:t>usr</a:t>
+            </a:r>
+            <a:r>
+              <a:rPr lang="zh-CN" altLang="en-US" dirty="0"/>
+              <a:t>：</a:t>
+            </a:r>
+            <a:br>
+              <a:rPr lang="zh-CN" altLang="en-US" dirty="0"/>
+            </a:br>
+            <a:r>
+              <a:rPr lang="zh-CN" altLang="en-US" dirty="0"/>
+              <a:t> 这是一个非常重要的目录，用户的很多应用程序和文件都放在这个目录下，类似于</a:t>
+            </a:r>
+            <a:r>
+              <a:rPr lang="en-US" altLang="zh-CN" dirty="0"/>
+              <a:t>windows</a:t>
+            </a:r>
+            <a:r>
+              <a:rPr lang="zh-CN" altLang="en-US" dirty="0"/>
+              <a:t>下的</a:t>
+            </a:r>
+            <a:r>
+              <a:rPr lang="en-US" altLang="zh-CN" dirty="0"/>
+              <a:t>program files</a:t>
+            </a:r>
+            <a:r>
+              <a:rPr lang="zh-CN" altLang="en-US" dirty="0"/>
+              <a:t>目录。</a:t>
+            </a:r>
+          </a:p>
+          <a:p>
+            <a:pPr marL="457200" lvl="1" indent="0" latinLnBrk="1">
+              <a:lnSpc>
+                <a:spcPct val="100000"/>
+              </a:lnSpc>
+              <a:buNone/>
+            </a:pPr>
+            <a:r>
+              <a:rPr lang="en-US" altLang="zh-CN" b="1" dirty="0">
+                <a:solidFill>
+                  <a:srgbClr val="FF0000"/>
+                </a:solidFill>
+              </a:rPr>
+              <a:t>/</a:t>
+            </a:r>
+            <a:r>
+              <a:rPr lang="en-US" altLang="zh-CN" b="1" dirty="0" err="1">
+                <a:solidFill>
+                  <a:srgbClr val="FF0000"/>
+                </a:solidFill>
+              </a:rPr>
+              <a:t>usr</a:t>
+            </a:r>
+            <a:r>
+              <a:rPr lang="en-US" altLang="zh-CN" b="1" dirty="0">
+                <a:solidFill>
+                  <a:srgbClr val="FF0000"/>
+                </a:solidFill>
+              </a:rPr>
+              <a:t>/bin</a:t>
+            </a:r>
+            <a:r>
+              <a:rPr lang="zh-CN" altLang="en-US" b="1" dirty="0"/>
+              <a:t>：</a:t>
+            </a:r>
+            <a:br>
+              <a:rPr lang="zh-CN" altLang="en-US" dirty="0"/>
+            </a:br>
+            <a:r>
+              <a:rPr lang="zh-CN" altLang="en-US" dirty="0"/>
+              <a:t>系统用户使用的应用程序。</a:t>
+            </a:r>
+          </a:p>
+          <a:p>
+            <a:pPr marL="457200" lvl="1" indent="0" latinLnBrk="1">
+              <a:lnSpc>
+                <a:spcPct val="100000"/>
+              </a:lnSpc>
+              <a:buNone/>
+            </a:pPr>
+            <a:r>
+              <a:rPr lang="en-US" altLang="zh-CN" b="1" dirty="0">
+                <a:solidFill>
+                  <a:srgbClr val="FF0000"/>
+                </a:solidFill>
+              </a:rPr>
+              <a:t>/</a:t>
+            </a:r>
+            <a:r>
+              <a:rPr lang="en-US" altLang="zh-CN" b="1" dirty="0" err="1">
+                <a:solidFill>
+                  <a:srgbClr val="FF0000"/>
+                </a:solidFill>
+              </a:rPr>
+              <a:t>usr</a:t>
+            </a:r>
+            <a:r>
+              <a:rPr lang="en-US" altLang="zh-CN" b="1" dirty="0">
+                <a:solidFill>
+                  <a:srgbClr val="FF0000"/>
+                </a:solidFill>
+              </a:rPr>
+              <a:t>/</a:t>
+            </a:r>
+            <a:r>
+              <a:rPr lang="en-US" altLang="zh-CN" b="1" dirty="0" err="1">
+                <a:solidFill>
+                  <a:srgbClr val="FF0000"/>
+                </a:solidFill>
+              </a:rPr>
+              <a:t>sbin</a:t>
+            </a:r>
+            <a:r>
+              <a:rPr lang="zh-CN" altLang="en-US" b="1" dirty="0"/>
+              <a:t>：</a:t>
+            </a:r>
+            <a:br>
+              <a:rPr lang="zh-CN" altLang="en-US" dirty="0"/>
+            </a:br>
+            <a:r>
+              <a:rPr lang="zh-CN" altLang="en-US" dirty="0"/>
+              <a:t>超级用户使用的比较高级的管理程序和系统守护程序。</a:t>
+            </a:r>
+          </a:p>
+          <a:p>
+            <a:pPr marL="457200" lvl="1" indent="0" latinLnBrk="1">
+              <a:lnSpc>
+                <a:spcPct val="100000"/>
+              </a:lnSpc>
+              <a:buNone/>
+            </a:pPr>
+            <a:r>
+              <a:rPr lang="en-US" altLang="zh-CN" b="1" dirty="0"/>
+              <a:t>/</a:t>
+            </a:r>
+            <a:r>
+              <a:rPr lang="en-US" altLang="zh-CN" b="1" dirty="0" err="1"/>
+              <a:t>usr</a:t>
+            </a:r>
+            <a:r>
+              <a:rPr lang="en-US" altLang="zh-CN" b="1" dirty="0"/>
+              <a:t>/</a:t>
+            </a:r>
+            <a:r>
+              <a:rPr lang="en-US" altLang="zh-CN" b="1" dirty="0" err="1"/>
+              <a:t>src</a:t>
+            </a:r>
+            <a:r>
+              <a:rPr lang="zh-CN" altLang="en-US" b="1" dirty="0"/>
+              <a:t>：</a:t>
+            </a:r>
+            <a:br>
+              <a:rPr lang="zh-CN" altLang="en-US" dirty="0"/>
+            </a:br>
+            <a:r>
+              <a:rPr lang="zh-CN" altLang="en-US" dirty="0"/>
+              <a:t>内核源代码默认的放置目录。</a:t>
+            </a:r>
+          </a:p>
+          <a:p>
+            <a:pPr latinLnBrk="1">
+              <a:lnSpc>
+                <a:spcPct val="100000"/>
+              </a:lnSpc>
+            </a:pPr>
+            <a:r>
+              <a:rPr lang="en-US" altLang="zh-CN" b="1" dirty="0"/>
+              <a:t>/var</a:t>
+            </a:r>
+            <a:r>
+              <a:rPr lang="zh-CN" altLang="en-US" dirty="0"/>
+              <a:t>：</a:t>
+            </a:r>
+            <a:br>
+              <a:rPr lang="zh-CN" altLang="en-US" dirty="0"/>
+            </a:br>
+            <a:r>
+              <a:rPr lang="zh-CN" altLang="en-US" dirty="0"/>
+              <a:t>这个目录中存放着在不断扩充着的东西，我们习惯将那些经常被修改的目录放在这个目录下。包括各种日志文件。</a:t>
+            </a:r>
+            <a:endParaRPr lang="en-US" altLang="zh-CN" dirty="0"/>
+          </a:p>
+          <a:p>
+            <a:pPr latinLnBrk="1">
+              <a:lnSpc>
+                <a:spcPct val="100000"/>
+              </a:lnSpc>
+            </a:pPr>
+            <a:r>
+              <a:rPr lang="en-US" altLang="zh-CN" b="1" dirty="0"/>
+              <a:t>/run</a:t>
+            </a:r>
+            <a:r>
+              <a:rPr lang="zh-CN" altLang="en-US" dirty="0"/>
+              <a:t>：</a:t>
+            </a:r>
+            <a:br>
+              <a:rPr lang="zh-CN" altLang="en-US" dirty="0"/>
+            </a:br>
+            <a:r>
+              <a:rPr lang="zh-CN" altLang="en-US" dirty="0"/>
+              <a:t>是一个临时文件系统，存储系统启动以来的信息。当系统重启时，这个目录下的文件应该被删掉或清除。如果你的系统上有 </a:t>
+            </a:r>
+            <a:r>
+              <a:rPr lang="en-US" altLang="zh-CN" dirty="0"/>
+              <a:t>/var/run </a:t>
+            </a:r>
+            <a:r>
+              <a:rPr lang="zh-CN" altLang="en-US" dirty="0"/>
+              <a:t>目录，应该让它指向 </a:t>
+            </a:r>
+            <a:r>
+              <a:rPr lang="en-US" altLang="zh-CN" dirty="0"/>
+              <a:t>run</a:t>
+            </a:r>
+            <a:r>
+              <a:rPr lang="zh-CN" altLang="en-US" dirty="0"/>
+              <a:t>。</a:t>
+            </a:r>
+          </a:p>
+        </p:txBody>
+      </p:sp>
+    </p:spTree>
+    <p:extLst>
+      <p:ext uri="{BB962C8B-B14F-4D97-AF65-F5344CB8AC3E}">
+        <p14:creationId xmlns:p14="http://schemas.microsoft.com/office/powerpoint/2010/main" val="2595711167"/>
+      </p:ext>
+    </p:extLst>
+  </p:cSld>
+  <p:clrMapOvr>
+    <a:masterClrMapping/>
+  </p:clrMapOvr>
+</p:sld>
+</file>
+
 <file path=ppt/slides/slide3.xml><?xml version="1.0" encoding="utf-8"?>
 <p:sld xmlns:a="http://schemas.openxmlformats.org/drawingml/2006/main" xmlns:r="http://schemas.openxmlformats.org/officeDocument/2006/relationships" xmlns:p="http://schemas.openxmlformats.org/presentationml/2006/main">
   <p:cSld>
@@ -17363,6 +20281,3369 @@
     <p:custDataLst>
       <p:tags r:id="rId1"/>
     </p:custDataLst>
+  </p:cSld>
+  <p:clrMapOvr>
+    <a:masterClrMapping/>
+  </p:clrMapOvr>
+</p:sld>
+</file>
+
+<file path=ppt/slides/slide30.xml><?xml version="1.0" encoding="utf-8"?>
+<p:sld xmlns:a="http://schemas.openxmlformats.org/drawingml/2006/main" xmlns:r="http://schemas.openxmlformats.org/officeDocument/2006/relationships" xmlns:p="http://schemas.openxmlformats.org/presentationml/2006/main">
+  <p:cSld>
+    <p:spTree>
+      <p:nvGrpSpPr>
+        <p:cNvPr id="1" name=""/>
+        <p:cNvGrpSpPr/>
+        <p:nvPr/>
+      </p:nvGrpSpPr>
+      <p:grpSpPr>
+        <a:xfrm>
+          <a:off x="0" y="0"/>
+          <a:ext cx="0" cy="0"/>
+          <a:chOff x="0" y="0"/>
+          <a:chExt cx="0" cy="0"/>
+        </a:xfrm>
+      </p:grpSpPr>
+      <p:sp>
+        <p:nvSpPr>
+          <p:cNvPr id="2" name="标题 1">
+            <a:extLst>
+              <a:ext uri="{FF2B5EF4-FFF2-40B4-BE49-F238E27FC236}">
+                <a16:creationId xmlns:a16="http://schemas.microsoft.com/office/drawing/2014/main" id="{B1FF322D-2FF2-48C2-8C13-769CB630B69E}"/>
+              </a:ext>
+            </a:extLst>
+          </p:cNvPr>
+          <p:cNvSpPr>
+            <a:spLocks noGrp="1"/>
+          </p:cNvSpPr>
+          <p:nvPr>
+            <p:ph type="title"/>
+          </p:nvPr>
+        </p:nvSpPr>
+        <p:spPr/>
+        <p:txBody>
+          <a:bodyPr/>
+          <a:lstStyle/>
+          <a:p>
+            <a:r>
+              <a:rPr lang="en-US" altLang="zh-CN" dirty="0"/>
+              <a:t>Linux</a:t>
+            </a:r>
+            <a:r>
+              <a:rPr lang="zh-CN" altLang="en-US" dirty="0"/>
+              <a:t>文件属性</a:t>
+            </a:r>
+          </a:p>
+        </p:txBody>
+      </p:sp>
+      <p:sp>
+        <p:nvSpPr>
+          <p:cNvPr id="3" name="内容占位符 2">
+            <a:extLst>
+              <a:ext uri="{FF2B5EF4-FFF2-40B4-BE49-F238E27FC236}">
+                <a16:creationId xmlns:a16="http://schemas.microsoft.com/office/drawing/2014/main" id="{3190BC44-A250-4969-AF53-A3626CE29CD1}"/>
+              </a:ext>
+            </a:extLst>
+          </p:cNvPr>
+          <p:cNvSpPr>
+            <a:spLocks noGrp="1"/>
+          </p:cNvSpPr>
+          <p:nvPr>
+            <p:ph idx="1"/>
+          </p:nvPr>
+        </p:nvSpPr>
+        <p:spPr/>
+        <p:txBody>
+          <a:bodyPr/>
+          <a:lstStyle/>
+          <a:p>
+            <a:pPr latinLnBrk="1"/>
+            <a:r>
+              <a:rPr lang="zh-CN" altLang="en-US" dirty="0"/>
+              <a:t>在</a:t>
+            </a:r>
+            <a:r>
+              <a:rPr lang="en-US" altLang="zh-CN" dirty="0"/>
+              <a:t>Linux</a:t>
+            </a:r>
+            <a:r>
+              <a:rPr lang="zh-CN" altLang="en-US" dirty="0"/>
+              <a:t>中第一个字符代表这个文件是目录、文件或链接文件等等。</a:t>
+            </a:r>
+          </a:p>
+          <a:p>
+            <a:pPr marL="342900" indent="-342900" latinLnBrk="1">
+              <a:buFont typeface="+mj-lt"/>
+              <a:buAutoNum type="arabicPeriod"/>
+            </a:pPr>
+            <a:r>
+              <a:rPr lang="zh-CN" altLang="en-US" dirty="0"/>
+              <a:t>当为</a:t>
+            </a:r>
+            <a:r>
+              <a:rPr lang="en-US" altLang="zh-CN" dirty="0"/>
+              <a:t>[ </a:t>
+            </a:r>
+            <a:r>
+              <a:rPr lang="en-US" altLang="zh-CN" b="1" dirty="0"/>
+              <a:t>d</a:t>
+            </a:r>
+            <a:r>
+              <a:rPr lang="zh-CN" altLang="en-US" dirty="0"/>
+              <a:t> </a:t>
+            </a:r>
+            <a:r>
+              <a:rPr lang="en-US" altLang="zh-CN" dirty="0"/>
+              <a:t>]</a:t>
+            </a:r>
+            <a:r>
+              <a:rPr lang="zh-CN" altLang="en-US" dirty="0"/>
+              <a:t>则是目录</a:t>
+            </a:r>
+          </a:p>
+          <a:p>
+            <a:pPr marL="342900" indent="-342900" latinLnBrk="1">
+              <a:buFont typeface="+mj-lt"/>
+              <a:buAutoNum type="arabicPeriod"/>
+            </a:pPr>
+            <a:r>
+              <a:rPr lang="zh-CN" altLang="en-US" dirty="0"/>
+              <a:t>当为</a:t>
+            </a:r>
+            <a:r>
+              <a:rPr lang="en-US" altLang="zh-CN" dirty="0"/>
+              <a:t>[ </a:t>
+            </a:r>
+            <a:r>
+              <a:rPr lang="en-US" altLang="zh-CN" b="1" dirty="0"/>
+              <a:t>-</a:t>
+            </a:r>
+            <a:r>
+              <a:rPr lang="zh-CN" altLang="en-US" dirty="0"/>
+              <a:t> </a:t>
+            </a:r>
+            <a:r>
+              <a:rPr lang="en-US" altLang="zh-CN" dirty="0"/>
+              <a:t>]</a:t>
+            </a:r>
+            <a:r>
+              <a:rPr lang="zh-CN" altLang="en-US" dirty="0"/>
+              <a:t>则是文件；</a:t>
+            </a:r>
+          </a:p>
+          <a:p>
+            <a:pPr marL="342900" indent="-342900" latinLnBrk="1">
+              <a:buFont typeface="+mj-lt"/>
+              <a:buAutoNum type="arabicPeriod"/>
+            </a:pPr>
+            <a:r>
+              <a:rPr lang="zh-CN" altLang="en-US" dirty="0"/>
+              <a:t>若是</a:t>
+            </a:r>
+            <a:r>
+              <a:rPr lang="en-US" altLang="zh-CN" dirty="0"/>
+              <a:t>[ </a:t>
+            </a:r>
+            <a:r>
+              <a:rPr lang="en-US" altLang="zh-CN" b="1" dirty="0"/>
+              <a:t>l</a:t>
+            </a:r>
+            <a:r>
+              <a:rPr lang="zh-CN" altLang="en-US" dirty="0"/>
+              <a:t> </a:t>
+            </a:r>
+            <a:r>
+              <a:rPr lang="en-US" altLang="zh-CN" dirty="0"/>
+              <a:t>]</a:t>
+            </a:r>
+            <a:r>
+              <a:rPr lang="zh-CN" altLang="en-US" dirty="0"/>
+              <a:t>则表示为链接文档</a:t>
+            </a:r>
+            <a:r>
+              <a:rPr lang="en-US" altLang="zh-CN" dirty="0"/>
+              <a:t>(link file)</a:t>
+            </a:r>
+            <a:r>
+              <a:rPr lang="zh-CN" altLang="en-US" dirty="0"/>
+              <a:t>；</a:t>
+            </a:r>
+          </a:p>
+          <a:p>
+            <a:pPr marL="342900" indent="-342900" latinLnBrk="1">
+              <a:buFont typeface="+mj-lt"/>
+              <a:buAutoNum type="arabicPeriod"/>
+            </a:pPr>
+            <a:r>
+              <a:rPr lang="zh-CN" altLang="en-US" dirty="0"/>
+              <a:t>若是</a:t>
+            </a:r>
+            <a:r>
+              <a:rPr lang="en-US" altLang="zh-CN" dirty="0"/>
+              <a:t>[ </a:t>
+            </a:r>
+            <a:r>
+              <a:rPr lang="en-US" altLang="zh-CN" b="1" dirty="0"/>
+              <a:t>b</a:t>
+            </a:r>
+            <a:r>
+              <a:rPr lang="zh-CN" altLang="en-US" dirty="0"/>
+              <a:t> </a:t>
+            </a:r>
+            <a:r>
+              <a:rPr lang="en-US" altLang="zh-CN" dirty="0"/>
+              <a:t>]</a:t>
+            </a:r>
+            <a:r>
+              <a:rPr lang="zh-CN" altLang="en-US" dirty="0"/>
+              <a:t>则表示为装置文件里面的可供储存的接口设备</a:t>
+            </a:r>
+            <a:r>
+              <a:rPr lang="en-US" altLang="zh-CN" dirty="0"/>
+              <a:t>(</a:t>
+            </a:r>
+            <a:r>
+              <a:rPr lang="zh-CN" altLang="en-US" dirty="0"/>
+              <a:t>可随机存取装置</a:t>
+            </a:r>
+            <a:r>
+              <a:rPr lang="en-US" altLang="zh-CN" dirty="0"/>
+              <a:t>)</a:t>
+            </a:r>
+            <a:r>
+              <a:rPr lang="zh-CN" altLang="en-US" dirty="0"/>
+              <a:t>；</a:t>
+            </a:r>
+          </a:p>
+          <a:p>
+            <a:pPr marL="342900" indent="-342900" latinLnBrk="1">
+              <a:buFont typeface="+mj-lt"/>
+              <a:buAutoNum type="arabicPeriod"/>
+            </a:pPr>
+            <a:r>
+              <a:rPr lang="zh-CN" altLang="en-US" dirty="0"/>
+              <a:t>若是</a:t>
+            </a:r>
+            <a:r>
+              <a:rPr lang="en-US" altLang="zh-CN" dirty="0"/>
+              <a:t>[ </a:t>
+            </a:r>
+            <a:r>
+              <a:rPr lang="en-US" altLang="zh-CN" b="1" dirty="0"/>
+              <a:t>c</a:t>
+            </a:r>
+            <a:r>
+              <a:rPr lang="zh-CN" altLang="en-US" dirty="0"/>
+              <a:t> </a:t>
+            </a:r>
+            <a:r>
+              <a:rPr lang="en-US" altLang="zh-CN" dirty="0"/>
+              <a:t>]</a:t>
+            </a:r>
+            <a:r>
+              <a:rPr lang="zh-CN" altLang="en-US" dirty="0"/>
+              <a:t>则表示为装置文件里面的串行端口设备，例如键盘、鼠标</a:t>
+            </a:r>
+            <a:r>
+              <a:rPr lang="en-US" altLang="zh-CN" dirty="0"/>
+              <a:t>(</a:t>
+            </a:r>
+            <a:r>
+              <a:rPr lang="zh-CN" altLang="en-US" dirty="0"/>
+              <a:t>一次性读取装置</a:t>
+            </a:r>
+            <a:r>
+              <a:rPr lang="en-US" altLang="zh-CN" dirty="0"/>
+              <a:t>)</a:t>
+            </a:r>
+            <a:r>
+              <a:rPr lang="zh-CN" altLang="en-US" dirty="0"/>
+              <a:t>。</a:t>
+            </a:r>
+          </a:p>
+          <a:p>
+            <a:endParaRPr lang="zh-CN" altLang="en-US" dirty="0"/>
+          </a:p>
+        </p:txBody>
+      </p:sp>
+      <p:pic>
+        <p:nvPicPr>
+          <p:cNvPr id="5122" name="Picture 2" descr="363003_1227493859FdXT">
+            <a:extLst>
+              <a:ext uri="{FF2B5EF4-FFF2-40B4-BE49-F238E27FC236}">
+                <a16:creationId xmlns:a16="http://schemas.microsoft.com/office/drawing/2014/main" id="{8185FEA7-944E-4979-9662-69E09FFE7EAF}"/>
+              </a:ext>
+            </a:extLst>
+          </p:cNvPr>
+          <p:cNvPicPr>
+            <a:picLocks noChangeAspect="1" noChangeArrowheads="1"/>
+          </p:cNvPicPr>
+          <p:nvPr/>
+        </p:nvPicPr>
+        <p:blipFill>
+          <a:blip r:embed="rId2">
+            <a:extLst>
+              <a:ext uri="{28A0092B-C50C-407E-A947-70E740481C1C}">
+                <a14:useLocalDpi xmlns:a14="http://schemas.microsoft.com/office/drawing/2010/main" val="0"/>
+              </a:ext>
+            </a:extLst>
+          </a:blip>
+          <a:srcRect/>
+          <a:stretch>
+            <a:fillRect/>
+          </a:stretch>
+        </p:blipFill>
+        <p:spPr bwMode="auto">
+          <a:xfrm>
+            <a:off x="669881" y="4068816"/>
+            <a:ext cx="5998933" cy="2660281"/>
+          </a:xfrm>
+          <a:prstGeom prst="rect">
+            <a:avLst/>
+          </a:prstGeom>
+          <a:noFill/>
+          <a:extLst>
+            <a:ext uri="{909E8E84-426E-40DD-AFC4-6F175D3DCCD1}">
+              <a14:hiddenFill xmlns:a14="http://schemas.microsoft.com/office/drawing/2010/main">
+                <a:solidFill>
+                  <a:srgbClr val="FFFFFF"/>
+                </a:solidFill>
+              </a14:hiddenFill>
+            </a:ext>
+          </a:extLst>
+        </p:spPr>
+      </p:pic>
+    </p:spTree>
+    <p:extLst>
+      <p:ext uri="{BB962C8B-B14F-4D97-AF65-F5344CB8AC3E}">
+        <p14:creationId xmlns:p14="http://schemas.microsoft.com/office/powerpoint/2010/main" val="1846728608"/>
+      </p:ext>
+    </p:extLst>
+  </p:cSld>
+  <p:clrMapOvr>
+    <a:masterClrMapping/>
+  </p:clrMapOvr>
+</p:sld>
+</file>
+
+<file path=ppt/slides/slide31.xml><?xml version="1.0" encoding="utf-8"?>
+<p:sld xmlns:a="http://schemas.openxmlformats.org/drawingml/2006/main" xmlns:r="http://schemas.openxmlformats.org/officeDocument/2006/relationships" xmlns:p="http://schemas.openxmlformats.org/presentationml/2006/main">
+  <p:cSld>
+    <p:spTree>
+      <p:nvGrpSpPr>
+        <p:cNvPr id="1" name=""/>
+        <p:cNvGrpSpPr/>
+        <p:nvPr/>
+      </p:nvGrpSpPr>
+      <p:grpSpPr>
+        <a:xfrm>
+          <a:off x="0" y="0"/>
+          <a:ext cx="0" cy="0"/>
+          <a:chOff x="0" y="0"/>
+          <a:chExt cx="0" cy="0"/>
+        </a:xfrm>
+      </p:grpSpPr>
+      <p:pic>
+        <p:nvPicPr>
+          <p:cNvPr id="10" name="图片 9">
+            <a:extLst>
+              <a:ext uri="{FF2B5EF4-FFF2-40B4-BE49-F238E27FC236}">
+                <a16:creationId xmlns:a16="http://schemas.microsoft.com/office/drawing/2014/main" id="{2A46B89D-19D9-4125-8F7C-E398CDF599CE}"/>
+              </a:ext>
+            </a:extLst>
+          </p:cNvPr>
+          <p:cNvPicPr>
+            <a:picLocks noChangeAspect="1"/>
+          </p:cNvPicPr>
+          <p:nvPr/>
+        </p:nvPicPr>
+        <p:blipFill>
+          <a:blip r:embed="rId2"/>
+          <a:stretch>
+            <a:fillRect/>
+          </a:stretch>
+        </p:blipFill>
+        <p:spPr>
+          <a:xfrm>
+            <a:off x="4099034" y="2980145"/>
+            <a:ext cx="7803933" cy="1666001"/>
+          </a:xfrm>
+          <a:prstGeom prst="rect">
+            <a:avLst/>
+          </a:prstGeom>
+        </p:spPr>
+      </p:pic>
+      <p:sp>
+        <p:nvSpPr>
+          <p:cNvPr id="2" name="标题 1">
+            <a:extLst>
+              <a:ext uri="{FF2B5EF4-FFF2-40B4-BE49-F238E27FC236}">
+                <a16:creationId xmlns:a16="http://schemas.microsoft.com/office/drawing/2014/main" id="{92E555B5-D421-49DB-A0FA-944C09BD4B8D}"/>
+              </a:ext>
+            </a:extLst>
+          </p:cNvPr>
+          <p:cNvSpPr>
+            <a:spLocks noGrp="1"/>
+          </p:cNvSpPr>
+          <p:nvPr>
+            <p:ph type="title"/>
+          </p:nvPr>
+        </p:nvSpPr>
+        <p:spPr/>
+        <p:txBody>
+          <a:bodyPr/>
+          <a:lstStyle/>
+          <a:p>
+            <a:r>
+              <a:rPr lang="en-US" altLang="zh-CN" dirty="0"/>
+              <a:t>Linux</a:t>
+            </a:r>
+            <a:r>
+              <a:rPr lang="zh-CN" altLang="en-US" dirty="0"/>
+              <a:t>文件属主和属组</a:t>
+            </a:r>
+          </a:p>
+        </p:txBody>
+      </p:sp>
+      <p:sp>
+        <p:nvSpPr>
+          <p:cNvPr id="3" name="内容占位符 2">
+            <a:extLst>
+              <a:ext uri="{FF2B5EF4-FFF2-40B4-BE49-F238E27FC236}">
+                <a16:creationId xmlns:a16="http://schemas.microsoft.com/office/drawing/2014/main" id="{321C88AB-4721-4780-87B2-B766911E1B03}"/>
+              </a:ext>
+            </a:extLst>
+          </p:cNvPr>
+          <p:cNvSpPr>
+            <a:spLocks noGrp="1"/>
+          </p:cNvSpPr>
+          <p:nvPr>
+            <p:ph idx="1"/>
+          </p:nvPr>
+        </p:nvSpPr>
+        <p:spPr>
+          <a:xfrm>
+            <a:off x="669882" y="2652529"/>
+            <a:ext cx="10852237" cy="2376671"/>
+          </a:xfrm>
+        </p:spPr>
+        <p:txBody>
+          <a:bodyPr/>
+          <a:lstStyle/>
+          <a:p>
+            <a:r>
+              <a:rPr lang="zh-CN" altLang="en-US" dirty="0"/>
+              <a:t>如</a:t>
+            </a:r>
+            <a:r>
+              <a:rPr lang="en-US" altLang="zh-CN" dirty="0" err="1"/>
+              <a:t>cron</a:t>
+            </a:r>
+            <a:r>
+              <a:rPr lang="en-US" altLang="zh-CN" dirty="0"/>
+              <a:t>, </a:t>
+            </a:r>
+            <a:r>
+              <a:rPr lang="zh-CN" altLang="en-US" dirty="0"/>
+              <a:t>第一个</a:t>
+            </a:r>
+            <a:r>
+              <a:rPr lang="en-US" altLang="zh-CN" dirty="0"/>
+              <a:t>root</a:t>
+            </a:r>
+            <a:r>
+              <a:rPr lang="zh-CN" altLang="en-US" dirty="0"/>
+              <a:t>为属主</a:t>
+            </a:r>
+            <a:r>
+              <a:rPr lang="en-US" altLang="zh-CN" dirty="0"/>
+              <a:t>, </a:t>
+            </a:r>
+            <a:r>
+              <a:rPr lang="zh-CN" altLang="en-US" dirty="0"/>
+              <a:t>第二个</a:t>
+            </a:r>
+            <a:r>
+              <a:rPr lang="en-US" altLang="zh-CN" dirty="0"/>
+              <a:t>root</a:t>
+            </a:r>
+            <a:r>
+              <a:rPr lang="zh-CN" altLang="en-US" dirty="0"/>
+              <a:t>为属组</a:t>
+            </a:r>
+            <a:r>
+              <a:rPr lang="en-US" altLang="zh-CN" dirty="0"/>
+              <a:t>.</a:t>
+            </a:r>
+          </a:p>
+          <a:p>
+            <a:r>
+              <a:rPr lang="zh-CN" altLang="en-US" dirty="0"/>
+              <a:t>属主即文件的所有者</a:t>
+            </a:r>
+            <a:endParaRPr lang="en-US" altLang="zh-CN" dirty="0"/>
+          </a:p>
+          <a:p>
+            <a:r>
+              <a:rPr lang="zh-CN" altLang="en-US" dirty="0"/>
+              <a:t>属组及文件所有者所在的组</a:t>
+            </a:r>
+            <a:endParaRPr lang="en-US" altLang="zh-CN" dirty="0"/>
+          </a:p>
+          <a:p>
+            <a:pPr marL="0" indent="0">
+              <a:buNone/>
+            </a:pPr>
+            <a:r>
+              <a:rPr lang="en-US" altLang="zh-CN" sz="2400" b="1" dirty="0" err="1"/>
+              <a:t>umask</a:t>
+            </a:r>
+            <a:endParaRPr lang="en-US" altLang="zh-CN" sz="2400" b="1" dirty="0"/>
+          </a:p>
+          <a:p>
+            <a:pPr marL="0" indent="0">
+              <a:buNone/>
+            </a:pPr>
+            <a:r>
+              <a:rPr lang="zh-CN" altLang="en-US" dirty="0"/>
+              <a:t>创建文件或文件夹时</a:t>
+            </a:r>
+            <a:r>
+              <a:rPr lang="en-US" altLang="zh-CN" dirty="0"/>
+              <a:t>, </a:t>
+            </a:r>
+            <a:r>
+              <a:rPr lang="en-US" altLang="zh-CN" dirty="0" err="1"/>
+              <a:t>umask</a:t>
+            </a:r>
+            <a:r>
+              <a:rPr lang="zh-CN" altLang="en-US" dirty="0"/>
+              <a:t>值表明了需要从默认权限中去掉的权限</a:t>
+            </a:r>
+            <a:endParaRPr lang="zh-CN" altLang="en-US" sz="2400" b="1" dirty="0"/>
+          </a:p>
+        </p:txBody>
+      </p:sp>
+      <p:pic>
+        <p:nvPicPr>
+          <p:cNvPr id="5" name="图片 4">
+            <a:extLst>
+              <a:ext uri="{FF2B5EF4-FFF2-40B4-BE49-F238E27FC236}">
+                <a16:creationId xmlns:a16="http://schemas.microsoft.com/office/drawing/2014/main" id="{2AD107CF-6FC8-4AE6-86DC-8DC73297C3DC}"/>
+              </a:ext>
+            </a:extLst>
+          </p:cNvPr>
+          <p:cNvPicPr>
+            <a:picLocks noChangeAspect="1"/>
+          </p:cNvPicPr>
+          <p:nvPr/>
+        </p:nvPicPr>
+        <p:blipFill>
+          <a:blip r:embed="rId3"/>
+          <a:stretch>
+            <a:fillRect/>
+          </a:stretch>
+        </p:blipFill>
+        <p:spPr>
+          <a:xfrm>
+            <a:off x="669880" y="1296000"/>
+            <a:ext cx="5426119" cy="1356529"/>
+          </a:xfrm>
+          <a:prstGeom prst="rect">
+            <a:avLst/>
+          </a:prstGeom>
+        </p:spPr>
+      </p:pic>
+      <p:pic>
+        <p:nvPicPr>
+          <p:cNvPr id="6" name="图片 5">
+            <a:extLst>
+              <a:ext uri="{FF2B5EF4-FFF2-40B4-BE49-F238E27FC236}">
+                <a16:creationId xmlns:a16="http://schemas.microsoft.com/office/drawing/2014/main" id="{6079F576-0E62-4185-84C7-C20FB8B428B4}"/>
+              </a:ext>
+            </a:extLst>
+          </p:cNvPr>
+          <p:cNvPicPr>
+            <a:picLocks noChangeAspect="1"/>
+          </p:cNvPicPr>
+          <p:nvPr/>
+        </p:nvPicPr>
+        <p:blipFill>
+          <a:blip r:embed="rId4"/>
+          <a:stretch>
+            <a:fillRect/>
+          </a:stretch>
+        </p:blipFill>
+        <p:spPr>
+          <a:xfrm>
+            <a:off x="727686" y="5062484"/>
+            <a:ext cx="2990309" cy="723461"/>
+          </a:xfrm>
+          <a:prstGeom prst="rect">
+            <a:avLst/>
+          </a:prstGeom>
+        </p:spPr>
+      </p:pic>
+      <p:sp>
+        <p:nvSpPr>
+          <p:cNvPr id="7" name="文本框 6">
+            <a:extLst>
+              <a:ext uri="{FF2B5EF4-FFF2-40B4-BE49-F238E27FC236}">
+                <a16:creationId xmlns:a16="http://schemas.microsoft.com/office/drawing/2014/main" id="{ACF9EB95-A74A-40FB-91D4-FEA052DC322A}"/>
+              </a:ext>
+            </a:extLst>
+          </p:cNvPr>
+          <p:cNvSpPr txBox="1"/>
+          <p:nvPr/>
+        </p:nvSpPr>
+        <p:spPr>
+          <a:xfrm>
+            <a:off x="3717994" y="5029200"/>
+            <a:ext cx="1027427" cy="923330"/>
+          </a:xfrm>
+          <a:prstGeom prst="rect">
+            <a:avLst/>
+          </a:prstGeom>
+          <a:noFill/>
+        </p:spPr>
+        <p:txBody>
+          <a:bodyPr wrap="square" rtlCol="0">
+            <a:spAutoFit/>
+          </a:bodyPr>
+          <a:lstStyle/>
+          <a:p>
+            <a:r>
+              <a:rPr lang="en-US" altLang="zh-CN" dirty="0"/>
+              <a:t>r =</a:t>
+            </a:r>
+            <a:r>
+              <a:rPr lang="zh-CN" altLang="en-US" dirty="0"/>
+              <a:t> </a:t>
+            </a:r>
+            <a:r>
+              <a:rPr lang="en-US" altLang="zh-CN" dirty="0"/>
+              <a:t>4</a:t>
+            </a:r>
+          </a:p>
+          <a:p>
+            <a:r>
+              <a:rPr lang="en-US" altLang="zh-CN" dirty="0"/>
+              <a:t>w =</a:t>
+            </a:r>
+            <a:r>
+              <a:rPr lang="zh-CN" altLang="en-US" dirty="0"/>
+              <a:t> </a:t>
+            </a:r>
+            <a:r>
+              <a:rPr lang="en-US" altLang="zh-CN" dirty="0"/>
+              <a:t>2  </a:t>
+            </a:r>
+          </a:p>
+          <a:p>
+            <a:r>
+              <a:rPr lang="en-US" altLang="zh-CN" dirty="0"/>
+              <a:t>x = 1</a:t>
+            </a:r>
+            <a:endParaRPr lang="zh-CN" altLang="en-US" dirty="0"/>
+          </a:p>
+        </p:txBody>
+      </p:sp>
+      <p:sp>
+        <p:nvSpPr>
+          <p:cNvPr id="8" name="文本框 7">
+            <a:extLst>
+              <a:ext uri="{FF2B5EF4-FFF2-40B4-BE49-F238E27FC236}">
+                <a16:creationId xmlns:a16="http://schemas.microsoft.com/office/drawing/2014/main" id="{2B07AC1A-B161-4391-B821-01851B2E9089}"/>
+              </a:ext>
+            </a:extLst>
+          </p:cNvPr>
+          <p:cNvSpPr txBox="1"/>
+          <p:nvPr/>
+        </p:nvSpPr>
+        <p:spPr>
+          <a:xfrm>
+            <a:off x="4766553" y="4948672"/>
+            <a:ext cx="6053959" cy="1477328"/>
+          </a:xfrm>
+          <a:prstGeom prst="rect">
+            <a:avLst/>
+          </a:prstGeom>
+          <a:noFill/>
+        </p:spPr>
+        <p:txBody>
+          <a:bodyPr wrap="square" rtlCol="0">
+            <a:spAutoFit/>
+          </a:bodyPr>
+          <a:lstStyle/>
+          <a:p>
+            <a:r>
+              <a:rPr lang="en-US" altLang="zh-CN" dirty="0"/>
+              <a:t>0002</a:t>
+            </a:r>
+            <a:r>
+              <a:rPr lang="zh-CN" altLang="en-US" dirty="0"/>
+              <a:t> </a:t>
+            </a:r>
+            <a:endParaRPr lang="en-US" altLang="zh-CN" dirty="0"/>
+          </a:p>
+          <a:p>
+            <a:r>
+              <a:rPr lang="zh-CN" altLang="en-US" dirty="0"/>
+              <a:t>第一个</a:t>
+            </a:r>
+            <a:r>
+              <a:rPr lang="en-US" altLang="zh-CN" dirty="0"/>
+              <a:t>0</a:t>
+            </a:r>
+            <a:r>
+              <a:rPr lang="zh-CN" altLang="en-US" dirty="0"/>
+              <a:t>表示特殊权限掩码</a:t>
+            </a:r>
+            <a:endParaRPr lang="en-US" altLang="zh-CN" dirty="0"/>
+          </a:p>
+          <a:p>
+            <a:r>
+              <a:rPr lang="zh-CN" altLang="en-US" dirty="0"/>
+              <a:t>后三位</a:t>
+            </a:r>
+            <a:r>
+              <a:rPr lang="en-US" altLang="zh-CN" dirty="0"/>
+              <a:t>002</a:t>
+            </a:r>
+            <a:r>
+              <a:rPr lang="zh-CN" altLang="en-US" dirty="0"/>
+              <a:t>分表表示属主</a:t>
+            </a:r>
+            <a:r>
+              <a:rPr lang="en-US" altLang="zh-CN" dirty="0"/>
+              <a:t>,</a:t>
+            </a:r>
+            <a:r>
+              <a:rPr lang="zh-CN" altLang="en-US" dirty="0"/>
+              <a:t>属组</a:t>
+            </a:r>
+            <a:r>
+              <a:rPr lang="en-US" altLang="zh-CN" dirty="0"/>
+              <a:t>,</a:t>
+            </a:r>
+            <a:r>
+              <a:rPr lang="zh-CN" altLang="en-US" dirty="0"/>
+              <a:t>其他用户权限掩码</a:t>
+            </a:r>
+            <a:endParaRPr lang="en-US" altLang="zh-CN" dirty="0"/>
+          </a:p>
+          <a:p>
+            <a:r>
+              <a:rPr lang="zh-CN" altLang="en-US" dirty="0"/>
+              <a:t>创建文件默认权限为</a:t>
+            </a:r>
+            <a:r>
+              <a:rPr lang="en-US" altLang="zh-CN" dirty="0"/>
+              <a:t>666,</a:t>
+            </a:r>
+            <a:r>
+              <a:rPr lang="zh-CN" altLang="en-US" dirty="0"/>
+              <a:t>即 </a:t>
+            </a:r>
+            <a:r>
+              <a:rPr lang="en-US" altLang="zh-CN" dirty="0" err="1"/>
+              <a:t>rw-rw-rw</a:t>
+            </a:r>
+            <a:r>
+              <a:rPr lang="en-US" altLang="zh-CN" dirty="0"/>
+              <a:t>, </a:t>
+            </a:r>
+          </a:p>
+          <a:p>
+            <a:r>
+              <a:rPr lang="zh-CN" altLang="en-US" dirty="0"/>
+              <a:t>经过掩码后变为</a:t>
+            </a:r>
+            <a:r>
+              <a:rPr lang="en-US" altLang="zh-CN" dirty="0"/>
+              <a:t>664, </a:t>
+            </a:r>
+            <a:r>
+              <a:rPr lang="zh-CN" altLang="en-US" dirty="0"/>
+              <a:t>即</a:t>
+            </a:r>
+            <a:r>
+              <a:rPr lang="en-US" altLang="zh-CN" dirty="0"/>
+              <a:t> </a:t>
+            </a:r>
+            <a:r>
+              <a:rPr lang="en-US" altLang="zh-CN" dirty="0" err="1"/>
+              <a:t>rw</a:t>
+            </a:r>
+            <a:r>
+              <a:rPr lang="en-US" altLang="zh-CN" dirty="0"/>
+              <a:t>-</a:t>
+            </a:r>
+            <a:r>
+              <a:rPr lang="en-US" altLang="zh-CN" dirty="0" err="1"/>
+              <a:t>rw</a:t>
+            </a:r>
+            <a:r>
+              <a:rPr lang="en-US" altLang="zh-CN" dirty="0"/>
+              <a:t>-r</a:t>
+            </a:r>
+            <a:endParaRPr lang="zh-CN" altLang="en-US" dirty="0"/>
+          </a:p>
+        </p:txBody>
+      </p:sp>
+      <p:sp>
+        <p:nvSpPr>
+          <p:cNvPr id="9" name="文本框 8">
+            <a:extLst>
+              <a:ext uri="{FF2B5EF4-FFF2-40B4-BE49-F238E27FC236}">
+                <a16:creationId xmlns:a16="http://schemas.microsoft.com/office/drawing/2014/main" id="{03E4950D-44BE-4749-A692-C3ECF1B3BC8E}"/>
+              </a:ext>
+            </a:extLst>
+          </p:cNvPr>
+          <p:cNvSpPr txBox="1"/>
+          <p:nvPr/>
+        </p:nvSpPr>
+        <p:spPr>
+          <a:xfrm>
+            <a:off x="6621518" y="1586514"/>
+            <a:ext cx="4737194" cy="923330"/>
+          </a:xfrm>
+          <a:prstGeom prst="rect">
+            <a:avLst/>
+          </a:prstGeom>
+          <a:noFill/>
+        </p:spPr>
+        <p:txBody>
+          <a:bodyPr wrap="none" rtlCol="0">
+            <a:spAutoFit/>
+          </a:bodyPr>
+          <a:lstStyle/>
+          <a:p>
+            <a:r>
+              <a:rPr lang="zh-CN" altLang="en-US" dirty="0"/>
+              <a:t>修改属组</a:t>
+            </a:r>
+            <a:r>
+              <a:rPr lang="en-US" altLang="zh-CN" dirty="0"/>
+              <a:t>: </a:t>
+            </a:r>
+            <a:r>
+              <a:rPr lang="en-US" altLang="zh-CN" dirty="0" err="1"/>
+              <a:t>chgrp</a:t>
+            </a:r>
+            <a:r>
+              <a:rPr lang="en-US" altLang="zh-CN" dirty="0"/>
+              <a:t> [-R] </a:t>
+            </a:r>
+            <a:r>
+              <a:rPr lang="zh-CN" altLang="en-US" dirty="0"/>
+              <a:t>属组名 文件名</a:t>
+            </a:r>
+            <a:endParaRPr lang="en-US" altLang="zh-CN" dirty="0"/>
+          </a:p>
+          <a:p>
+            <a:r>
+              <a:rPr lang="zh-CN" altLang="en-US" dirty="0"/>
+              <a:t>修改属主</a:t>
+            </a:r>
+            <a:r>
+              <a:rPr lang="en-US" altLang="zh-CN" dirty="0"/>
+              <a:t>: </a:t>
+            </a:r>
+            <a:r>
+              <a:rPr lang="en-US" altLang="zh-CN" dirty="0" err="1"/>
+              <a:t>chown</a:t>
+            </a:r>
+            <a:r>
+              <a:rPr lang="en-US" altLang="zh-CN" dirty="0"/>
+              <a:t> [-R] </a:t>
+            </a:r>
+            <a:r>
+              <a:rPr lang="zh-CN" altLang="en-US" dirty="0"/>
+              <a:t>属主名</a:t>
+            </a:r>
+            <a:r>
+              <a:rPr lang="en-US" altLang="zh-CN" dirty="0"/>
+              <a:t>[:</a:t>
+            </a:r>
+            <a:r>
+              <a:rPr lang="zh-CN" altLang="en-US" dirty="0"/>
+              <a:t>属组名</a:t>
+            </a:r>
+            <a:r>
+              <a:rPr lang="en-US" altLang="zh-CN" dirty="0"/>
+              <a:t>] </a:t>
+            </a:r>
+            <a:r>
+              <a:rPr lang="zh-CN" altLang="en-US" dirty="0"/>
+              <a:t>文件名</a:t>
+            </a:r>
+            <a:endParaRPr lang="en-US" altLang="zh-CN" dirty="0"/>
+          </a:p>
+          <a:p>
+            <a:r>
+              <a:rPr lang="zh-CN" altLang="en-US" dirty="0"/>
+              <a:t>修改属性</a:t>
+            </a:r>
+            <a:r>
+              <a:rPr lang="en-US" altLang="zh-CN" dirty="0"/>
+              <a:t>: </a:t>
+            </a:r>
+            <a:r>
+              <a:rPr lang="en-US" altLang="zh-CN" dirty="0" err="1"/>
+              <a:t>chmod</a:t>
+            </a:r>
+            <a:r>
+              <a:rPr lang="en-US" altLang="zh-CN" dirty="0"/>
+              <a:t> [-R] [+/-]</a:t>
+            </a:r>
+            <a:r>
+              <a:rPr lang="en-US" altLang="zh-CN" dirty="0" err="1"/>
+              <a:t>rwx</a:t>
+            </a:r>
+            <a:r>
+              <a:rPr lang="en-US" altLang="zh-CN" dirty="0"/>
+              <a:t> </a:t>
+            </a:r>
+            <a:r>
+              <a:rPr lang="zh-CN" altLang="en-US" dirty="0"/>
+              <a:t>文件或文件夹</a:t>
+            </a:r>
+          </a:p>
+        </p:txBody>
+      </p:sp>
+      <p:sp>
+        <p:nvSpPr>
+          <p:cNvPr id="11" name="矩形 10">
+            <a:extLst>
+              <a:ext uri="{FF2B5EF4-FFF2-40B4-BE49-F238E27FC236}">
+                <a16:creationId xmlns:a16="http://schemas.microsoft.com/office/drawing/2014/main" id="{87944807-E340-4CA0-A587-B9AF305AC862}"/>
+              </a:ext>
+            </a:extLst>
+          </p:cNvPr>
+          <p:cNvSpPr/>
+          <p:nvPr/>
+        </p:nvSpPr>
+        <p:spPr>
+          <a:xfrm>
+            <a:off x="0" y="0"/>
+            <a:ext cx="12192000" cy="6858000"/>
+          </a:xfrm>
+          <a:prstGeom prst="rect">
+            <a:avLst/>
+          </a:prstGeom>
+          <a:noFill/>
+        </p:spPr>
+        <p:style>
+          <a:lnRef idx="2">
+            <a:schemeClr val="accent1">
+              <a:shade val="50000"/>
+            </a:schemeClr>
+          </a:lnRef>
+          <a:fillRef idx="1">
+            <a:schemeClr val="accent1"/>
+          </a:fillRef>
+          <a:effectRef idx="0">
+            <a:schemeClr val="accent1"/>
+          </a:effectRef>
+          <a:fontRef idx="minor">
+            <a:schemeClr val="lt1"/>
+          </a:fontRef>
+        </p:style>
+        <p:txBody>
+          <a:bodyPr rtlCol="0" anchor="ctr"/>
+          <a:lstStyle/>
+          <a:p>
+            <a:pPr algn="ctr"/>
+            <a:endParaRPr lang="zh-CN" altLang="en-US"/>
+          </a:p>
+        </p:txBody>
+      </p:sp>
+      <p:cxnSp>
+        <p:nvCxnSpPr>
+          <p:cNvPr id="15" name="直接连接符 14">
+            <a:extLst>
+              <a:ext uri="{FF2B5EF4-FFF2-40B4-BE49-F238E27FC236}">
+                <a16:creationId xmlns:a16="http://schemas.microsoft.com/office/drawing/2014/main" id="{2EC2D488-7C75-4614-B60A-3ADEE29BDD36}"/>
+              </a:ext>
+            </a:extLst>
+          </p:cNvPr>
+          <p:cNvCxnSpPr/>
+          <p:nvPr/>
+        </p:nvCxnSpPr>
+        <p:spPr>
+          <a:xfrm>
+            <a:off x="6346479" y="1158844"/>
+            <a:ext cx="0" cy="1857513"/>
+          </a:xfrm>
+          <a:prstGeom prst="line">
+            <a:avLst/>
+          </a:prstGeom>
+          <a:ln w="38100"/>
+        </p:spPr>
+        <p:style>
+          <a:lnRef idx="1">
+            <a:schemeClr val="accent2"/>
+          </a:lnRef>
+          <a:fillRef idx="0">
+            <a:schemeClr val="accent2"/>
+          </a:fillRef>
+          <a:effectRef idx="0">
+            <a:schemeClr val="accent2"/>
+          </a:effectRef>
+          <a:fontRef idx="minor">
+            <a:schemeClr val="tx1"/>
+          </a:fontRef>
+        </p:style>
+      </p:cxnSp>
+      <p:cxnSp>
+        <p:nvCxnSpPr>
+          <p:cNvPr id="17" name="直接连接符 16">
+            <a:extLst>
+              <a:ext uri="{FF2B5EF4-FFF2-40B4-BE49-F238E27FC236}">
+                <a16:creationId xmlns:a16="http://schemas.microsoft.com/office/drawing/2014/main" id="{87E242A2-AAB3-4183-987E-78F1DDF8B3AD}"/>
+              </a:ext>
+            </a:extLst>
+          </p:cNvPr>
+          <p:cNvCxnSpPr>
+            <a:cxnSpLocks/>
+          </p:cNvCxnSpPr>
+          <p:nvPr/>
+        </p:nvCxnSpPr>
+        <p:spPr>
+          <a:xfrm>
+            <a:off x="3892990" y="3016357"/>
+            <a:ext cx="2453489" cy="0"/>
+          </a:xfrm>
+          <a:prstGeom prst="line">
+            <a:avLst/>
+          </a:prstGeom>
+          <a:ln w="38100"/>
+        </p:spPr>
+        <p:style>
+          <a:lnRef idx="1">
+            <a:schemeClr val="accent2"/>
+          </a:lnRef>
+          <a:fillRef idx="0">
+            <a:schemeClr val="accent2"/>
+          </a:fillRef>
+          <a:effectRef idx="0">
+            <a:schemeClr val="accent2"/>
+          </a:effectRef>
+          <a:fontRef idx="minor">
+            <a:schemeClr val="tx1"/>
+          </a:fontRef>
+        </p:style>
+      </p:cxnSp>
+      <p:cxnSp>
+        <p:nvCxnSpPr>
+          <p:cNvPr id="20" name="直接连接符 19">
+            <a:extLst>
+              <a:ext uri="{FF2B5EF4-FFF2-40B4-BE49-F238E27FC236}">
+                <a16:creationId xmlns:a16="http://schemas.microsoft.com/office/drawing/2014/main" id="{B01C63AD-D47F-4FD0-B36C-D415F726D78F}"/>
+              </a:ext>
+            </a:extLst>
+          </p:cNvPr>
+          <p:cNvCxnSpPr>
+            <a:cxnSpLocks/>
+          </p:cNvCxnSpPr>
+          <p:nvPr/>
+        </p:nvCxnSpPr>
+        <p:spPr>
+          <a:xfrm flipV="1">
+            <a:off x="3892990" y="3016358"/>
+            <a:ext cx="0" cy="1666000"/>
+          </a:xfrm>
+          <a:prstGeom prst="line">
+            <a:avLst/>
+          </a:prstGeom>
+          <a:ln w="38100"/>
+        </p:spPr>
+        <p:style>
+          <a:lnRef idx="1">
+            <a:schemeClr val="accent2"/>
+          </a:lnRef>
+          <a:fillRef idx="0">
+            <a:schemeClr val="accent2"/>
+          </a:fillRef>
+          <a:effectRef idx="0">
+            <a:schemeClr val="accent2"/>
+          </a:effectRef>
+          <a:fontRef idx="minor">
+            <a:schemeClr val="tx1"/>
+          </a:fontRef>
+        </p:style>
+      </p:cxnSp>
+      <p:cxnSp>
+        <p:nvCxnSpPr>
+          <p:cNvPr id="23" name="直接连接符 22">
+            <a:extLst>
+              <a:ext uri="{FF2B5EF4-FFF2-40B4-BE49-F238E27FC236}">
+                <a16:creationId xmlns:a16="http://schemas.microsoft.com/office/drawing/2014/main" id="{711A0E45-AE63-44E8-BD31-3E917A0F60DE}"/>
+              </a:ext>
+            </a:extLst>
+          </p:cNvPr>
+          <p:cNvCxnSpPr/>
+          <p:nvPr/>
+        </p:nvCxnSpPr>
+        <p:spPr>
+          <a:xfrm flipH="1">
+            <a:off x="3892990" y="4609934"/>
+            <a:ext cx="8299010" cy="0"/>
+          </a:xfrm>
+          <a:prstGeom prst="line">
+            <a:avLst/>
+          </a:prstGeom>
+          <a:ln w="38100"/>
+        </p:spPr>
+        <p:style>
+          <a:lnRef idx="1">
+            <a:schemeClr val="accent2"/>
+          </a:lnRef>
+          <a:fillRef idx="0">
+            <a:schemeClr val="accent2"/>
+          </a:fillRef>
+          <a:effectRef idx="0">
+            <a:schemeClr val="accent2"/>
+          </a:effectRef>
+          <a:fontRef idx="minor">
+            <a:schemeClr val="tx1"/>
+          </a:fontRef>
+        </p:style>
+      </p:cxnSp>
+      <p:cxnSp>
+        <p:nvCxnSpPr>
+          <p:cNvPr id="25" name="直接连接符 24">
+            <a:extLst>
+              <a:ext uri="{FF2B5EF4-FFF2-40B4-BE49-F238E27FC236}">
+                <a16:creationId xmlns:a16="http://schemas.microsoft.com/office/drawing/2014/main" id="{FA3AF684-9B75-4F8C-9B4C-6E4C772A7E9B}"/>
+              </a:ext>
+            </a:extLst>
+          </p:cNvPr>
+          <p:cNvCxnSpPr/>
+          <p:nvPr/>
+        </p:nvCxnSpPr>
+        <p:spPr>
+          <a:xfrm>
+            <a:off x="6346479" y="1158844"/>
+            <a:ext cx="5845521" cy="0"/>
+          </a:xfrm>
+          <a:prstGeom prst="line">
+            <a:avLst/>
+          </a:prstGeom>
+          <a:ln w="38100"/>
+        </p:spPr>
+        <p:style>
+          <a:lnRef idx="1">
+            <a:schemeClr val="accent2"/>
+          </a:lnRef>
+          <a:fillRef idx="0">
+            <a:schemeClr val="accent2"/>
+          </a:fillRef>
+          <a:effectRef idx="0">
+            <a:schemeClr val="accent2"/>
+          </a:effectRef>
+          <a:fontRef idx="minor">
+            <a:schemeClr val="tx1"/>
+          </a:fontRef>
+        </p:style>
+      </p:cxnSp>
+    </p:spTree>
+    <p:extLst>
+      <p:ext uri="{BB962C8B-B14F-4D97-AF65-F5344CB8AC3E}">
+        <p14:creationId xmlns:p14="http://schemas.microsoft.com/office/powerpoint/2010/main" val="368749086"/>
+      </p:ext>
+    </p:extLst>
+  </p:cSld>
+  <p:clrMapOvr>
+    <a:masterClrMapping/>
+  </p:clrMapOvr>
+</p:sld>
+</file>
+
+<file path=ppt/slides/slide32.xml><?xml version="1.0" encoding="utf-8"?>
+<p:sld xmlns:a="http://schemas.openxmlformats.org/drawingml/2006/main" xmlns:r="http://schemas.openxmlformats.org/officeDocument/2006/relationships" xmlns:p="http://schemas.openxmlformats.org/presentationml/2006/main">
+  <p:cSld>
+    <p:spTree>
+      <p:nvGrpSpPr>
+        <p:cNvPr id="1" name=""/>
+        <p:cNvGrpSpPr/>
+        <p:nvPr/>
+      </p:nvGrpSpPr>
+      <p:grpSpPr>
+        <a:xfrm>
+          <a:off x="0" y="0"/>
+          <a:ext cx="0" cy="0"/>
+          <a:chOff x="0" y="0"/>
+          <a:chExt cx="0" cy="0"/>
+        </a:xfrm>
+      </p:grpSpPr>
+      <p:sp>
+        <p:nvSpPr>
+          <p:cNvPr id="2" name="标题 1">
+            <a:extLst>
+              <a:ext uri="{FF2B5EF4-FFF2-40B4-BE49-F238E27FC236}">
+                <a16:creationId xmlns:a16="http://schemas.microsoft.com/office/drawing/2014/main" id="{CEE9CB6D-52B7-408C-AF5C-CE43D6C8B5B9}"/>
+              </a:ext>
+            </a:extLst>
+          </p:cNvPr>
+          <p:cNvSpPr>
+            <a:spLocks noGrp="1"/>
+          </p:cNvSpPr>
+          <p:nvPr>
+            <p:ph type="title"/>
+          </p:nvPr>
+        </p:nvSpPr>
+        <p:spPr/>
+        <p:txBody>
+          <a:bodyPr/>
+          <a:lstStyle/>
+          <a:p>
+            <a:r>
+              <a:rPr lang="en-US" altLang="zh-CN" dirty="0"/>
+              <a:t>Linux</a:t>
+            </a:r>
+            <a:r>
+              <a:rPr lang="zh-CN" altLang="en-US" dirty="0"/>
+              <a:t>常用命令</a:t>
+            </a:r>
+          </a:p>
+        </p:txBody>
+      </p:sp>
+      <p:sp>
+        <p:nvSpPr>
+          <p:cNvPr id="3" name="内容占位符 2">
+            <a:extLst>
+              <a:ext uri="{FF2B5EF4-FFF2-40B4-BE49-F238E27FC236}">
+                <a16:creationId xmlns:a16="http://schemas.microsoft.com/office/drawing/2014/main" id="{4C90DCBF-458C-4ABE-98DC-D0F66F2B0A44}"/>
+              </a:ext>
+            </a:extLst>
+          </p:cNvPr>
+          <p:cNvSpPr>
+            <a:spLocks noGrp="1"/>
+          </p:cNvSpPr>
+          <p:nvPr>
+            <p:ph idx="1"/>
+          </p:nvPr>
+        </p:nvSpPr>
+        <p:spPr/>
+        <p:txBody>
+          <a:bodyPr/>
+          <a:lstStyle/>
+          <a:p>
+            <a:r>
+              <a:rPr lang="en-US" altLang="zh-CN" b="1" dirty="0"/>
+              <a:t>ls</a:t>
+            </a:r>
+            <a:r>
+              <a:rPr lang="en-US" altLang="zh-CN" dirty="0"/>
+              <a:t> </a:t>
+            </a:r>
+            <a:r>
+              <a:rPr lang="zh-CN" altLang="en-US" dirty="0"/>
+              <a:t>列出目录</a:t>
+            </a:r>
+            <a:r>
+              <a:rPr lang="en-US" altLang="zh-CN" dirty="0"/>
+              <a:t>, </a:t>
+            </a:r>
+            <a:r>
+              <a:rPr lang="zh-CN" altLang="en-US" dirty="0"/>
+              <a:t>参数 </a:t>
+            </a:r>
+            <a:r>
+              <a:rPr lang="en-US" altLang="zh-CN" dirty="0"/>
+              <a:t>–a: </a:t>
+            </a:r>
+            <a:r>
+              <a:rPr lang="zh-CN" altLang="en-US" dirty="0"/>
+              <a:t>列出隐藏文件</a:t>
+            </a:r>
+            <a:r>
+              <a:rPr lang="en-US" altLang="zh-CN" dirty="0"/>
+              <a:t>, </a:t>
+            </a:r>
+            <a:r>
+              <a:rPr lang="zh-CN" altLang="en-US" dirty="0"/>
+              <a:t>参数 </a:t>
+            </a:r>
+            <a:r>
+              <a:rPr lang="en-US" altLang="zh-CN" dirty="0"/>
+              <a:t>–l: </a:t>
+            </a:r>
+            <a:r>
+              <a:rPr lang="zh-CN" altLang="en-US" dirty="0"/>
+              <a:t>列出详细信息</a:t>
+            </a:r>
+            <a:endParaRPr lang="en-US" altLang="zh-CN" dirty="0"/>
+          </a:p>
+          <a:p>
+            <a:r>
+              <a:rPr lang="en-US" altLang="zh-CN" b="1" dirty="0"/>
+              <a:t>cd</a:t>
+            </a:r>
+            <a:r>
+              <a:rPr lang="en-US" altLang="zh-CN" dirty="0"/>
+              <a:t> </a:t>
+            </a:r>
+            <a:r>
+              <a:rPr lang="zh-CN" altLang="en-US" dirty="0"/>
+              <a:t>切换目录</a:t>
+            </a:r>
+            <a:endParaRPr lang="en-US" altLang="zh-CN" dirty="0"/>
+          </a:p>
+          <a:p>
+            <a:r>
+              <a:rPr lang="en-US" altLang="zh-CN" b="1" dirty="0" err="1"/>
+              <a:t>pwd</a:t>
+            </a:r>
+            <a:r>
+              <a:rPr lang="en-US" altLang="zh-CN" dirty="0"/>
+              <a:t> </a:t>
+            </a:r>
+            <a:r>
+              <a:rPr lang="zh-CN" altLang="en-US" dirty="0"/>
+              <a:t>显示当前路径</a:t>
+            </a:r>
+            <a:endParaRPr lang="en-US" altLang="zh-CN" dirty="0"/>
+          </a:p>
+          <a:p>
+            <a:r>
+              <a:rPr lang="en-US" altLang="zh-CN" b="1" dirty="0" err="1"/>
+              <a:t>mkdir</a:t>
+            </a:r>
+            <a:r>
+              <a:rPr lang="en-US" altLang="zh-CN" dirty="0"/>
+              <a:t> </a:t>
+            </a:r>
+            <a:r>
+              <a:rPr lang="zh-CN" altLang="en-US" dirty="0"/>
+              <a:t>创建新目录</a:t>
+            </a:r>
+            <a:r>
+              <a:rPr lang="en-US" altLang="zh-CN" dirty="0"/>
+              <a:t>, </a:t>
+            </a:r>
+            <a:r>
+              <a:rPr lang="zh-CN" altLang="en-US" dirty="0"/>
+              <a:t>参数 </a:t>
+            </a:r>
+            <a:r>
+              <a:rPr lang="en-US" altLang="zh-CN" dirty="0"/>
+              <a:t>–p: </a:t>
+            </a:r>
+            <a:r>
+              <a:rPr lang="zh-CN" altLang="en-US" dirty="0"/>
+              <a:t>递归创建</a:t>
+            </a:r>
+            <a:endParaRPr lang="en-US" altLang="zh-CN" dirty="0"/>
+          </a:p>
+          <a:p>
+            <a:r>
+              <a:rPr lang="en-US" altLang="zh-CN" b="1" dirty="0"/>
+              <a:t>touch</a:t>
+            </a:r>
+            <a:r>
+              <a:rPr lang="en-US" altLang="zh-CN" dirty="0"/>
+              <a:t> </a:t>
+            </a:r>
+            <a:r>
+              <a:rPr lang="zh-CN" altLang="en-US" dirty="0"/>
+              <a:t>创建空文件</a:t>
+            </a:r>
+            <a:endParaRPr lang="en-US" altLang="zh-CN" dirty="0"/>
+          </a:p>
+          <a:p>
+            <a:r>
+              <a:rPr lang="en-US" altLang="zh-CN" b="1" dirty="0"/>
+              <a:t>cat</a:t>
+            </a:r>
+            <a:r>
+              <a:rPr lang="en-US" altLang="zh-CN" dirty="0"/>
+              <a:t> </a:t>
+            </a:r>
+            <a:r>
+              <a:rPr lang="zh-CN" altLang="en-US" dirty="0"/>
+              <a:t>显示文件内容</a:t>
+            </a:r>
+            <a:r>
+              <a:rPr lang="en-US" altLang="zh-CN" dirty="0"/>
+              <a:t>(</a:t>
+            </a:r>
+            <a:r>
+              <a:rPr lang="zh-CN" altLang="en-US" dirty="0"/>
+              <a:t>全部</a:t>
+            </a:r>
+            <a:r>
+              <a:rPr lang="en-US" altLang="zh-CN" dirty="0"/>
+              <a:t>)</a:t>
+            </a:r>
+          </a:p>
+          <a:p>
+            <a:r>
+              <a:rPr lang="en-US" altLang="zh-CN" b="1" dirty="0"/>
+              <a:t>less</a:t>
+            </a:r>
+            <a:r>
+              <a:rPr lang="en-US" altLang="zh-CN" dirty="0"/>
+              <a:t> </a:t>
+            </a:r>
+            <a:r>
+              <a:rPr lang="zh-CN" altLang="en-US" dirty="0"/>
+              <a:t>显示文件内容</a:t>
+            </a:r>
+            <a:r>
+              <a:rPr lang="en-US" altLang="zh-CN" dirty="0"/>
+              <a:t>(</a:t>
+            </a:r>
+            <a:r>
+              <a:rPr lang="zh-CN" altLang="en-US" dirty="0"/>
+              <a:t>分页</a:t>
+            </a:r>
+            <a:r>
+              <a:rPr lang="en-US" altLang="zh-CN" dirty="0"/>
+              <a:t>)</a:t>
+            </a:r>
+          </a:p>
+          <a:p>
+            <a:r>
+              <a:rPr lang="en-US" altLang="zh-CN" b="1" dirty="0"/>
+              <a:t>rm</a:t>
+            </a:r>
+            <a:r>
+              <a:rPr lang="en-US" altLang="zh-CN" dirty="0"/>
+              <a:t> </a:t>
+            </a:r>
+            <a:r>
+              <a:rPr lang="zh-CN" altLang="en-US" dirty="0"/>
+              <a:t>删除文件或文件夹</a:t>
+            </a:r>
+            <a:r>
+              <a:rPr lang="en-US" altLang="zh-CN" dirty="0"/>
+              <a:t>, </a:t>
+            </a:r>
+            <a:r>
+              <a:rPr lang="zh-CN" altLang="en-US" dirty="0"/>
+              <a:t>参数 </a:t>
+            </a:r>
+            <a:r>
+              <a:rPr lang="en-US" altLang="zh-CN" dirty="0"/>
+              <a:t>–r: </a:t>
+            </a:r>
+            <a:r>
+              <a:rPr lang="zh-CN" altLang="en-US" dirty="0"/>
+              <a:t>递归删除</a:t>
+            </a:r>
+            <a:r>
+              <a:rPr lang="en-US" altLang="zh-CN" dirty="0"/>
+              <a:t>; </a:t>
+            </a:r>
+            <a:r>
+              <a:rPr lang="zh-CN" altLang="en-US" dirty="0"/>
+              <a:t>参数 </a:t>
+            </a:r>
+            <a:r>
+              <a:rPr lang="en-US" altLang="zh-CN" dirty="0"/>
+              <a:t>–f: </a:t>
+            </a:r>
+            <a:r>
+              <a:rPr lang="zh-CN" altLang="en-US" dirty="0"/>
+              <a:t>强制删除不提示</a:t>
+            </a:r>
+            <a:endParaRPr lang="en-US" altLang="zh-CN" dirty="0"/>
+          </a:p>
+          <a:p>
+            <a:r>
+              <a:rPr lang="en-US" altLang="zh-CN" b="1" dirty="0"/>
+              <a:t>cp</a:t>
+            </a:r>
+            <a:r>
+              <a:rPr lang="en-US" altLang="zh-CN" dirty="0"/>
+              <a:t> </a:t>
+            </a:r>
+            <a:r>
+              <a:rPr lang="zh-CN" altLang="en-US" dirty="0"/>
+              <a:t>复制文件或文件夹</a:t>
+            </a:r>
+            <a:r>
+              <a:rPr lang="en-US" altLang="zh-CN" dirty="0"/>
+              <a:t>, </a:t>
+            </a:r>
+            <a:r>
+              <a:rPr lang="zh-CN" altLang="en-US" dirty="0"/>
+              <a:t>参数 </a:t>
+            </a:r>
+            <a:r>
+              <a:rPr lang="en-US" altLang="zh-CN" dirty="0"/>
+              <a:t>–r: </a:t>
+            </a:r>
+            <a:r>
+              <a:rPr lang="zh-CN" altLang="en-US" dirty="0"/>
+              <a:t>递归复制</a:t>
+            </a:r>
+            <a:r>
+              <a:rPr lang="en-US" altLang="zh-CN" dirty="0"/>
+              <a:t>; </a:t>
+            </a:r>
+            <a:r>
+              <a:rPr lang="zh-CN" altLang="en-US" dirty="0"/>
+              <a:t>参数 </a:t>
+            </a:r>
+            <a:r>
+              <a:rPr lang="en-US" altLang="zh-CN" dirty="0"/>
+              <a:t>–f: </a:t>
+            </a:r>
+            <a:r>
+              <a:rPr lang="zh-CN" altLang="en-US" dirty="0"/>
+              <a:t>强制复制不提示</a:t>
+            </a:r>
+            <a:endParaRPr lang="en-US" altLang="zh-CN" dirty="0"/>
+          </a:p>
+          <a:p>
+            <a:r>
+              <a:rPr lang="en-US" altLang="zh-CN" b="1" dirty="0"/>
+              <a:t>mv</a:t>
+            </a:r>
+            <a:r>
+              <a:rPr lang="en-US" altLang="zh-CN" dirty="0"/>
+              <a:t> </a:t>
+            </a:r>
+            <a:r>
+              <a:rPr lang="zh-CN" altLang="en-US" dirty="0"/>
+              <a:t>移动文件或文件夹</a:t>
+            </a:r>
+            <a:endParaRPr lang="en-US" altLang="zh-CN" dirty="0"/>
+          </a:p>
+          <a:p>
+            <a:r>
+              <a:rPr lang="en-US" altLang="zh-CN" b="1" dirty="0"/>
+              <a:t>ln</a:t>
+            </a:r>
+            <a:r>
+              <a:rPr lang="en-US" altLang="zh-CN" dirty="0"/>
+              <a:t> </a:t>
+            </a:r>
+            <a:r>
+              <a:rPr lang="zh-CN" altLang="en-US" dirty="0"/>
+              <a:t>创建链接</a:t>
+            </a:r>
+            <a:r>
+              <a:rPr lang="en-US" altLang="zh-CN" dirty="0"/>
+              <a:t>, </a:t>
+            </a:r>
+            <a:r>
+              <a:rPr lang="zh-CN" altLang="en-US" dirty="0"/>
+              <a:t>参数 </a:t>
+            </a:r>
+            <a:r>
+              <a:rPr lang="en-US" altLang="zh-CN" dirty="0"/>
+              <a:t>–s: </a:t>
+            </a:r>
+            <a:r>
+              <a:rPr lang="zh-CN" altLang="en-US" dirty="0"/>
+              <a:t>创建软连接</a:t>
+            </a:r>
+            <a:r>
+              <a:rPr lang="en-US" altLang="zh-CN" dirty="0"/>
+              <a:t>(</a:t>
+            </a:r>
+            <a:r>
+              <a:rPr lang="zh-CN" altLang="en-US" dirty="0"/>
+              <a:t>符号连接</a:t>
+            </a:r>
+            <a:r>
+              <a:rPr lang="en-US" altLang="zh-CN" dirty="0"/>
+              <a:t>); </a:t>
+            </a:r>
+            <a:r>
+              <a:rPr lang="zh-CN" altLang="en-US" dirty="0"/>
+              <a:t>默认创建硬连接</a:t>
+            </a:r>
+            <a:endParaRPr lang="en-US" altLang="zh-CN" dirty="0"/>
+          </a:p>
+          <a:p>
+            <a:endParaRPr lang="zh-CN" altLang="en-US" dirty="0"/>
+          </a:p>
+        </p:txBody>
+      </p:sp>
+    </p:spTree>
+    <p:extLst>
+      <p:ext uri="{BB962C8B-B14F-4D97-AF65-F5344CB8AC3E}">
+        <p14:creationId xmlns:p14="http://schemas.microsoft.com/office/powerpoint/2010/main" val="2206399884"/>
+      </p:ext>
+    </p:extLst>
+  </p:cSld>
+  <p:clrMapOvr>
+    <a:masterClrMapping/>
+  </p:clrMapOvr>
+</p:sld>
+</file>
+
+<file path=ppt/slides/slide33.xml><?xml version="1.0" encoding="utf-8"?>
+<p:sld xmlns:a="http://schemas.openxmlformats.org/drawingml/2006/main" xmlns:r="http://schemas.openxmlformats.org/officeDocument/2006/relationships" xmlns:p="http://schemas.openxmlformats.org/presentationml/2006/main">
+  <p:cSld>
+    <p:spTree>
+      <p:nvGrpSpPr>
+        <p:cNvPr id="1" name=""/>
+        <p:cNvGrpSpPr/>
+        <p:nvPr/>
+      </p:nvGrpSpPr>
+      <p:grpSpPr>
+        <a:xfrm>
+          <a:off x="0" y="0"/>
+          <a:ext cx="0" cy="0"/>
+          <a:chOff x="0" y="0"/>
+          <a:chExt cx="0" cy="0"/>
+        </a:xfrm>
+      </p:grpSpPr>
+      <p:sp>
+        <p:nvSpPr>
+          <p:cNvPr id="2" name="标题 1">
+            <a:extLst>
+              <a:ext uri="{FF2B5EF4-FFF2-40B4-BE49-F238E27FC236}">
+                <a16:creationId xmlns:a16="http://schemas.microsoft.com/office/drawing/2014/main" id="{D93B8AC3-69C4-4348-87F7-3EAAF8E53034}"/>
+              </a:ext>
+            </a:extLst>
+          </p:cNvPr>
+          <p:cNvSpPr>
+            <a:spLocks noGrp="1"/>
+          </p:cNvSpPr>
+          <p:nvPr>
+            <p:ph type="title"/>
+          </p:nvPr>
+        </p:nvSpPr>
+        <p:spPr/>
+        <p:txBody>
+          <a:bodyPr/>
+          <a:lstStyle/>
+          <a:p>
+            <a:r>
+              <a:rPr lang="en-US" altLang="zh-CN" dirty="0" err="1"/>
+              <a:t>gcc</a:t>
+            </a:r>
+            <a:endParaRPr lang="zh-CN" altLang="en-US" dirty="0"/>
+          </a:p>
+        </p:txBody>
+      </p:sp>
+      <p:sp>
+        <p:nvSpPr>
+          <p:cNvPr id="3" name="内容占位符 2">
+            <a:extLst>
+              <a:ext uri="{FF2B5EF4-FFF2-40B4-BE49-F238E27FC236}">
+                <a16:creationId xmlns:a16="http://schemas.microsoft.com/office/drawing/2014/main" id="{5D6C0D19-1CB4-4AEE-B6A1-6D7E57A44DE3}"/>
+              </a:ext>
+            </a:extLst>
+          </p:cNvPr>
+          <p:cNvSpPr>
+            <a:spLocks noGrp="1"/>
+          </p:cNvSpPr>
+          <p:nvPr>
+            <p:ph idx="1"/>
+          </p:nvPr>
+        </p:nvSpPr>
+        <p:spPr>
+          <a:xfrm>
+            <a:off x="669882" y="1296000"/>
+            <a:ext cx="10852237" cy="2787269"/>
+          </a:xfrm>
+        </p:spPr>
+        <p:txBody>
+          <a:bodyPr/>
+          <a:lstStyle/>
+          <a:p>
+            <a:pPr latinLnBrk="1"/>
+            <a:r>
+              <a:rPr lang="en-US" altLang="zh-CN" dirty="0" err="1"/>
+              <a:t>gcc</a:t>
+            </a:r>
+            <a:r>
+              <a:rPr lang="en-US" altLang="zh-CN" dirty="0"/>
+              <a:t> </a:t>
+            </a:r>
+            <a:r>
+              <a:rPr lang="zh-CN" altLang="en-US" dirty="0"/>
+              <a:t>与 </a:t>
+            </a:r>
+            <a:r>
+              <a:rPr lang="en-US" altLang="zh-CN" dirty="0"/>
+              <a:t>g++ </a:t>
+            </a:r>
+            <a:r>
+              <a:rPr lang="zh-CN" altLang="en-US" dirty="0"/>
+              <a:t>分别是 </a:t>
+            </a:r>
+            <a:r>
+              <a:rPr lang="en-US" altLang="zh-CN" dirty="0"/>
+              <a:t>gnu </a:t>
+            </a:r>
+            <a:r>
+              <a:rPr lang="zh-CN" altLang="en-US" dirty="0"/>
+              <a:t>的 </a:t>
+            </a:r>
+            <a:r>
+              <a:rPr lang="en-US" altLang="zh-CN" dirty="0"/>
+              <a:t>c &amp; </a:t>
+            </a:r>
+            <a:r>
+              <a:rPr lang="en-US" altLang="zh-CN" dirty="0" err="1"/>
+              <a:t>c++</a:t>
+            </a:r>
+            <a:r>
+              <a:rPr lang="en-US" altLang="zh-CN" dirty="0"/>
+              <a:t> </a:t>
+            </a:r>
+            <a:r>
+              <a:rPr lang="zh-CN" altLang="en-US" dirty="0"/>
+              <a:t>编译器 </a:t>
+            </a:r>
+            <a:r>
+              <a:rPr lang="en-US" altLang="zh-CN" dirty="0" err="1"/>
+              <a:t>gcc</a:t>
+            </a:r>
+            <a:r>
+              <a:rPr lang="en-US" altLang="zh-CN" dirty="0"/>
+              <a:t>/g++ </a:t>
+            </a:r>
+            <a:r>
+              <a:rPr lang="zh-CN" altLang="en-US" dirty="0"/>
+              <a:t>在执行编译工作的时候，总共需要</a:t>
+            </a:r>
+            <a:r>
+              <a:rPr lang="en-US" altLang="zh-CN" dirty="0"/>
+              <a:t>4</a:t>
+            </a:r>
+            <a:r>
+              <a:rPr lang="zh-CN" altLang="en-US" dirty="0"/>
+              <a:t>步：</a:t>
+            </a:r>
+          </a:p>
+          <a:p>
+            <a:pPr marL="457200" lvl="1" indent="0" latinLnBrk="1">
+              <a:buNone/>
+            </a:pPr>
+            <a:r>
+              <a:rPr lang="en-US" altLang="zh-CN" dirty="0"/>
+              <a:t>1</a:t>
+            </a:r>
+            <a:r>
+              <a:rPr lang="zh-CN" altLang="en-US" dirty="0"/>
+              <a:t>、预处理</a:t>
+            </a:r>
+            <a:r>
+              <a:rPr lang="en-US" altLang="zh-CN" dirty="0"/>
+              <a:t>,</a:t>
+            </a:r>
+            <a:r>
+              <a:rPr lang="zh-CN" altLang="en-US" dirty="0"/>
+              <a:t>生成 </a:t>
+            </a:r>
+            <a:r>
+              <a:rPr lang="en-US" altLang="zh-CN" dirty="0"/>
+              <a:t>.</a:t>
+            </a:r>
+            <a:r>
+              <a:rPr lang="en-US" altLang="zh-CN" dirty="0" err="1"/>
+              <a:t>i</a:t>
+            </a:r>
+            <a:r>
+              <a:rPr lang="en-US" altLang="zh-CN" dirty="0"/>
+              <a:t> </a:t>
+            </a:r>
+            <a:r>
+              <a:rPr lang="zh-CN" altLang="en-US" dirty="0"/>
+              <a:t>的文件</a:t>
+            </a:r>
+            <a:r>
+              <a:rPr lang="en-US" altLang="zh-CN" dirty="0"/>
+              <a:t>[</a:t>
+            </a:r>
+            <a:r>
+              <a:rPr lang="zh-CN" altLang="en-US" dirty="0"/>
+              <a:t>预处理器</a:t>
+            </a:r>
+            <a:r>
+              <a:rPr lang="en-US" altLang="zh-CN" dirty="0" err="1"/>
+              <a:t>cpp</a:t>
+            </a:r>
+            <a:r>
+              <a:rPr lang="en-US" altLang="zh-CN" dirty="0"/>
+              <a:t>]</a:t>
+            </a:r>
+          </a:p>
+          <a:p>
+            <a:pPr marL="457200" lvl="1" indent="0" latinLnBrk="1">
+              <a:buNone/>
+            </a:pPr>
+            <a:r>
+              <a:rPr lang="en-US" altLang="zh-CN" dirty="0"/>
+              <a:t>2</a:t>
+            </a:r>
+            <a:r>
+              <a:rPr lang="zh-CN" altLang="en-US" dirty="0"/>
+              <a:t>、将预处理后的文件转换成汇编语言</a:t>
+            </a:r>
+            <a:r>
+              <a:rPr lang="en-US" altLang="zh-CN" dirty="0"/>
+              <a:t>, </a:t>
+            </a:r>
+            <a:r>
+              <a:rPr lang="zh-CN" altLang="en-US" dirty="0"/>
+              <a:t>生成文件 </a:t>
+            </a:r>
+            <a:r>
+              <a:rPr lang="en-US" altLang="zh-CN" dirty="0"/>
+              <a:t>.s [</a:t>
+            </a:r>
+            <a:r>
+              <a:rPr lang="zh-CN" altLang="en-US" dirty="0"/>
+              <a:t>编译器</a:t>
+            </a:r>
+            <a:r>
+              <a:rPr lang="en-US" altLang="zh-CN" dirty="0" err="1"/>
+              <a:t>egcs</a:t>
+            </a:r>
+            <a:r>
+              <a:rPr lang="en-US" altLang="zh-CN" dirty="0"/>
+              <a:t>] [</a:t>
+            </a:r>
+            <a:r>
+              <a:rPr lang="zh-CN" altLang="en-US" dirty="0"/>
+              <a:t>参数 </a:t>
+            </a:r>
+            <a:r>
+              <a:rPr lang="en-US" altLang="zh-CN" dirty="0"/>
+              <a:t>-S]</a:t>
+            </a:r>
+          </a:p>
+          <a:p>
+            <a:pPr marL="457200" lvl="1" indent="0" latinLnBrk="1">
+              <a:buNone/>
+            </a:pPr>
+            <a:r>
+              <a:rPr lang="en-US" altLang="zh-CN" dirty="0"/>
+              <a:t>3</a:t>
+            </a:r>
+            <a:r>
+              <a:rPr lang="zh-CN" altLang="en-US" dirty="0"/>
+              <a:t>、有汇编变为目标代码</a:t>
+            </a:r>
+            <a:r>
+              <a:rPr lang="en-US" altLang="zh-CN" dirty="0"/>
+              <a:t>(</a:t>
+            </a:r>
+            <a:r>
+              <a:rPr lang="zh-CN" altLang="en-US" dirty="0"/>
+              <a:t>机器代码</a:t>
+            </a:r>
+            <a:r>
+              <a:rPr lang="en-US" altLang="zh-CN" dirty="0"/>
+              <a:t>)</a:t>
+            </a:r>
+            <a:r>
+              <a:rPr lang="zh-CN" altLang="en-US" dirty="0"/>
+              <a:t>生成 </a:t>
+            </a:r>
+            <a:r>
+              <a:rPr lang="en-US" altLang="zh-CN" dirty="0"/>
+              <a:t>.o </a:t>
+            </a:r>
+            <a:r>
+              <a:rPr lang="zh-CN" altLang="en-US" dirty="0"/>
+              <a:t>的文件</a:t>
+            </a:r>
+            <a:r>
+              <a:rPr lang="en-US" altLang="zh-CN" dirty="0"/>
+              <a:t>[</a:t>
+            </a:r>
+            <a:r>
+              <a:rPr lang="zh-CN" altLang="en-US" dirty="0"/>
+              <a:t>汇编器</a:t>
+            </a:r>
+            <a:r>
+              <a:rPr lang="en-US" altLang="zh-CN" dirty="0"/>
+              <a:t>as] [</a:t>
+            </a:r>
+            <a:r>
+              <a:rPr lang="zh-CN" altLang="en-US" dirty="0"/>
+              <a:t>参数 </a:t>
+            </a:r>
+            <a:r>
+              <a:rPr lang="en-US" altLang="zh-CN" dirty="0"/>
+              <a:t>-c]</a:t>
+            </a:r>
+          </a:p>
+          <a:p>
+            <a:pPr marL="457200" lvl="1" indent="0" latinLnBrk="1">
+              <a:buNone/>
+            </a:pPr>
+            <a:r>
+              <a:rPr lang="en-US" altLang="zh-CN" dirty="0"/>
+              <a:t>4</a:t>
+            </a:r>
+            <a:r>
+              <a:rPr lang="zh-CN" altLang="en-US" dirty="0"/>
+              <a:t>、连接目标代码</a:t>
+            </a:r>
+            <a:r>
+              <a:rPr lang="en-US" altLang="zh-CN" dirty="0"/>
+              <a:t>, </a:t>
+            </a:r>
+            <a:r>
+              <a:rPr lang="zh-CN" altLang="en-US" dirty="0"/>
+              <a:t>生成可执行程序 </a:t>
+            </a:r>
+            <a:r>
+              <a:rPr lang="en-US" altLang="zh-CN" dirty="0"/>
+              <a:t>[</a:t>
+            </a:r>
+            <a:r>
+              <a:rPr lang="zh-CN" altLang="en-US" dirty="0"/>
+              <a:t>链接器</a:t>
+            </a:r>
+            <a:r>
+              <a:rPr lang="en-US" altLang="zh-CN" dirty="0" err="1"/>
+              <a:t>ld</a:t>
+            </a:r>
+            <a:r>
+              <a:rPr lang="en-US" altLang="zh-CN" dirty="0"/>
+              <a:t>]</a:t>
+            </a:r>
+          </a:p>
+          <a:p>
+            <a:r>
+              <a:rPr lang="zh-CN" altLang="en-US" dirty="0"/>
+              <a:t>常用参数</a:t>
+            </a:r>
+            <a:r>
+              <a:rPr lang="en-US" altLang="zh-CN" dirty="0"/>
+              <a:t>:	</a:t>
+            </a:r>
+            <a:endParaRPr lang="zh-CN" altLang="en-US" dirty="0"/>
+          </a:p>
+        </p:txBody>
+      </p:sp>
+      <p:sp>
+        <p:nvSpPr>
+          <p:cNvPr id="4" name="文本框 3">
+            <a:extLst>
+              <a:ext uri="{FF2B5EF4-FFF2-40B4-BE49-F238E27FC236}">
+                <a16:creationId xmlns:a16="http://schemas.microsoft.com/office/drawing/2014/main" id="{242C3FAA-A811-40A3-B162-EBA2A1F8201D}"/>
+              </a:ext>
+            </a:extLst>
+          </p:cNvPr>
+          <p:cNvSpPr txBox="1"/>
+          <p:nvPr/>
+        </p:nvSpPr>
+        <p:spPr>
+          <a:xfrm>
+            <a:off x="669880" y="3909848"/>
+            <a:ext cx="5194891" cy="2554545"/>
+          </a:xfrm>
+          <a:prstGeom prst="rect">
+            <a:avLst/>
+          </a:prstGeom>
+          <a:noFill/>
+        </p:spPr>
+        <p:txBody>
+          <a:bodyPr wrap="square" rtlCol="0">
+            <a:spAutoFit/>
+          </a:bodyPr>
+          <a:lstStyle/>
+          <a:p>
+            <a:r>
+              <a:rPr lang="en-US" altLang="zh-CN" sz="1600" spc="150" noProof="1">
+                <a:solidFill>
+                  <a:schemeClr val="tx1">
+                    <a:lumMod val="75000"/>
+                    <a:lumOff val="25000"/>
+                  </a:schemeClr>
+                </a:solidFill>
+                <a:sym typeface="+mn-ea"/>
+              </a:rPr>
+              <a:t>-o: </a:t>
+            </a:r>
+            <a:r>
+              <a:rPr lang="zh-CN" altLang="en-US" sz="1600" spc="150" noProof="1">
+                <a:solidFill>
+                  <a:schemeClr val="tx1">
+                    <a:lumMod val="75000"/>
+                    <a:lumOff val="25000"/>
+                  </a:schemeClr>
+                </a:solidFill>
+                <a:sym typeface="+mn-ea"/>
+              </a:rPr>
+              <a:t>输出目标名称</a:t>
+            </a:r>
+            <a:r>
+              <a:rPr lang="en-US" altLang="zh-CN" sz="1600" spc="150" noProof="1">
+                <a:solidFill>
+                  <a:schemeClr val="tx1">
+                    <a:lumMod val="75000"/>
+                    <a:lumOff val="25000"/>
+                  </a:schemeClr>
+                </a:solidFill>
+                <a:sym typeface="+mn-ea"/>
+              </a:rPr>
+              <a:t>, </a:t>
+            </a:r>
+            <a:r>
+              <a:rPr lang="zh-CN" altLang="en-US" sz="1600" spc="150" noProof="1">
+                <a:solidFill>
+                  <a:schemeClr val="tx1">
+                    <a:lumMod val="75000"/>
+                    <a:lumOff val="25000"/>
+                  </a:schemeClr>
+                </a:solidFill>
+                <a:sym typeface="+mn-ea"/>
+              </a:rPr>
+              <a:t>默认为</a:t>
+            </a:r>
+            <a:r>
+              <a:rPr lang="en-US" altLang="zh-CN" sz="1600" spc="150" noProof="1">
+                <a:solidFill>
+                  <a:schemeClr val="tx1">
+                    <a:lumMod val="75000"/>
+                    <a:lumOff val="25000"/>
+                  </a:schemeClr>
+                </a:solidFill>
+                <a:sym typeface="+mn-ea"/>
+              </a:rPr>
+              <a:t>a.out</a:t>
+            </a:r>
+          </a:p>
+          <a:p>
+            <a:r>
+              <a:rPr lang="en-US" altLang="zh-CN" sz="1600" spc="150" noProof="1">
+                <a:solidFill>
+                  <a:schemeClr val="tx1">
+                    <a:lumMod val="75000"/>
+                    <a:lumOff val="25000"/>
+                  </a:schemeClr>
+                </a:solidFill>
+                <a:sym typeface="+mn-ea"/>
+              </a:rPr>
+              <a:t>-L: </a:t>
+            </a:r>
+            <a:r>
+              <a:rPr lang="zh-CN" altLang="en-US" sz="1600" spc="150" noProof="1">
+                <a:solidFill>
+                  <a:schemeClr val="tx1">
+                    <a:lumMod val="75000"/>
+                    <a:lumOff val="25000"/>
+                  </a:schemeClr>
+                </a:solidFill>
+                <a:sym typeface="+mn-ea"/>
+              </a:rPr>
+              <a:t>指定编译时搜索库的路径</a:t>
+            </a:r>
+            <a:endParaRPr lang="en-US" altLang="zh-CN" sz="1600" spc="150" noProof="1">
+              <a:solidFill>
+                <a:schemeClr val="tx1">
+                  <a:lumMod val="75000"/>
+                  <a:lumOff val="25000"/>
+                </a:schemeClr>
+              </a:solidFill>
+              <a:sym typeface="+mn-ea"/>
+            </a:endParaRPr>
+          </a:p>
+          <a:p>
+            <a:r>
+              <a:rPr lang="en-US" altLang="zh-CN" sz="1600" spc="150" noProof="1">
+                <a:solidFill>
+                  <a:schemeClr val="tx1">
+                    <a:lumMod val="75000"/>
+                    <a:lumOff val="25000"/>
+                  </a:schemeClr>
+                </a:solidFill>
+                <a:sym typeface="+mn-ea"/>
+              </a:rPr>
+              <a:t>-l: </a:t>
+            </a:r>
+            <a:r>
+              <a:rPr lang="zh-CN" altLang="en-US" sz="1600" spc="150" noProof="1">
+                <a:solidFill>
+                  <a:schemeClr val="tx1">
+                    <a:lumMod val="75000"/>
+                    <a:lumOff val="25000"/>
+                  </a:schemeClr>
+                </a:solidFill>
+                <a:sym typeface="+mn-ea"/>
+              </a:rPr>
+              <a:t>指定编译时所用到的库</a:t>
+            </a:r>
+            <a:endParaRPr lang="en-US" altLang="zh-CN" sz="1600" spc="150" noProof="1">
+              <a:solidFill>
+                <a:schemeClr val="tx1">
+                  <a:lumMod val="75000"/>
+                  <a:lumOff val="25000"/>
+                </a:schemeClr>
+              </a:solidFill>
+              <a:sym typeface="+mn-ea"/>
+            </a:endParaRPr>
+          </a:p>
+          <a:p>
+            <a:r>
+              <a:rPr lang="en-US" altLang="zh-CN" sz="1600" spc="150" noProof="1">
+                <a:solidFill>
+                  <a:schemeClr val="tx1">
+                    <a:lumMod val="75000"/>
+                    <a:lumOff val="25000"/>
+                  </a:schemeClr>
+                </a:solidFill>
+                <a:sym typeface="+mn-ea"/>
+              </a:rPr>
+              <a:t>-I: </a:t>
+            </a:r>
+            <a:r>
+              <a:rPr lang="zh-CN" altLang="en-US" sz="1600" spc="150" noProof="1">
+                <a:solidFill>
+                  <a:schemeClr val="tx1">
+                    <a:lumMod val="75000"/>
+                    <a:lumOff val="25000"/>
+                  </a:schemeClr>
+                </a:solidFill>
+                <a:sym typeface="+mn-ea"/>
+              </a:rPr>
+              <a:t>指定编译时搜索头文件的路径</a:t>
+            </a:r>
+            <a:endParaRPr lang="en-US" altLang="zh-CN" sz="1600" spc="150" noProof="1">
+              <a:solidFill>
+                <a:schemeClr val="tx1">
+                  <a:lumMod val="75000"/>
+                  <a:lumOff val="25000"/>
+                </a:schemeClr>
+              </a:solidFill>
+              <a:sym typeface="+mn-ea"/>
+            </a:endParaRPr>
+          </a:p>
+          <a:p>
+            <a:r>
+              <a:rPr lang="en-US" altLang="zh-CN" sz="1600" spc="150" noProof="1">
+                <a:solidFill>
+                  <a:schemeClr val="tx1">
+                    <a:lumMod val="75000"/>
+                    <a:lumOff val="25000"/>
+                  </a:schemeClr>
+                </a:solidFill>
+                <a:sym typeface="+mn-ea"/>
+              </a:rPr>
+              <a:t>-g: </a:t>
+            </a:r>
+            <a:r>
+              <a:rPr lang="zh-CN" altLang="en-US" sz="1600" spc="150" noProof="1">
+                <a:solidFill>
+                  <a:schemeClr val="tx1">
+                    <a:lumMod val="75000"/>
+                    <a:lumOff val="25000"/>
+                  </a:schemeClr>
+                </a:solidFill>
+                <a:sym typeface="+mn-ea"/>
+              </a:rPr>
+              <a:t>编译产生调试信息</a:t>
+            </a:r>
+            <a:endParaRPr lang="en-US" altLang="zh-CN" sz="1600" spc="150" noProof="1">
+              <a:solidFill>
+                <a:schemeClr val="tx1">
+                  <a:lumMod val="75000"/>
+                  <a:lumOff val="25000"/>
+                </a:schemeClr>
+              </a:solidFill>
+              <a:sym typeface="+mn-ea"/>
+            </a:endParaRPr>
+          </a:p>
+          <a:p>
+            <a:r>
+              <a:rPr lang="en-US" altLang="zh-CN" sz="1600" spc="150" noProof="1">
+                <a:solidFill>
+                  <a:schemeClr val="tx1">
+                    <a:lumMod val="75000"/>
+                    <a:lumOff val="25000"/>
+                  </a:schemeClr>
+                </a:solidFill>
+                <a:sym typeface="+mn-ea"/>
+              </a:rPr>
+              <a:t>-w: </a:t>
+            </a:r>
+            <a:r>
+              <a:rPr lang="zh-CN" altLang="en-US" sz="1600" spc="150" noProof="1">
+                <a:solidFill>
+                  <a:schemeClr val="tx1">
+                    <a:lumMod val="75000"/>
+                    <a:lumOff val="25000"/>
+                  </a:schemeClr>
+                </a:solidFill>
+                <a:sym typeface="+mn-ea"/>
+              </a:rPr>
+              <a:t>不生成任何警告信息</a:t>
+            </a:r>
+            <a:endParaRPr lang="en-US" altLang="zh-CN" sz="1600" spc="150" noProof="1">
+              <a:solidFill>
+                <a:schemeClr val="tx1">
+                  <a:lumMod val="75000"/>
+                  <a:lumOff val="25000"/>
+                </a:schemeClr>
+              </a:solidFill>
+              <a:sym typeface="+mn-ea"/>
+            </a:endParaRPr>
+          </a:p>
+          <a:p>
+            <a:r>
+              <a:rPr lang="en-US" altLang="zh-CN" sz="1600" spc="150" noProof="1">
+                <a:solidFill>
+                  <a:schemeClr val="tx1">
+                    <a:lumMod val="75000"/>
+                    <a:lumOff val="25000"/>
+                  </a:schemeClr>
+                </a:solidFill>
+                <a:sym typeface="+mn-ea"/>
+              </a:rPr>
+              <a:t>-Wall: </a:t>
+            </a:r>
+            <a:r>
+              <a:rPr lang="zh-CN" altLang="en-US" sz="1600" spc="150" noProof="1">
+                <a:solidFill>
+                  <a:schemeClr val="tx1">
+                    <a:lumMod val="75000"/>
+                    <a:lumOff val="25000"/>
+                  </a:schemeClr>
+                </a:solidFill>
+                <a:sym typeface="+mn-ea"/>
+              </a:rPr>
+              <a:t>生成所有警告信息</a:t>
+            </a:r>
+            <a:endParaRPr lang="en-US" altLang="zh-CN" sz="1600" spc="150" noProof="1">
+              <a:solidFill>
+                <a:schemeClr val="tx1">
+                  <a:lumMod val="75000"/>
+                  <a:lumOff val="25000"/>
+                </a:schemeClr>
+              </a:solidFill>
+              <a:sym typeface="+mn-ea"/>
+            </a:endParaRPr>
+          </a:p>
+          <a:p>
+            <a:r>
+              <a:rPr lang="en-US" altLang="zh-CN" sz="1600" spc="150" noProof="1">
+                <a:solidFill>
+                  <a:schemeClr val="tx1">
+                    <a:lumMod val="75000"/>
+                    <a:lumOff val="25000"/>
+                  </a:schemeClr>
+                </a:solidFill>
+                <a:sym typeface="+mn-ea"/>
+              </a:rPr>
+              <a:t>-static: </a:t>
+            </a:r>
+            <a:r>
+              <a:rPr lang="zh-CN" altLang="en-US" sz="1600" spc="150" noProof="1">
+                <a:solidFill>
+                  <a:schemeClr val="tx1">
+                    <a:lumMod val="75000"/>
+                    <a:lumOff val="25000"/>
+                  </a:schemeClr>
+                </a:solidFill>
+                <a:sym typeface="+mn-ea"/>
+              </a:rPr>
+              <a:t>禁止使用动态库</a:t>
+            </a:r>
+            <a:r>
+              <a:rPr lang="en-US" altLang="zh-CN" sz="1600" spc="150" noProof="1">
+                <a:solidFill>
+                  <a:schemeClr val="tx1">
+                    <a:lumMod val="75000"/>
+                    <a:lumOff val="25000"/>
+                  </a:schemeClr>
+                </a:solidFill>
+                <a:sym typeface="+mn-ea"/>
+              </a:rPr>
+              <a:t>, </a:t>
+            </a:r>
+            <a:r>
+              <a:rPr lang="zh-CN" altLang="en-US" sz="1600" spc="150" noProof="1">
+                <a:solidFill>
+                  <a:schemeClr val="tx1">
+                    <a:lumMod val="75000"/>
+                    <a:lumOff val="25000"/>
+                  </a:schemeClr>
+                </a:solidFill>
+                <a:sym typeface="+mn-ea"/>
+              </a:rPr>
+              <a:t>编译出静态可执行程序</a:t>
+            </a:r>
+            <a:endParaRPr lang="en-US" altLang="zh-CN" sz="1600" spc="150" noProof="1">
+              <a:solidFill>
+                <a:schemeClr val="tx1">
+                  <a:lumMod val="75000"/>
+                  <a:lumOff val="25000"/>
+                </a:schemeClr>
+              </a:solidFill>
+              <a:sym typeface="+mn-ea"/>
+            </a:endParaRPr>
+          </a:p>
+          <a:p>
+            <a:r>
+              <a:rPr lang="en-US" altLang="zh-CN" sz="1600" spc="150" noProof="1">
+                <a:solidFill>
+                  <a:schemeClr val="tx1">
+                    <a:lumMod val="75000"/>
+                    <a:lumOff val="25000"/>
+                  </a:schemeClr>
+                </a:solidFill>
+                <a:sym typeface="+mn-ea"/>
+              </a:rPr>
+              <a:t>-share: </a:t>
+            </a:r>
+            <a:r>
+              <a:rPr lang="zh-CN" altLang="en-US" sz="1600" spc="150" noProof="1">
+                <a:solidFill>
+                  <a:schemeClr val="tx1">
+                    <a:lumMod val="75000"/>
+                    <a:lumOff val="25000"/>
+                  </a:schemeClr>
+                </a:solidFill>
+                <a:sym typeface="+mn-ea"/>
+              </a:rPr>
+              <a:t>尽量使用动态库</a:t>
+            </a:r>
+            <a:endParaRPr lang="en-US" altLang="zh-CN" sz="1600" spc="150" noProof="1">
+              <a:solidFill>
+                <a:schemeClr val="tx1">
+                  <a:lumMod val="75000"/>
+                  <a:lumOff val="25000"/>
+                </a:schemeClr>
+              </a:solidFill>
+              <a:sym typeface="+mn-ea"/>
+            </a:endParaRPr>
+          </a:p>
+          <a:p>
+            <a:r>
+              <a:rPr lang="en-US" altLang="zh-CN" sz="1600" spc="150" noProof="1">
+                <a:solidFill>
+                  <a:schemeClr val="tx1">
+                    <a:lumMod val="75000"/>
+                    <a:lumOff val="25000"/>
+                  </a:schemeClr>
+                </a:solidFill>
+                <a:sym typeface="+mn-ea"/>
+              </a:rPr>
+              <a:t>-O0/-O1/-O2/-O3: </a:t>
+            </a:r>
+            <a:r>
+              <a:rPr lang="zh-CN" altLang="en-US" sz="1600" spc="150" noProof="1">
+                <a:solidFill>
+                  <a:schemeClr val="tx1">
+                    <a:lumMod val="75000"/>
+                    <a:lumOff val="25000"/>
+                  </a:schemeClr>
+                </a:solidFill>
+                <a:sym typeface="+mn-ea"/>
+              </a:rPr>
+              <a:t>优化等级</a:t>
+            </a:r>
+            <a:r>
+              <a:rPr lang="en-US" altLang="zh-CN" sz="1600" spc="150" noProof="1">
+                <a:solidFill>
+                  <a:schemeClr val="tx1">
+                    <a:lumMod val="75000"/>
+                    <a:lumOff val="25000"/>
+                  </a:schemeClr>
+                </a:solidFill>
+                <a:sym typeface="+mn-ea"/>
+              </a:rPr>
+              <a:t>, -O0</a:t>
+            </a:r>
+            <a:r>
+              <a:rPr lang="zh-CN" altLang="en-US" sz="1600" spc="150" noProof="1">
+                <a:solidFill>
+                  <a:schemeClr val="tx1">
+                    <a:lumMod val="75000"/>
+                    <a:lumOff val="25000"/>
+                  </a:schemeClr>
+                </a:solidFill>
+                <a:sym typeface="+mn-ea"/>
+              </a:rPr>
+              <a:t>表示不优化</a:t>
+            </a:r>
+          </a:p>
+        </p:txBody>
+      </p:sp>
+    </p:spTree>
+    <p:extLst>
+      <p:ext uri="{BB962C8B-B14F-4D97-AF65-F5344CB8AC3E}">
+        <p14:creationId xmlns:p14="http://schemas.microsoft.com/office/powerpoint/2010/main" val="1686461914"/>
+      </p:ext>
+    </p:extLst>
+  </p:cSld>
+  <p:clrMapOvr>
+    <a:masterClrMapping/>
+  </p:clrMapOvr>
+</p:sld>
+</file>
+
+<file path=ppt/slides/slide34.xml><?xml version="1.0" encoding="utf-8"?>
+<p:sld xmlns:a="http://schemas.openxmlformats.org/drawingml/2006/main" xmlns:r="http://schemas.openxmlformats.org/officeDocument/2006/relationships" xmlns:p="http://schemas.openxmlformats.org/presentationml/2006/main">
+  <p:cSld>
+    <p:spTree>
+      <p:nvGrpSpPr>
+        <p:cNvPr id="1" name=""/>
+        <p:cNvGrpSpPr/>
+        <p:nvPr/>
+      </p:nvGrpSpPr>
+      <p:grpSpPr>
+        <a:xfrm>
+          <a:off x="0" y="0"/>
+          <a:ext cx="0" cy="0"/>
+          <a:chOff x="0" y="0"/>
+          <a:chExt cx="0" cy="0"/>
+        </a:xfrm>
+      </p:grpSpPr>
+      <p:sp>
+        <p:nvSpPr>
+          <p:cNvPr id="2" name="标题 1">
+            <a:extLst>
+              <a:ext uri="{FF2B5EF4-FFF2-40B4-BE49-F238E27FC236}">
+                <a16:creationId xmlns:a16="http://schemas.microsoft.com/office/drawing/2014/main" id="{88B6C064-334D-4AB4-8B2C-7C2153084618}"/>
+              </a:ext>
+            </a:extLst>
+          </p:cNvPr>
+          <p:cNvSpPr>
+            <a:spLocks noGrp="1"/>
+          </p:cNvSpPr>
+          <p:nvPr>
+            <p:ph type="title"/>
+          </p:nvPr>
+        </p:nvSpPr>
+        <p:spPr/>
+        <p:txBody>
+          <a:bodyPr/>
+          <a:lstStyle/>
+          <a:p>
+            <a:r>
+              <a:rPr lang="zh-CN" altLang="en-US" dirty="0"/>
+              <a:t>生成交叉编译工具链</a:t>
+            </a:r>
+          </a:p>
+        </p:txBody>
+      </p:sp>
+      <p:sp>
+        <p:nvSpPr>
+          <p:cNvPr id="3" name="内容占位符 2">
+            <a:extLst>
+              <a:ext uri="{FF2B5EF4-FFF2-40B4-BE49-F238E27FC236}">
+                <a16:creationId xmlns:a16="http://schemas.microsoft.com/office/drawing/2014/main" id="{939994EE-48F4-40B0-BD31-FB72D97161CB}"/>
+              </a:ext>
+            </a:extLst>
+          </p:cNvPr>
+          <p:cNvSpPr>
+            <a:spLocks noGrp="1"/>
+          </p:cNvSpPr>
+          <p:nvPr>
+            <p:ph idx="1"/>
+          </p:nvPr>
+        </p:nvSpPr>
+        <p:spPr/>
+        <p:txBody>
+          <a:bodyPr/>
+          <a:lstStyle/>
+          <a:p>
+            <a:r>
+              <a:rPr lang="zh-CN" altLang="en-US" sz="2000" b="1" dirty="0"/>
+              <a:t>编译</a:t>
+            </a:r>
+            <a:r>
+              <a:rPr lang="en-US" altLang="zh-CN" sz="2000" b="1" dirty="0" err="1"/>
+              <a:t>binutils</a:t>
+            </a:r>
+            <a:endParaRPr lang="en-US" altLang="zh-CN" sz="2000" b="1" dirty="0"/>
+          </a:p>
+          <a:p>
+            <a:r>
+              <a:rPr lang="zh-CN" altLang="en-US" sz="2000" b="1" dirty="0"/>
+              <a:t>配置</a:t>
+            </a:r>
+            <a:r>
+              <a:rPr lang="en-US" altLang="zh-CN" sz="2000" b="1" dirty="0" err="1"/>
+              <a:t>linux</a:t>
+            </a:r>
+            <a:r>
+              <a:rPr lang="zh-CN" altLang="en-US" sz="2000" b="1" dirty="0"/>
+              <a:t>内核头文件</a:t>
+            </a:r>
+            <a:endParaRPr lang="en-US" altLang="zh-CN" sz="2000" b="1" dirty="0"/>
+          </a:p>
+          <a:p>
+            <a:r>
+              <a:rPr lang="zh-CN" altLang="en-US" sz="2000" b="1" dirty="0"/>
+              <a:t>第一次编译</a:t>
+            </a:r>
+            <a:r>
+              <a:rPr lang="en-US" altLang="zh-CN" sz="2000" b="1" dirty="0" err="1"/>
+              <a:t>gcc</a:t>
+            </a:r>
+            <a:endParaRPr lang="en-US" altLang="zh-CN" sz="2000" b="1" dirty="0"/>
+          </a:p>
+          <a:p>
+            <a:r>
+              <a:rPr lang="zh-CN" altLang="en-US" sz="2000" b="1" dirty="0"/>
+              <a:t>交叉编译</a:t>
+            </a:r>
+            <a:r>
+              <a:rPr lang="en-US" altLang="zh-CN" sz="2000" b="1" dirty="0" err="1"/>
+              <a:t>glibc</a:t>
+            </a:r>
+            <a:endParaRPr lang="en-US" altLang="zh-CN" sz="2000" b="1" dirty="0"/>
+          </a:p>
+          <a:p>
+            <a:r>
+              <a:rPr lang="zh-CN" altLang="en-US" sz="2000" b="1" dirty="0"/>
+              <a:t>第二次编译</a:t>
+            </a:r>
+            <a:r>
+              <a:rPr lang="en-US" altLang="zh-CN" sz="2000" b="1" dirty="0" err="1"/>
+              <a:t>gcc</a:t>
+            </a:r>
+            <a:endParaRPr lang="en-US" altLang="zh-CN" sz="2000" b="1" dirty="0"/>
+          </a:p>
+          <a:p>
+            <a:endParaRPr lang="zh-CN" altLang="en-US" dirty="0"/>
+          </a:p>
+        </p:txBody>
+      </p:sp>
+    </p:spTree>
+    <p:extLst>
+      <p:ext uri="{BB962C8B-B14F-4D97-AF65-F5344CB8AC3E}">
+        <p14:creationId xmlns:p14="http://schemas.microsoft.com/office/powerpoint/2010/main" val="3474292041"/>
+      </p:ext>
+    </p:extLst>
+  </p:cSld>
+  <p:clrMapOvr>
+    <a:masterClrMapping/>
+  </p:clrMapOvr>
+</p:sld>
+</file>
+
+<file path=ppt/slides/slide35.xml><?xml version="1.0" encoding="utf-8"?>
+<p:sld xmlns:a="http://schemas.openxmlformats.org/drawingml/2006/main" xmlns:r="http://schemas.openxmlformats.org/officeDocument/2006/relationships" xmlns:p="http://schemas.openxmlformats.org/presentationml/2006/main">
+  <p:cSld>
+    <p:spTree>
+      <p:nvGrpSpPr>
+        <p:cNvPr id="1" name=""/>
+        <p:cNvGrpSpPr/>
+        <p:nvPr/>
+      </p:nvGrpSpPr>
+      <p:grpSpPr>
+        <a:xfrm>
+          <a:off x="0" y="0"/>
+          <a:ext cx="0" cy="0"/>
+          <a:chOff x="0" y="0"/>
+          <a:chExt cx="0" cy="0"/>
+        </a:xfrm>
+      </p:grpSpPr>
+      <p:sp>
+        <p:nvSpPr>
+          <p:cNvPr id="2" name="标题 1">
+            <a:extLst>
+              <a:ext uri="{FF2B5EF4-FFF2-40B4-BE49-F238E27FC236}">
+                <a16:creationId xmlns:a16="http://schemas.microsoft.com/office/drawing/2014/main" id="{B519F02C-1E03-45D4-A68F-32C09B2F09BB}"/>
+              </a:ext>
+            </a:extLst>
+          </p:cNvPr>
+          <p:cNvSpPr>
+            <a:spLocks noGrp="1"/>
+          </p:cNvSpPr>
+          <p:nvPr>
+            <p:ph type="title"/>
+          </p:nvPr>
+        </p:nvSpPr>
+        <p:spPr/>
+        <p:txBody>
+          <a:bodyPr/>
+          <a:lstStyle/>
+          <a:p>
+            <a:r>
+              <a:rPr lang="en-US" altLang="zh-CN" dirty="0"/>
+              <a:t>Bootloader</a:t>
+            </a:r>
+            <a:endParaRPr lang="zh-CN" altLang="en-US" dirty="0"/>
+          </a:p>
+        </p:txBody>
+      </p:sp>
+      <p:sp>
+        <p:nvSpPr>
+          <p:cNvPr id="3" name="内容占位符 2">
+            <a:extLst>
+              <a:ext uri="{FF2B5EF4-FFF2-40B4-BE49-F238E27FC236}">
+                <a16:creationId xmlns:a16="http://schemas.microsoft.com/office/drawing/2014/main" id="{F5FD68ED-748C-4C36-80EC-8F0023EEB2F7}"/>
+              </a:ext>
+            </a:extLst>
+          </p:cNvPr>
+          <p:cNvSpPr>
+            <a:spLocks noGrp="1"/>
+          </p:cNvSpPr>
+          <p:nvPr>
+            <p:ph idx="1"/>
+          </p:nvPr>
+        </p:nvSpPr>
+        <p:spPr>
+          <a:xfrm>
+            <a:off x="669882" y="1296000"/>
+            <a:ext cx="10852237" cy="5130000"/>
+          </a:xfrm>
+        </p:spPr>
+        <p:txBody>
+          <a:bodyPr/>
+          <a:lstStyle/>
+          <a:p>
+            <a:r>
+              <a:rPr lang="zh-CN" altLang="en-US" dirty="0"/>
+              <a:t>在嵌入式操作系统中，</a:t>
+            </a:r>
+            <a:r>
+              <a:rPr lang="en-US" altLang="zh-CN" dirty="0" err="1"/>
+              <a:t>BootLoader</a:t>
+            </a:r>
+            <a:r>
+              <a:rPr lang="zh-CN" altLang="en-US" dirty="0"/>
+              <a:t>是在操作系统内核运行之前运行。可以初始化硬件设备、建立内存空间映射图，从而将系统的软硬件环境带到一个合适状态，以便为最终调用操作系统内核准备好正确的环境。在嵌入式系统中，通常并没有像</a:t>
+            </a:r>
+            <a:r>
+              <a:rPr lang="en-US" altLang="zh-CN" dirty="0"/>
+              <a:t>BIOS</a:t>
+            </a:r>
+            <a:r>
+              <a:rPr lang="zh-CN" altLang="en-US" dirty="0"/>
+              <a:t>那样的固件程序（注，有的嵌入式</a:t>
+            </a:r>
+            <a:r>
+              <a:rPr lang="en-US" altLang="zh-CN" dirty="0"/>
+              <a:t>CPU</a:t>
+            </a:r>
+            <a:r>
+              <a:rPr lang="zh-CN" altLang="en-US" dirty="0"/>
+              <a:t>也会内嵌一段短小的启动程序），因此整个系统的加载启动任务就完全由</a:t>
+            </a:r>
+            <a:r>
+              <a:rPr lang="en-US" altLang="zh-CN" dirty="0" err="1"/>
+              <a:t>BootLoader</a:t>
+            </a:r>
+            <a:r>
+              <a:rPr lang="zh-CN" altLang="en-US" dirty="0"/>
+              <a:t>来完成。在一个基于</a:t>
+            </a:r>
+            <a:r>
+              <a:rPr lang="en-US" altLang="zh-CN" dirty="0"/>
+              <a:t>ARM7TDMI core</a:t>
+            </a:r>
+            <a:r>
+              <a:rPr lang="zh-CN" altLang="en-US" dirty="0"/>
+              <a:t>的嵌入式系统中，系统在上电或复位时通常都从地址</a:t>
+            </a:r>
+            <a:r>
+              <a:rPr lang="en-US" altLang="zh-CN" dirty="0"/>
+              <a:t>0x00000000</a:t>
+            </a:r>
+            <a:r>
+              <a:rPr lang="zh-CN" altLang="en-US" dirty="0"/>
+              <a:t>处开始执行，而在这个地址处安排的通常就是系统的</a:t>
+            </a:r>
+            <a:r>
+              <a:rPr lang="en-US" altLang="zh-CN" dirty="0" err="1"/>
+              <a:t>BootLoader</a:t>
+            </a:r>
+            <a:r>
+              <a:rPr lang="zh-CN" altLang="en-US" dirty="0"/>
+              <a:t>程序</a:t>
+            </a:r>
+            <a:endParaRPr lang="en-US" altLang="zh-CN" dirty="0"/>
+          </a:p>
+          <a:p>
+            <a:r>
+              <a:rPr lang="en-US" altLang="zh-CN" dirty="0"/>
+              <a:t>U-Boot</a:t>
+            </a:r>
+          </a:p>
+          <a:p>
+            <a:pPr marL="0" indent="0">
+              <a:buNone/>
+            </a:pPr>
+            <a:r>
+              <a:rPr lang="en-US" altLang="zh-CN" dirty="0"/>
+              <a:t>U-Boot</a:t>
+            </a:r>
+            <a:r>
+              <a:rPr lang="zh-CN" altLang="en-US" dirty="0"/>
+              <a:t>是由开源项目</a:t>
+            </a:r>
+            <a:r>
+              <a:rPr lang="en-US" altLang="zh-CN" dirty="0" err="1"/>
+              <a:t>PPCBoot</a:t>
+            </a:r>
+            <a:r>
+              <a:rPr lang="zh-CN" altLang="en-US" dirty="0"/>
+              <a:t>发展起来的，</a:t>
+            </a:r>
+            <a:r>
+              <a:rPr lang="en-US" altLang="zh-CN" dirty="0" err="1"/>
+              <a:t>ARMboot</a:t>
+            </a:r>
+            <a:r>
+              <a:rPr lang="zh-CN" altLang="en-US" dirty="0"/>
+              <a:t>并入了</a:t>
+            </a:r>
+            <a:r>
+              <a:rPr lang="en-US" altLang="zh-CN" dirty="0" err="1"/>
+              <a:t>PPCBoot</a:t>
+            </a:r>
+            <a:r>
+              <a:rPr lang="zh-CN" altLang="en-US" dirty="0"/>
+              <a:t>，和其他一些</a:t>
+            </a:r>
+            <a:r>
+              <a:rPr lang="en-US" altLang="zh-CN" dirty="0"/>
+              <a:t>arch</a:t>
+            </a:r>
+            <a:r>
+              <a:rPr lang="zh-CN" altLang="en-US" dirty="0"/>
+              <a:t>的</a:t>
+            </a:r>
+            <a:r>
+              <a:rPr lang="en-US" altLang="zh-CN" dirty="0"/>
+              <a:t>Loader</a:t>
+            </a:r>
+            <a:r>
+              <a:rPr lang="zh-CN" altLang="en-US" dirty="0"/>
+              <a:t>合称</a:t>
+            </a:r>
+            <a:r>
+              <a:rPr lang="en-US" altLang="zh-CN" dirty="0"/>
+              <a:t>U-Boot</a:t>
+            </a:r>
+            <a:r>
+              <a:rPr lang="zh-CN" altLang="en-US" dirty="0"/>
+              <a:t>。</a:t>
+            </a:r>
+            <a:r>
+              <a:rPr lang="en-US" altLang="zh-CN" dirty="0"/>
+              <a:t>U-Boot</a:t>
+            </a:r>
+            <a:r>
+              <a:rPr lang="zh-CN" altLang="en-US" dirty="0"/>
+              <a:t>提供两种操作模式：启动加载（</a:t>
+            </a:r>
+            <a:r>
+              <a:rPr lang="en-US" altLang="zh-CN" dirty="0"/>
+              <a:t>Boot loading</a:t>
+            </a:r>
+            <a:r>
+              <a:rPr lang="zh-CN" altLang="en-US" dirty="0"/>
+              <a:t>）模式和下载（</a:t>
+            </a:r>
+            <a:r>
+              <a:rPr lang="en-US" altLang="zh-CN" dirty="0"/>
+              <a:t>Downloading</a:t>
+            </a:r>
+            <a:r>
+              <a:rPr lang="zh-CN" altLang="en-US" dirty="0"/>
+              <a:t>）模式</a:t>
+            </a:r>
+            <a:r>
+              <a:rPr lang="en-US" altLang="zh-CN" dirty="0"/>
+              <a:t>,</a:t>
+            </a:r>
+            <a:r>
+              <a:rPr lang="zh-CN" altLang="en-US" dirty="0"/>
+              <a:t>并具有大型</a:t>
+            </a:r>
+            <a:r>
+              <a:rPr lang="en-US" altLang="zh-CN" dirty="0"/>
+              <a:t>Boot Loader</a:t>
+            </a:r>
+            <a:r>
+              <a:rPr lang="zh-CN" altLang="en-US" dirty="0"/>
+              <a:t>的全部功能。</a:t>
+            </a:r>
+            <a:endParaRPr lang="en-US" altLang="zh-CN" dirty="0"/>
+          </a:p>
+          <a:p>
+            <a:r>
+              <a:rPr lang="en-US" altLang="zh-CN" dirty="0"/>
+              <a:t>Vivi</a:t>
+            </a:r>
+          </a:p>
+          <a:p>
+            <a:pPr marL="0" indent="0">
+              <a:buNone/>
+            </a:pPr>
+            <a:r>
+              <a:rPr lang="en-US" altLang="zh-CN" dirty="0" err="1"/>
+              <a:t>vivi</a:t>
+            </a:r>
+            <a:r>
+              <a:rPr lang="zh-CN" altLang="en-US" dirty="0"/>
+              <a:t>是韩国</a:t>
+            </a:r>
+            <a:r>
+              <a:rPr lang="en-US" altLang="zh-CN" dirty="0" err="1"/>
+              <a:t>mizi</a:t>
+            </a:r>
+            <a:r>
+              <a:rPr lang="en-US" altLang="zh-CN" dirty="0"/>
+              <a:t> </a:t>
+            </a:r>
+            <a:r>
+              <a:rPr lang="zh-CN" altLang="en-US" dirty="0"/>
+              <a:t>公司开发的</a:t>
+            </a:r>
+            <a:r>
+              <a:rPr lang="en-US" altLang="zh-CN" dirty="0"/>
+              <a:t>bootloader, </a:t>
+            </a:r>
+            <a:r>
+              <a:rPr lang="zh-CN" altLang="en-US" dirty="0"/>
+              <a:t>适用于</a:t>
+            </a:r>
+            <a:r>
+              <a:rPr lang="en-US" altLang="zh-CN" dirty="0"/>
+              <a:t>ARM9</a:t>
+            </a:r>
+            <a:r>
+              <a:rPr lang="zh-CN" altLang="en-US" dirty="0"/>
+              <a:t>处理器。</a:t>
+            </a:r>
+            <a:r>
+              <a:rPr lang="en-US" altLang="zh-CN" dirty="0"/>
+              <a:t>Vivi</a:t>
+            </a:r>
+            <a:r>
+              <a:rPr lang="zh-CN" altLang="en-US" dirty="0"/>
+              <a:t>有两种工作模式：启动加载模式和下载模式。</a:t>
+            </a:r>
+          </a:p>
+        </p:txBody>
+      </p:sp>
+    </p:spTree>
+    <p:extLst>
+      <p:ext uri="{BB962C8B-B14F-4D97-AF65-F5344CB8AC3E}">
+        <p14:creationId xmlns:p14="http://schemas.microsoft.com/office/powerpoint/2010/main" val="3510432780"/>
+      </p:ext>
+    </p:extLst>
+  </p:cSld>
+  <p:clrMapOvr>
+    <a:masterClrMapping/>
+  </p:clrMapOvr>
+</p:sld>
+</file>
+
+<file path=ppt/slides/slide36.xml><?xml version="1.0" encoding="utf-8"?>
+<p:sld xmlns:a="http://schemas.openxmlformats.org/drawingml/2006/main" xmlns:r="http://schemas.openxmlformats.org/officeDocument/2006/relationships" xmlns:p="http://schemas.openxmlformats.org/presentationml/2006/main">
+  <p:cSld>
+    <p:spTree>
+      <p:nvGrpSpPr>
+        <p:cNvPr id="1" name=""/>
+        <p:cNvGrpSpPr/>
+        <p:nvPr/>
+      </p:nvGrpSpPr>
+      <p:grpSpPr>
+        <a:xfrm>
+          <a:off x="0" y="0"/>
+          <a:ext cx="0" cy="0"/>
+          <a:chOff x="0" y="0"/>
+          <a:chExt cx="0" cy="0"/>
+        </a:xfrm>
+      </p:grpSpPr>
+      <p:sp>
+        <p:nvSpPr>
+          <p:cNvPr id="2" name="标题 1">
+            <a:extLst>
+              <a:ext uri="{FF2B5EF4-FFF2-40B4-BE49-F238E27FC236}">
+                <a16:creationId xmlns:a16="http://schemas.microsoft.com/office/drawing/2014/main" id="{DCC74740-60D3-4EF2-AA1E-C764581B7E87}"/>
+              </a:ext>
+            </a:extLst>
+          </p:cNvPr>
+          <p:cNvSpPr>
+            <a:spLocks noGrp="1"/>
+          </p:cNvSpPr>
+          <p:nvPr>
+            <p:ph type="title"/>
+          </p:nvPr>
+        </p:nvSpPr>
+        <p:spPr/>
+        <p:txBody>
+          <a:bodyPr/>
+          <a:lstStyle/>
+          <a:p>
+            <a:r>
+              <a:rPr lang="en-US" altLang="zh-CN" dirty="0"/>
+              <a:t>U-Boot</a:t>
+            </a:r>
+            <a:endParaRPr lang="zh-CN" altLang="en-US" dirty="0"/>
+          </a:p>
+        </p:txBody>
+      </p:sp>
+      <p:sp>
+        <p:nvSpPr>
+          <p:cNvPr id="3" name="内容占位符 2">
+            <a:extLst>
+              <a:ext uri="{FF2B5EF4-FFF2-40B4-BE49-F238E27FC236}">
+                <a16:creationId xmlns:a16="http://schemas.microsoft.com/office/drawing/2014/main" id="{B6CAFCA6-3661-4280-ACA2-C5F199CEDC65}"/>
+              </a:ext>
+            </a:extLst>
+          </p:cNvPr>
+          <p:cNvSpPr>
+            <a:spLocks noGrp="1"/>
+          </p:cNvSpPr>
+          <p:nvPr>
+            <p:ph idx="1"/>
+          </p:nvPr>
+        </p:nvSpPr>
+        <p:spPr/>
+        <p:txBody>
+          <a:bodyPr/>
+          <a:lstStyle/>
+          <a:p>
+            <a:pPr marL="0" indent="0">
+              <a:buNone/>
+            </a:pPr>
+            <a:r>
+              <a:rPr lang="en-US" altLang="zh-CN" dirty="0" err="1"/>
+              <a:t>Uboot</a:t>
+            </a:r>
+            <a:r>
+              <a:rPr lang="zh-CN" altLang="en-US" dirty="0"/>
+              <a:t>来源</a:t>
+            </a:r>
+            <a:r>
+              <a:rPr lang="en-US" altLang="zh-CN" dirty="0"/>
+              <a:t>:</a:t>
+            </a:r>
+          </a:p>
+          <a:p>
+            <a:r>
+              <a:rPr lang="en-US" altLang="zh-CN" dirty="0"/>
+              <a:t>SOC</a:t>
+            </a:r>
+            <a:r>
+              <a:rPr lang="zh-CN" altLang="en-US" dirty="0"/>
+              <a:t>厂商</a:t>
+            </a:r>
+            <a:endParaRPr lang="en-US" altLang="zh-CN" dirty="0"/>
+          </a:p>
+          <a:p>
+            <a:pPr marL="0" indent="0">
+              <a:buNone/>
+            </a:pPr>
+            <a:r>
+              <a:rPr lang="zh-CN" altLang="en-US" dirty="0"/>
+              <a:t>例如飞思卡尔</a:t>
+            </a:r>
+            <a:r>
+              <a:rPr lang="en-US" altLang="zh-CN" dirty="0"/>
+              <a:t>, </a:t>
+            </a:r>
+            <a:r>
+              <a:rPr lang="zh-CN" altLang="en-US" dirty="0"/>
+              <a:t>封装了</a:t>
+            </a:r>
+            <a:r>
+              <a:rPr lang="en-US" altLang="zh-CN" dirty="0"/>
+              <a:t>SOC</a:t>
+            </a:r>
+            <a:r>
+              <a:rPr lang="zh-CN" altLang="en-US" dirty="0"/>
+              <a:t>之后</a:t>
+            </a:r>
+            <a:r>
+              <a:rPr lang="en-US" altLang="zh-CN" dirty="0"/>
+              <a:t>, </a:t>
+            </a:r>
+            <a:r>
+              <a:rPr lang="zh-CN" altLang="en-US" dirty="0"/>
+              <a:t>针对自己的</a:t>
+            </a:r>
+            <a:r>
+              <a:rPr lang="en-US" altLang="zh-CN" dirty="0"/>
+              <a:t>BSP</a:t>
+            </a:r>
+            <a:r>
+              <a:rPr lang="zh-CN" altLang="en-US" dirty="0"/>
+              <a:t>定制的</a:t>
+            </a:r>
+            <a:r>
+              <a:rPr lang="en-US" altLang="zh-CN" dirty="0" err="1"/>
+              <a:t>uboot</a:t>
+            </a:r>
+            <a:r>
+              <a:rPr lang="en-US" altLang="zh-CN" dirty="0"/>
+              <a:t>.</a:t>
+            </a:r>
+          </a:p>
+          <a:p>
+            <a:r>
+              <a:rPr lang="zh-CN" altLang="en-US" dirty="0"/>
+              <a:t>开发板厂商</a:t>
+            </a:r>
+            <a:endParaRPr lang="en-US" altLang="zh-CN" dirty="0"/>
+          </a:p>
+          <a:p>
+            <a:pPr marL="0" indent="0">
+              <a:buNone/>
+            </a:pPr>
+            <a:r>
+              <a:rPr lang="zh-CN" altLang="en-US" dirty="0"/>
+              <a:t>例如迅为</a:t>
+            </a:r>
+            <a:r>
+              <a:rPr lang="en-US" altLang="zh-CN" dirty="0"/>
+              <a:t>,</a:t>
+            </a:r>
+            <a:r>
+              <a:rPr lang="zh-CN" altLang="en-US" dirty="0"/>
+              <a:t>飞凌</a:t>
+            </a:r>
+            <a:r>
+              <a:rPr lang="en-US" altLang="zh-CN" dirty="0"/>
+              <a:t>, </a:t>
+            </a:r>
+            <a:r>
+              <a:rPr lang="zh-CN" altLang="en-US" dirty="0"/>
+              <a:t>制作开发板继承</a:t>
+            </a:r>
+            <a:r>
+              <a:rPr lang="en-US" altLang="zh-CN" dirty="0"/>
+              <a:t>SOC, </a:t>
+            </a:r>
+            <a:r>
+              <a:rPr lang="zh-CN" altLang="en-US" dirty="0"/>
+              <a:t>若对</a:t>
+            </a:r>
+            <a:r>
+              <a:rPr lang="en-US" altLang="zh-CN" dirty="0"/>
+              <a:t>SOC</a:t>
+            </a:r>
+            <a:r>
+              <a:rPr lang="zh-CN" altLang="en-US" dirty="0"/>
+              <a:t>有扩展</a:t>
+            </a:r>
+            <a:r>
+              <a:rPr lang="en-US" altLang="zh-CN" dirty="0"/>
+              <a:t>, </a:t>
+            </a:r>
+            <a:r>
+              <a:rPr lang="zh-CN" altLang="en-US" dirty="0"/>
+              <a:t>可形成自己的</a:t>
+            </a:r>
+            <a:r>
+              <a:rPr lang="en-US" altLang="zh-CN" dirty="0"/>
+              <a:t>BSP, </a:t>
+            </a:r>
+            <a:r>
+              <a:rPr lang="zh-CN" altLang="en-US" dirty="0"/>
+              <a:t>并定制自己的</a:t>
+            </a:r>
+            <a:r>
+              <a:rPr lang="en-US" altLang="zh-CN" dirty="0" err="1"/>
+              <a:t>uboot</a:t>
+            </a:r>
+            <a:endParaRPr lang="en-US" altLang="zh-CN" dirty="0"/>
+          </a:p>
+          <a:p>
+            <a:r>
+              <a:rPr lang="en-US" altLang="zh-CN" dirty="0"/>
+              <a:t>U-Boot</a:t>
+            </a:r>
+            <a:r>
+              <a:rPr lang="zh-CN" altLang="en-US" dirty="0"/>
+              <a:t>官方</a:t>
+            </a:r>
+            <a:endParaRPr lang="en-US" altLang="zh-CN" dirty="0"/>
+          </a:p>
+          <a:p>
+            <a:pPr marL="0" indent="0">
+              <a:buNone/>
+            </a:pPr>
+            <a:r>
+              <a:rPr lang="zh-CN" altLang="en-US" dirty="0">
+                <a:solidFill>
+                  <a:schemeClr val="tx1"/>
+                </a:solidFill>
+              </a:rPr>
+              <a:t>官方的</a:t>
+            </a:r>
+            <a:r>
+              <a:rPr lang="en-US" altLang="zh-CN" dirty="0">
+                <a:solidFill>
+                  <a:schemeClr val="tx1"/>
+                </a:solidFill>
+              </a:rPr>
+              <a:t>u-boot</a:t>
+            </a:r>
+            <a:r>
+              <a:rPr lang="zh-CN" altLang="en-US" dirty="0">
+                <a:solidFill>
+                  <a:schemeClr val="tx1"/>
+                </a:solidFill>
+              </a:rPr>
+              <a:t>本身提供了大量</a:t>
+            </a:r>
+            <a:r>
+              <a:rPr lang="en-US" altLang="zh-CN" dirty="0">
+                <a:solidFill>
+                  <a:schemeClr val="tx1"/>
+                </a:solidFill>
+              </a:rPr>
+              <a:t>soc</a:t>
+            </a:r>
+            <a:r>
+              <a:rPr lang="zh-CN" altLang="en-US" dirty="0">
+                <a:solidFill>
+                  <a:schemeClr val="tx1"/>
+                </a:solidFill>
+              </a:rPr>
+              <a:t>的配置</a:t>
+            </a:r>
+            <a:r>
+              <a:rPr lang="en-US" altLang="zh-CN" dirty="0">
+                <a:solidFill>
+                  <a:schemeClr val="tx1"/>
+                </a:solidFill>
+              </a:rPr>
+              <a:t>, </a:t>
+            </a:r>
+            <a:r>
+              <a:rPr lang="zh-CN" altLang="en-US" dirty="0">
+                <a:solidFill>
+                  <a:schemeClr val="tx1"/>
+                </a:solidFill>
+              </a:rPr>
+              <a:t>若购买的</a:t>
+            </a:r>
+            <a:r>
+              <a:rPr lang="en-US" altLang="zh-CN" dirty="0">
+                <a:solidFill>
+                  <a:schemeClr val="tx1"/>
+                </a:solidFill>
+              </a:rPr>
+              <a:t>soc</a:t>
+            </a:r>
+            <a:r>
+              <a:rPr lang="zh-CN" altLang="en-US" dirty="0">
+                <a:solidFill>
+                  <a:schemeClr val="tx1"/>
+                </a:solidFill>
+              </a:rPr>
+              <a:t>本身是标准的且被支持的</a:t>
+            </a:r>
+            <a:r>
+              <a:rPr lang="en-US" altLang="zh-CN" dirty="0">
+                <a:solidFill>
+                  <a:schemeClr val="tx1"/>
+                </a:solidFill>
+              </a:rPr>
+              <a:t>, </a:t>
+            </a:r>
+            <a:r>
+              <a:rPr lang="zh-CN" altLang="en-US" dirty="0">
+                <a:solidFill>
+                  <a:schemeClr val="tx1"/>
+                </a:solidFill>
+              </a:rPr>
+              <a:t>可直接用官方配置制作</a:t>
+            </a:r>
+            <a:r>
+              <a:rPr lang="en-US" altLang="zh-CN" dirty="0" err="1">
+                <a:solidFill>
+                  <a:schemeClr val="tx1"/>
+                </a:solidFill>
+              </a:rPr>
+              <a:t>uboot</a:t>
+            </a:r>
+            <a:br>
+              <a:rPr lang="en-US" altLang="zh-CN" dirty="0">
+                <a:solidFill>
+                  <a:srgbClr val="FF0000"/>
+                </a:solidFill>
+              </a:rPr>
+            </a:br>
+            <a:r>
+              <a:rPr lang="zh-CN" altLang="en-US" dirty="0">
+                <a:solidFill>
+                  <a:srgbClr val="FF0000"/>
+                </a:solidFill>
+              </a:rPr>
+              <a:t>一般用户只需修改</a:t>
+            </a:r>
+            <a:r>
+              <a:rPr lang="en-US" altLang="zh-CN" dirty="0">
+                <a:solidFill>
+                  <a:srgbClr val="FF0000"/>
+                </a:solidFill>
+              </a:rPr>
+              <a:t>flash</a:t>
+            </a:r>
+            <a:r>
+              <a:rPr lang="zh-CN" altLang="en-US" dirty="0">
+                <a:solidFill>
+                  <a:srgbClr val="FF0000"/>
+                </a:solidFill>
+              </a:rPr>
+              <a:t>分区表即可</a:t>
+            </a:r>
+            <a:endParaRPr lang="en-US" altLang="zh-CN" dirty="0">
+              <a:solidFill>
+                <a:srgbClr val="FF0000"/>
+              </a:solidFill>
+            </a:endParaRPr>
+          </a:p>
+          <a:p>
+            <a:pPr marL="0" indent="0">
+              <a:buNone/>
+            </a:pPr>
+            <a:endParaRPr lang="en-US" altLang="zh-CN" dirty="0">
+              <a:solidFill>
+                <a:srgbClr val="FF0000"/>
+              </a:solidFill>
+            </a:endParaRPr>
+          </a:p>
+        </p:txBody>
+      </p:sp>
+    </p:spTree>
+    <p:extLst>
+      <p:ext uri="{BB962C8B-B14F-4D97-AF65-F5344CB8AC3E}">
+        <p14:creationId xmlns:p14="http://schemas.microsoft.com/office/powerpoint/2010/main" val="3453396622"/>
+      </p:ext>
+    </p:extLst>
+  </p:cSld>
+  <p:clrMapOvr>
+    <a:masterClrMapping/>
+  </p:clrMapOvr>
+</p:sld>
+</file>
+
+<file path=ppt/slides/slide37.xml><?xml version="1.0" encoding="utf-8"?>
+<p:sld xmlns:a="http://schemas.openxmlformats.org/drawingml/2006/main" xmlns:r="http://schemas.openxmlformats.org/officeDocument/2006/relationships" xmlns:p="http://schemas.openxmlformats.org/presentationml/2006/main">
+  <p:cSld>
+    <p:spTree>
+      <p:nvGrpSpPr>
+        <p:cNvPr id="1" name=""/>
+        <p:cNvGrpSpPr/>
+        <p:nvPr/>
+      </p:nvGrpSpPr>
+      <p:grpSpPr>
+        <a:xfrm>
+          <a:off x="0" y="0"/>
+          <a:ext cx="0" cy="0"/>
+          <a:chOff x="0" y="0"/>
+          <a:chExt cx="0" cy="0"/>
+        </a:xfrm>
+      </p:grpSpPr>
+      <p:sp>
+        <p:nvSpPr>
+          <p:cNvPr id="2" name="标题 1">
+            <a:extLst>
+              <a:ext uri="{FF2B5EF4-FFF2-40B4-BE49-F238E27FC236}">
+                <a16:creationId xmlns:a16="http://schemas.microsoft.com/office/drawing/2014/main" id="{5A2C63EC-0728-49B6-ADE7-63E6E838E31A}"/>
+              </a:ext>
+            </a:extLst>
+          </p:cNvPr>
+          <p:cNvSpPr>
+            <a:spLocks noGrp="1"/>
+          </p:cNvSpPr>
+          <p:nvPr>
+            <p:ph type="title"/>
+          </p:nvPr>
+        </p:nvSpPr>
+        <p:spPr/>
+        <p:txBody>
+          <a:bodyPr/>
+          <a:lstStyle/>
+          <a:p>
+            <a:r>
+              <a:rPr lang="en-US" altLang="zh-CN" dirty="0" err="1"/>
+              <a:t>Uboot</a:t>
+            </a:r>
+            <a:r>
+              <a:rPr lang="zh-CN" altLang="en-US" dirty="0"/>
+              <a:t>编译</a:t>
+            </a:r>
+          </a:p>
+        </p:txBody>
+      </p:sp>
+      <p:sp>
+        <p:nvSpPr>
+          <p:cNvPr id="3" name="内容占位符 2">
+            <a:extLst>
+              <a:ext uri="{FF2B5EF4-FFF2-40B4-BE49-F238E27FC236}">
+                <a16:creationId xmlns:a16="http://schemas.microsoft.com/office/drawing/2014/main" id="{7204376E-9EDC-4C70-8EBF-396DBAE761B2}"/>
+              </a:ext>
+            </a:extLst>
+          </p:cNvPr>
+          <p:cNvSpPr>
+            <a:spLocks noGrp="1"/>
+          </p:cNvSpPr>
+          <p:nvPr>
+            <p:ph idx="1"/>
+          </p:nvPr>
+        </p:nvSpPr>
+        <p:spPr/>
+        <p:txBody>
+          <a:bodyPr/>
+          <a:lstStyle/>
+          <a:p>
+            <a:r>
+              <a:rPr lang="zh-CN" altLang="en-US" dirty="0"/>
+              <a:t>准备交叉编译环境</a:t>
+            </a:r>
+            <a:endParaRPr lang="en-US" altLang="zh-CN" dirty="0"/>
+          </a:p>
+          <a:p>
+            <a:r>
+              <a:rPr lang="zh-CN" altLang="en-US" dirty="0"/>
+              <a:t>准备</a:t>
+            </a:r>
+            <a:r>
+              <a:rPr lang="en-US" altLang="zh-CN" dirty="0" err="1"/>
+              <a:t>uboot</a:t>
+            </a:r>
+            <a:r>
+              <a:rPr lang="zh-CN" altLang="en-US" dirty="0"/>
+              <a:t>源码</a:t>
+            </a:r>
+            <a:endParaRPr lang="en-US" altLang="zh-CN" dirty="0"/>
+          </a:p>
+          <a:p>
+            <a:r>
+              <a:rPr lang="zh-CN" altLang="en-US" dirty="0"/>
+              <a:t>针对</a:t>
+            </a:r>
+            <a:r>
+              <a:rPr lang="en-US" altLang="zh-CN" dirty="0"/>
+              <a:t>BSP</a:t>
+            </a:r>
+            <a:r>
+              <a:rPr lang="zh-CN" altLang="en-US" dirty="0"/>
+              <a:t>修改</a:t>
+            </a:r>
+            <a:r>
+              <a:rPr lang="en-US" altLang="zh-CN" dirty="0" err="1"/>
+              <a:t>uboot</a:t>
+            </a:r>
+            <a:endParaRPr lang="en-US" altLang="zh-CN" dirty="0"/>
+          </a:p>
+          <a:p>
+            <a:r>
+              <a:rPr lang="zh-CN" altLang="en-US" dirty="0"/>
+              <a:t>编译</a:t>
+            </a:r>
+          </a:p>
+        </p:txBody>
+      </p:sp>
+    </p:spTree>
+    <p:extLst>
+      <p:ext uri="{BB962C8B-B14F-4D97-AF65-F5344CB8AC3E}">
+        <p14:creationId xmlns:p14="http://schemas.microsoft.com/office/powerpoint/2010/main" val="3725531555"/>
+      </p:ext>
+    </p:extLst>
   </p:cSld>
   <p:clrMapOvr>
     <a:masterClrMapping/>
